--- a/docs/lectures/nextflow/nextflow_2023.pptx
+++ b/docs/lectures/nextflow/nextflow_2023.pptx
@@ -5,28 +5,26 @@
     <p:sldMasterId id="2147483934" r:id="rId1"/>
   </p:sldMasterIdLst>
   <p:notesMasterIdLst>
-    <p:notesMasterId r:id="rId21"/>
+    <p:notesMasterId r:id="rId19"/>
   </p:notesMasterIdLst>
   <p:sldIdLst>
     <p:sldId id="279" r:id="rId2"/>
-    <p:sldId id="306" r:id="rId3"/>
-    <p:sldId id="307" r:id="rId4"/>
-    <p:sldId id="308" r:id="rId5"/>
-    <p:sldId id="309" r:id="rId6"/>
-    <p:sldId id="310" r:id="rId7"/>
-    <p:sldId id="311" r:id="rId8"/>
-    <p:sldId id="317" r:id="rId9"/>
-    <p:sldId id="316" r:id="rId10"/>
-    <p:sldId id="318" r:id="rId11"/>
-    <p:sldId id="319" r:id="rId12"/>
-    <p:sldId id="312" r:id="rId13"/>
-    <p:sldId id="320" r:id="rId14"/>
-    <p:sldId id="321" r:id="rId15"/>
-    <p:sldId id="322" r:id="rId16"/>
-    <p:sldId id="323" r:id="rId17"/>
-    <p:sldId id="324" r:id="rId18"/>
-    <p:sldId id="325" r:id="rId19"/>
-    <p:sldId id="326" r:id="rId20"/>
+    <p:sldId id="308" r:id="rId3"/>
+    <p:sldId id="309" r:id="rId4"/>
+    <p:sldId id="310" r:id="rId5"/>
+    <p:sldId id="311" r:id="rId6"/>
+    <p:sldId id="317" r:id="rId7"/>
+    <p:sldId id="316" r:id="rId8"/>
+    <p:sldId id="318" r:id="rId9"/>
+    <p:sldId id="319" r:id="rId10"/>
+    <p:sldId id="312" r:id="rId11"/>
+    <p:sldId id="320" r:id="rId12"/>
+    <p:sldId id="321" r:id="rId13"/>
+    <p:sldId id="322" r:id="rId14"/>
+    <p:sldId id="323" r:id="rId15"/>
+    <p:sldId id="324" r:id="rId16"/>
+    <p:sldId id="325" r:id="rId17"/>
+    <p:sldId id="326" r:id="rId18"/>
   </p:sldIdLst>
   <p:sldSz cx="9144000" cy="6858000" type="screen4x3"/>
   <p:notesSz cx="6858000" cy="9144000"/>
@@ -135,8 +133,6 @@
         </p14:section>
         <p14:section name="Section sans titre" id="{1719AA2E-A92F-3F4A-8D5D-A1E97266C16E}">
           <p14:sldIdLst>
-            <p14:sldId id="306"/>
-            <p14:sldId id="307"/>
             <p14:sldId id="308"/>
             <p14:sldId id="309"/>
             <p14:sldId id="310"/>
@@ -257,7 +253,7 @@
           <a:p>
             <a:fld id="{7E76141F-58C7-A14B-B7C4-4167B0731CCF}" type="datetimeFigureOut">
               <a:rPr lang="en-US" smtClean="0"/>
-              <a:t>6/1/23</a:t>
+              <a:t>6/8/23</a:t>
             </a:fld>
             <a:endParaRPr lang="en-US"/>
           </a:p>
@@ -683,7 +679,7 @@
     </p:spTree>
     <p:extLst>
       <p:ext uri="{BB962C8B-B14F-4D97-AF65-F5344CB8AC3E}">
-        <p14:creationId xmlns:p14="http://schemas.microsoft.com/office/powerpoint/2010/main" val="221233937"/>
+        <p14:creationId xmlns:p14="http://schemas.microsoft.com/office/powerpoint/2010/main" val="3419770691"/>
       </p:ext>
     </p:extLst>
   </p:cSld>
@@ -758,7 +754,7 @@
           <a:p>
             <a:fld id="{A9E1648F-5206-084C-80CE-B104653B0179}" type="slidenum">
               <a:rPr lang="en-US" smtClean="0"/>
-              <a:t>4</a:t>
+              <a:t>13</a:t>
             </a:fld>
             <a:endParaRPr lang="en-US"/>
           </a:p>
@@ -767,7 +763,7 @@
     </p:spTree>
     <p:extLst>
       <p:ext uri="{BB962C8B-B14F-4D97-AF65-F5344CB8AC3E}">
-        <p14:creationId xmlns:p14="http://schemas.microsoft.com/office/powerpoint/2010/main" val="3419770691"/>
+        <p14:creationId xmlns:p14="http://schemas.microsoft.com/office/powerpoint/2010/main" val="514007476"/>
       </p:ext>
     </p:extLst>
   </p:cSld>
@@ -842,7 +838,7 @@
           <a:p>
             <a:fld id="{A9E1648F-5206-084C-80CE-B104653B0179}" type="slidenum">
               <a:rPr lang="en-US" smtClean="0"/>
-              <a:t>15</a:t>
+              <a:t>16</a:t>
             </a:fld>
             <a:endParaRPr lang="en-US"/>
           </a:p>
@@ -851,7 +847,7 @@
     </p:spTree>
     <p:extLst>
       <p:ext uri="{BB962C8B-B14F-4D97-AF65-F5344CB8AC3E}">
-        <p14:creationId xmlns:p14="http://schemas.microsoft.com/office/powerpoint/2010/main" val="514007476"/>
+        <p14:creationId xmlns:p14="http://schemas.microsoft.com/office/powerpoint/2010/main" val="263265582"/>
       </p:ext>
     </p:extLst>
   </p:cSld>
@@ -926,91 +922,7 @@
           <a:p>
             <a:fld id="{A9E1648F-5206-084C-80CE-B104653B0179}" type="slidenum">
               <a:rPr lang="en-US" smtClean="0"/>
-              <a:t>18</a:t>
-            </a:fld>
-            <a:endParaRPr lang="en-US"/>
-          </a:p>
-        </p:txBody>
-      </p:sp>
-    </p:spTree>
-    <p:extLst>
-      <p:ext uri="{BB962C8B-B14F-4D97-AF65-F5344CB8AC3E}">
-        <p14:creationId xmlns:p14="http://schemas.microsoft.com/office/powerpoint/2010/main" val="263265582"/>
-      </p:ext>
-    </p:extLst>
-  </p:cSld>
-  <p:clrMapOvr>
-    <a:masterClrMapping/>
-  </p:clrMapOvr>
-</p:notes>
-</file>
-
-<file path=ppt/notesSlides/notesSlide6.xml><?xml version="1.0" encoding="utf-8"?>
-<p:notes xmlns:a="http://schemas.openxmlformats.org/drawingml/2006/main" xmlns:r="http://schemas.openxmlformats.org/officeDocument/2006/relationships" xmlns:p="http://schemas.openxmlformats.org/presentationml/2006/main">
-  <p:cSld>
-    <p:spTree>
-      <p:nvGrpSpPr>
-        <p:cNvPr id="1" name=""/>
-        <p:cNvGrpSpPr/>
-        <p:nvPr/>
-      </p:nvGrpSpPr>
-      <p:grpSpPr>
-        <a:xfrm>
-          <a:off x="0" y="0"/>
-          <a:ext cx="0" cy="0"/>
-          <a:chOff x="0" y="0"/>
-          <a:chExt cx="0" cy="0"/>
-        </a:xfrm>
-      </p:grpSpPr>
-      <p:sp>
-        <p:nvSpPr>
-          <p:cNvPr id="2" name="Espace réservé de l'image des diapositives 1"/>
-          <p:cNvSpPr>
-            <a:spLocks noGrp="1" noRot="1" noChangeAspect="1"/>
-          </p:cNvSpPr>
-          <p:nvPr>
-            <p:ph type="sldImg"/>
-          </p:nvPr>
-        </p:nvSpPr>
-        <p:spPr/>
-      </p:sp>
-      <p:sp>
-        <p:nvSpPr>
-          <p:cNvPr id="3" name="Espace réservé des notes 2"/>
-          <p:cNvSpPr>
-            <a:spLocks noGrp="1"/>
-          </p:cNvSpPr>
-          <p:nvPr>
-            <p:ph type="body" idx="1"/>
-          </p:nvPr>
-        </p:nvSpPr>
-        <p:spPr/>
-        <p:txBody>
-          <a:bodyPr/>
-          <a:lstStyle/>
-          <a:p>
-            <a:endParaRPr lang="fr-FR" dirty="0"/>
-          </a:p>
-        </p:txBody>
-      </p:sp>
-      <p:sp>
-        <p:nvSpPr>
-          <p:cNvPr id="4" name="Espace réservé du numéro de diapositive 3"/>
-          <p:cNvSpPr>
-            <a:spLocks noGrp="1"/>
-          </p:cNvSpPr>
-          <p:nvPr>
-            <p:ph type="sldNum" sz="quarter" idx="5"/>
-          </p:nvPr>
-        </p:nvSpPr>
-        <p:spPr/>
-        <p:txBody>
-          <a:bodyPr/>
-          <a:lstStyle/>
-          <a:p>
-            <a:fld id="{A9E1648F-5206-084C-80CE-B104653B0179}" type="slidenum">
-              <a:rPr lang="en-US" smtClean="0"/>
-              <a:t>19</a:t>
+              <a:t>17</a:t>
             </a:fld>
             <a:endParaRPr lang="en-US"/>
           </a:p>
@@ -1168,7 +1080,7 @@
           <a:p>
             <a:fld id="{7C6A54A1-5E54-0241-B2C3-72F88A671BC2}" type="datetime1">
               <a:rPr lang="fr-FR" smtClean="0"/>
-              <a:t>01/06/2023</a:t>
+              <a:t>08/06/2023</a:t>
             </a:fld>
             <a:endParaRPr lang="en-US"/>
           </a:p>
@@ -1411,7 +1323,7 @@
           <a:p>
             <a:fld id="{E20FCA15-8C6B-AC42-86EF-8DF9B1229915}" type="datetime1">
               <a:rPr lang="fr-FR" smtClean="0"/>
-              <a:t>01/06/2023</a:t>
+              <a:t>08/06/2023</a:t>
             </a:fld>
             <a:endParaRPr lang="en-US"/>
           </a:p>
@@ -1596,7 +1508,7 @@
           <a:p>
             <a:fld id="{399204C4-F12D-1843-8FC6-E777755379C9}" type="datetime1">
               <a:rPr lang="fr-FR" smtClean="0"/>
-              <a:t>01/06/2023</a:t>
+              <a:t>08/06/2023</a:t>
             </a:fld>
             <a:endParaRPr lang="en-US"/>
           </a:p>
@@ -1798,7 +1710,7 @@
           <a:p>
             <a:fld id="{DEFEA2BD-E51A-9945-AB7D-45A559D9AC52}" type="datetime1">
               <a:rPr lang="fr-FR" smtClean="0"/>
-              <a:t>01/06/2023</a:t>
+              <a:t>08/06/2023</a:t>
             </a:fld>
             <a:endParaRPr lang="en-US"/>
           </a:p>
@@ -2078,7 +1990,7 @@
           <a:p>
             <a:fld id="{A0427D27-E395-1A46-98E7-8645ED4A4054}" type="datetime1">
               <a:rPr lang="fr-FR" smtClean="0"/>
-              <a:t>01/06/2023</a:t>
+              <a:t>08/06/2023</a:t>
             </a:fld>
             <a:endParaRPr lang="en-US"/>
           </a:p>
@@ -2347,7 +2259,7 @@
           <a:p>
             <a:fld id="{49EE48F9-E5F8-E448-BF44-2B895DCD8F23}" type="datetime1">
               <a:rPr lang="fr-FR" smtClean="0"/>
-              <a:t>01/06/2023</a:t>
+              <a:t>08/06/2023</a:t>
             </a:fld>
             <a:endParaRPr lang="en-US"/>
           </a:p>
@@ -2795,7 +2707,7 @@
           <a:p>
             <a:fld id="{C5322C35-8F21-2245-92F8-27B0DB82D061}" type="datetime1">
               <a:rPr lang="fr-FR" smtClean="0"/>
-              <a:t>01/06/2023</a:t>
+              <a:t>08/06/2023</a:t>
             </a:fld>
             <a:endParaRPr lang="en-US"/>
           </a:p>
@@ -2945,7 +2857,7 @@
           <a:p>
             <a:fld id="{48018232-09D3-5440-A37D-D65E8064C878}" type="datetime1">
               <a:rPr lang="fr-FR" smtClean="0"/>
-              <a:t>01/06/2023</a:t>
+              <a:t>08/06/2023</a:t>
             </a:fld>
             <a:endParaRPr lang="en-US"/>
           </a:p>
@@ -3046,7 +2958,7 @@
           <a:p>
             <a:fld id="{64B1BED1-A779-E44E-9EAB-26F7534A4751}" type="datetime1">
               <a:rPr lang="fr-FR" smtClean="0"/>
-              <a:t>01/06/2023</a:t>
+              <a:t>08/06/2023</a:t>
             </a:fld>
             <a:endParaRPr lang="en-US"/>
           </a:p>
@@ -3522,7 +3434,7 @@
           <a:p>
             <a:fld id="{B800F093-70EC-614F-A65F-55522ADF5470}" type="datetime1">
               <a:rPr lang="fr-FR" smtClean="0"/>
-              <a:t>01/06/2023</a:t>
+              <a:t>08/06/2023</a:t>
             </a:fld>
             <a:endParaRPr lang="en-US"/>
           </a:p>
@@ -3968,7 +3880,7 @@
           <a:p>
             <a:fld id="{EA6EB543-11BE-7F45-A81B-F9A61DD5F367}" type="datetime1">
               <a:rPr lang="fr-FR" smtClean="0"/>
-              <a:t>01/06/2023</a:t>
+              <a:t>08/06/2023</a:t>
             </a:fld>
             <a:endParaRPr lang="en-US"/>
           </a:p>
@@ -4333,7 +4245,7 @@
           <a:p>
             <a:fld id="{0F527C29-D1D4-EC4F-8531-C458EB6E4021}" type="datetime1">
               <a:rPr lang="fr-FR" smtClean="0"/>
-              <a:t>01/06/2023</a:t>
+              <a:t>08/06/2023</a:t>
             </a:fld>
             <a:endParaRPr lang="en-US"/>
           </a:p>
@@ -5202,6 +5114,221 @@
           </a:prstGeom>
         </p:spPr>
       </p:pic>
+      <p:pic>
+        <p:nvPicPr>
+          <p:cNvPr id="4" name="Image 3">
+            <a:extLst>
+              <a:ext uri="{FF2B5EF4-FFF2-40B4-BE49-F238E27FC236}">
+                <a16:creationId xmlns:a16="http://schemas.microsoft.com/office/drawing/2014/main" id="{0DB66072-DC73-B112-E49E-1071EAA29378}"/>
+              </a:ext>
+            </a:extLst>
+          </p:cNvPr>
+          <p:cNvPicPr>
+            <a:picLocks noChangeAspect="1"/>
+          </p:cNvPicPr>
+          <p:nvPr/>
+        </p:nvPicPr>
+        <p:blipFill>
+          <a:blip r:embed="rId3">
+            <a:clrChange>
+              <a:clrFrom>
+                <a:srgbClr val="FFFFFF">
+                  <a:alpha val="0"/>
+                </a:srgbClr>
+              </a:clrFrom>
+              <a:clrTo>
+                <a:srgbClr val="FFFFFF">
+                  <a:alpha val="0"/>
+                </a:srgbClr>
+              </a:clrTo>
+            </a:clrChange>
+            <a:lum bright="70000" contrast="-70000"/>
+            <a:extLst>
+              <a:ext uri="{BEBA8EAE-BF5A-486C-A8C5-ECC9F3942E4B}">
+                <a14:imgProps xmlns:a14="http://schemas.microsoft.com/office/drawing/2010/main">
+                  <a14:imgLayer r:embed="rId4">
+                    <a14:imgEffect>
+                      <a14:backgroundRemoval t="2915" b="96413" l="2200" r="97600">
+                        <a14:foregroundMark x1="36400" y1="35426" x2="36400" y2="35426"/>
+                        <a14:foregroundMark x1="42800" y1="36099" x2="42800" y2="36099"/>
+                        <a14:foregroundMark x1="56400" y1="32960" x2="56400" y2="32960"/>
+                        <a14:foregroundMark x1="68800" y1="28251" x2="68800" y2="28251"/>
+                        <a14:foregroundMark x1="83400" y1="10762" x2="83400" y2="10762"/>
+                        <a14:foregroundMark x1="92000" y1="21076" x2="92000" y2="21076"/>
+                        <a14:foregroundMark x1="96000" y1="19955" x2="96000" y2="19955"/>
+                        <a14:foregroundMark x1="92400" y1="36547" x2="92400" y2="36547"/>
+                        <a14:foregroundMark x1="97600" y1="64126" x2="97600" y2="64126"/>
+                        <a14:foregroundMark x1="88800" y1="61659" x2="88800" y2="61659"/>
+                        <a14:foregroundMark x1="79800" y1="68161" x2="79800" y2="68161"/>
+                        <a14:foregroundMark x1="64000" y1="80717" x2="64000" y2="80717"/>
+                        <a14:foregroundMark x1="42200" y1="68834" x2="42200" y2="68834"/>
+                        <a14:foregroundMark x1="16600" y1="67489" x2="16600" y2="67489"/>
+                        <a14:foregroundMark x1="7200" y1="61211" x2="7200" y2="61211"/>
+                        <a14:foregroundMark x1="2200" y1="63004" x2="2200" y2="63004"/>
+                        <a14:foregroundMark x1="7600" y1="47085" x2="7600" y2="47085"/>
+                        <a14:foregroundMark x1="3000" y1="30493" x2="3000" y2="30493"/>
+                        <a14:foregroundMark x1="10600" y1="16592" x2="10600" y2="16592"/>
+                        <a14:foregroundMark x1="19600" y1="8969" x2="19600" y2="8969"/>
+                        <a14:foregroundMark x1="17400" y1="4933" x2="17400" y2="4933"/>
+                        <a14:foregroundMark x1="32800" y1="2915" x2="32800" y2="2915"/>
+                        <a14:foregroundMark x1="53600" y1="6502" x2="53600" y2="6502"/>
+                        <a14:foregroundMark x1="63200" y1="10090" x2="63200" y2="10090"/>
+                        <a14:foregroundMark x1="18000" y1="82287" x2="18000" y2="82287"/>
+                        <a14:foregroundMark x1="27400" y1="95067" x2="27400" y2="95067"/>
+                        <a14:foregroundMark x1="53000" y1="96413" x2="53000" y2="96413"/>
+                        <a14:foregroundMark x1="64600" y1="95964" x2="64600" y2="95964"/>
+                        <a14:foregroundMark x1="79200" y1="92377" x2="79200" y2="92377"/>
+                        <a14:foregroundMark x1="87200" y1="84081" x2="87200" y2="84081"/>
+                        <a14:foregroundMark x1="34400" y1="3139" x2="34400" y2="3139"/>
+                        <a14:foregroundMark x1="69800" y1="32287" x2="69800" y2="32287"/>
+                        <a14:foregroundMark x1="69600" y1="32511" x2="69600" y2="32511"/>
+                        <a14:foregroundMark x1="69600" y1="32063" x2="69600" y2="32063"/>
+                        <a14:foregroundMark x1="69800" y1="32511" x2="69800" y2="32511"/>
+                        <a14:foregroundMark x1="69800" y1="32511" x2="69800" y2="32511"/>
+                        <a14:foregroundMark x1="69800" y1="32287" x2="69800" y2="32287"/>
+                        <a14:foregroundMark x1="69800" y1="32287" x2="69800" y2="32287"/>
+                        <a14:foregroundMark x1="69800" y1="32287" x2="69800" y2="32287"/>
+                        <a14:foregroundMark x1="69800" y1="32287" x2="69800" y2="32287"/>
+                        <a14:foregroundMark x1="69600" y1="31839" x2="69600" y2="31839"/>
+                        <a14:foregroundMark x1="69600" y1="32287" x2="69600" y2="32287"/>
+                        <a14:foregroundMark x1="69800" y1="32511" x2="70000" y2="32960"/>
+                        <a14:foregroundMark x1="70000" y1="33408" x2="68800" y2="32960"/>
+                        <a14:foregroundMark x1="39400" y1="89910" x2="39400" y2="89910"/>
+                        <a14:foregroundMark x1="39600" y1="89910" x2="39600" y2="89910"/>
+                        <a14:foregroundMark x1="39600" y1="90135" x2="39600" y2="90135"/>
+                        <a14:foregroundMark x1="39600" y1="90135" x2="39600" y2="90135"/>
+                        <a14:foregroundMark x1="39600" y1="89686" x2="39600" y2="89686"/>
+                        <a14:foregroundMark x1="39600" y1="89686" x2="39200" y2="89686"/>
+                        <a14:foregroundMark x1="39600" y1="90135" x2="39600" y2="90135"/>
+                        <a14:backgroundMark x1="40000" y1="89910" x2="40000" y2="89910"/>
+                        <a14:backgroundMark x1="63200" y1="96413" x2="63200" y2="96413"/>
+                        <a14:backgroundMark x1="63800" y1="96188" x2="63800" y2="96188"/>
+                        <a14:backgroundMark x1="64200" y1="96188" x2="64200" y2="96188"/>
+                        <a14:backgroundMark x1="64000" y1="95740" x2="64000" y2="95740"/>
+                        <a14:backgroundMark x1="64000" y1="95740" x2="64000" y2="95740"/>
+                        <a14:backgroundMark x1="64000" y1="95964" x2="64000" y2="95964"/>
+                        <a14:backgroundMark x1="64200" y1="95964" x2="64200" y2="95964"/>
+                        <a14:backgroundMark x1="64200" y1="96413" x2="64200" y2="96413"/>
+                        <a14:backgroundMark x1="42600" y1="71525" x2="42600" y2="71525"/>
+                        <a14:backgroundMark x1="42800" y1="71076" x2="42800" y2="71076"/>
+                        <a14:backgroundMark x1="61400" y1="67937" x2="61400" y2="67937"/>
+                        <a14:backgroundMark x1="70000" y1="32063" x2="70000" y2="32063"/>
+                        <a14:backgroundMark x1="17000" y1="5381" x2="17000" y2="5381"/>
+                        <a14:backgroundMark x1="17600" y1="5381" x2="17600" y2="5381"/>
+                        <a14:backgroundMark x1="17000" y1="5157" x2="17000" y2="5157"/>
+                        <a14:backgroundMark x1="17000" y1="4933" x2="17000" y2="4933"/>
+                        <a14:backgroundMark x1="17000" y1="5157" x2="17000" y2="5157"/>
+                        <a14:backgroundMark x1="17000" y1="5157" x2="17000" y2="5157"/>
+                        <a14:backgroundMark x1="17200" y1="5157" x2="17200" y2="5157"/>
+                        <a14:backgroundMark x1="17200" y1="5157" x2="17200" y2="5157"/>
+                        <a14:backgroundMark x1="17200" y1="4933" x2="17200" y2="4933"/>
+                        <a14:backgroundMark x1="17400" y1="5157" x2="17400" y2="5157"/>
+                        <a14:backgroundMark x1="17400" y1="4933" x2="17400" y2="4933"/>
+                        <a14:backgroundMark x1="17400" y1="5157" x2="17400" y2="5157"/>
+                        <a14:backgroundMark x1="32400" y1="3363" x2="32400" y2="3363"/>
+                        <a14:backgroundMark x1="32400" y1="2691" x2="32400" y2="2691"/>
+                        <a14:backgroundMark x1="32400" y1="3587" x2="32400" y2="3587"/>
+                        <a14:backgroundMark x1="32400" y1="3363" x2="32400" y2="3363"/>
+                        <a14:backgroundMark x1="32400" y1="3587" x2="32400" y2="3587"/>
+                        <a14:backgroundMark x1="32200" y1="3363" x2="32200" y2="3363"/>
+                        <a14:backgroundMark x1="32200" y1="3363" x2="32200" y2="3363"/>
+                        <a14:backgroundMark x1="32400" y1="3587" x2="32400" y2="3587"/>
+                        <a14:backgroundMark x1="32400" y1="3587" x2="32400" y2="3587"/>
+                        <a14:backgroundMark x1="32400" y1="3363" x2="32400" y2="3363"/>
+                        <a14:backgroundMark x1="32400" y1="3363" x2="32400" y2="3363"/>
+                        <a14:backgroundMark x1="32400" y1="3363" x2="32400" y2="3363"/>
+                        <a14:backgroundMark x1="32600" y1="3363" x2="32600" y2="3363"/>
+                        <a14:backgroundMark x1="32600" y1="3139" x2="32600" y2="3139"/>
+                      </a14:backgroundRemoval>
+                    </a14:imgEffect>
+                  </a14:imgLayer>
+                </a14:imgProps>
+              </a:ext>
+            </a:extLst>
+          </a:blip>
+          <a:stretch>
+            <a:fillRect/>
+          </a:stretch>
+        </p:blipFill>
+        <p:spPr>
+          <a:xfrm>
+            <a:off x="78958" y="6125472"/>
+            <a:ext cx="785191" cy="700391"/>
+          </a:xfrm>
+          <a:prstGeom prst="rect">
+            <a:avLst/>
+          </a:prstGeom>
+        </p:spPr>
+      </p:pic>
+      <p:pic>
+        <p:nvPicPr>
+          <p:cNvPr id="7" name="Graphique 6">
+            <a:extLst>
+              <a:ext uri="{FF2B5EF4-FFF2-40B4-BE49-F238E27FC236}">
+                <a16:creationId xmlns:a16="http://schemas.microsoft.com/office/drawing/2014/main" id="{D977599A-F589-E87E-AC6B-269692E4C01A}"/>
+              </a:ext>
+            </a:extLst>
+          </p:cNvPr>
+          <p:cNvPicPr>
+            <a:picLocks noChangeAspect="1"/>
+          </p:cNvPicPr>
+          <p:nvPr/>
+        </p:nvPicPr>
+        <p:blipFill>
+          <a:blip r:embed="rId7">
+            <a:extLst>
+              <a:ext uri="{28A0092B-C50C-407E-A947-70E740481C1C}">
+                <a14:useLocalDpi xmlns:a14="http://schemas.microsoft.com/office/drawing/2010/main" val="0"/>
+              </a:ext>
+              <a:ext uri="{96DAC541-7B7A-43D3-8B79-37D633B846F1}">
+                <asvg:svgBlip xmlns:asvg="http://schemas.microsoft.com/office/drawing/2016/SVG/main" r:embed="rId8"/>
+              </a:ext>
+            </a:extLst>
+          </a:blip>
+          <a:stretch>
+            <a:fillRect/>
+          </a:stretch>
+        </p:blipFill>
+        <p:spPr>
+          <a:xfrm>
+            <a:off x="1023561" y="6265944"/>
+            <a:ext cx="992125" cy="529505"/>
+          </a:xfrm>
+          <a:prstGeom prst="rect">
+            <a:avLst/>
+          </a:prstGeom>
+        </p:spPr>
+      </p:pic>
+      <p:pic>
+        <p:nvPicPr>
+          <p:cNvPr id="9" name="Image 8">
+            <a:extLst>
+              <a:ext uri="{FF2B5EF4-FFF2-40B4-BE49-F238E27FC236}">
+                <a16:creationId xmlns:a16="http://schemas.microsoft.com/office/drawing/2014/main" id="{011A8934-F373-0966-78FA-22A94D317673}"/>
+              </a:ext>
+            </a:extLst>
+          </p:cNvPr>
+          <p:cNvPicPr>
+            <a:picLocks noChangeAspect="1"/>
+          </p:cNvPicPr>
+          <p:nvPr/>
+        </p:nvPicPr>
+        <p:blipFill>
+          <a:blip r:embed="rId9"/>
+          <a:stretch>
+            <a:fillRect/>
+          </a:stretch>
+        </p:blipFill>
+        <p:spPr>
+          <a:xfrm>
+            <a:off x="2256891" y="6127937"/>
+            <a:ext cx="959549" cy="723548"/>
+          </a:xfrm>
+          <a:prstGeom prst="rect">
+            <a:avLst/>
+          </a:prstGeom>
+        </p:spPr>
+      </p:pic>
     </p:spTree>
     <p:extLst>
       <p:ext uri="{BB962C8B-B14F-4D97-AF65-F5344CB8AC3E}">
@@ -5291,7 +5418,7 @@
             </a:r>
             <a:r>
               <a:rPr lang="fr-FR" dirty="0"/>
-              <a:t> of a process </a:t>
+              <a:t> of a workflow </a:t>
             </a:r>
           </a:p>
         </p:txBody>
@@ -5301,7 +5428,7 @@
           <p:cNvPr id="4" name="Rectangle 3">
             <a:extLst>
               <a:ext uri="{FF2B5EF4-FFF2-40B4-BE49-F238E27FC236}">
-                <a16:creationId xmlns:a16="http://schemas.microsoft.com/office/drawing/2014/main" id="{FF239985-C83D-B9BA-30F6-BD62E77AF4D3}"/>
+                <a16:creationId xmlns:a16="http://schemas.microsoft.com/office/drawing/2014/main" id="{3BD14B11-A09D-67A3-DB70-3AC5295DBFA4}"/>
               </a:ext>
             </a:extLst>
           </p:cNvPr>
@@ -5310,8 +5437,8 @@
         </p:nvSpPr>
         <p:spPr>
           <a:xfrm>
-            <a:off x="141448" y="511994"/>
-            <a:ext cx="8861104" cy="4823610"/>
+            <a:off x="141448" y="1599990"/>
+            <a:ext cx="8861104" cy="2115176"/>
           </a:xfrm>
           <a:prstGeom prst="rect">
             <a:avLst/>
@@ -5340,19 +5467,203 @@
           <a:p>
             <a:pPr algn="l"/>
             <a:r>
-              <a:rPr lang="fr-FR" sz="1600" i="0" u="none" strike="noStrike" dirty="0">
-                <a:solidFill>
-                  <a:srgbClr val="333333"/>
-                </a:solidFill>
-                <a:effectLst/>
-                <a:latin typeface="Courier New" panose="02070309020205020404" pitchFamily="49" charset="0"/>
-              </a:rPr>
-              <a:t>process GET_SRA_BY_ACCESSION { </a:t>
+              <a:rPr lang="fr-FR" sz="1600" b="0" i="0" u="none" strike="noStrike" dirty="0">
+                <a:solidFill>
+                  <a:srgbClr val="333333"/>
+                </a:solidFill>
+                <a:effectLst/>
+                <a:latin typeface="Courier New" panose="02070309020205020404" pitchFamily="49" charset="0"/>
+              </a:rPr>
+              <a:t>workflow {</a:t>
             </a:r>
           </a:p>
           <a:p>
             <a:pPr algn="l"/>
-            <a:endParaRPr lang="fr-FR" sz="1600" i="0" u="none" strike="noStrike" dirty="0">
+            <a:r>
+              <a:rPr lang="fr-FR" sz="1600" b="0" i="0" u="none" strike="noStrike" dirty="0">
+                <a:solidFill>
+                  <a:srgbClr val="333333"/>
+                </a:solidFill>
+                <a:effectLst/>
+                <a:latin typeface="Courier New" panose="02070309020205020404" pitchFamily="49" charset="0"/>
+              </a:rPr>
+              <a:t> </a:t>
+            </a:r>
+          </a:p>
+          <a:p>
+            <a:pPr algn="l"/>
+            <a:r>
+              <a:rPr lang="fr-FR" sz="1600" b="0" i="0" u="none" strike="noStrike" dirty="0">
+                <a:solidFill>
+                  <a:srgbClr val="333333"/>
+                </a:solidFill>
+                <a:effectLst/>
+                <a:latin typeface="Courier New" panose="02070309020205020404" pitchFamily="49" charset="0"/>
+              </a:rPr>
+              <a:t>	</a:t>
+            </a:r>
+            <a:r>
+              <a:rPr lang="fr-FR" sz="1600" b="0" i="0" u="none" strike="noStrike" dirty="0">
+                <a:solidFill>
+                  <a:schemeClr val="tx2">
+                    <a:lumMod val="60000"/>
+                    <a:lumOff val="40000"/>
+                  </a:schemeClr>
+                </a:solidFill>
+                <a:effectLst/>
+                <a:latin typeface="Courier New" panose="02070309020205020404" pitchFamily="49" charset="0"/>
+              </a:rPr>
+              <a:t>// </a:t>
+            </a:r>
+            <a:r>
+              <a:rPr lang="fr-FR" sz="1600" b="0" i="0" u="none" strike="noStrike" dirty="0" err="1">
+                <a:solidFill>
+                  <a:schemeClr val="tx2">
+                    <a:lumMod val="60000"/>
+                    <a:lumOff val="40000"/>
+                  </a:schemeClr>
+                </a:solidFill>
+                <a:effectLst/>
+                <a:latin typeface="Courier New" panose="02070309020205020404" pitchFamily="49" charset="0"/>
+              </a:rPr>
+              <a:t>Define</a:t>
+            </a:r>
+            <a:r>
+              <a:rPr lang="fr-FR" sz="1600" b="0" i="0" u="none" strike="noStrike" dirty="0">
+                <a:solidFill>
+                  <a:schemeClr val="tx2">
+                    <a:lumMod val="60000"/>
+                    <a:lumOff val="40000"/>
+                  </a:schemeClr>
+                </a:solidFill>
+                <a:effectLst/>
+                <a:latin typeface="Courier New" panose="02070309020205020404" pitchFamily="49" charset="0"/>
+              </a:rPr>
+              <a:t> SRA input data </a:t>
+            </a:r>
+            <a:r>
+              <a:rPr lang="fr-FR" sz="1600" b="0" i="0" u="none" strike="noStrike" dirty="0" err="1">
+                <a:solidFill>
+                  <a:schemeClr val="tx2">
+                    <a:lumMod val="60000"/>
+                    <a:lumOff val="40000"/>
+                  </a:schemeClr>
+                </a:solidFill>
+                <a:effectLst/>
+                <a:latin typeface="Courier New" panose="02070309020205020404" pitchFamily="49" charset="0"/>
+              </a:rPr>
+              <a:t>channel</a:t>
+            </a:r>
+            <a:r>
+              <a:rPr lang="fr-FR" sz="1600" b="0" i="0" u="none" strike="noStrike" dirty="0">
+                <a:solidFill>
+                  <a:schemeClr val="tx2">
+                    <a:lumMod val="60000"/>
+                    <a:lumOff val="40000"/>
+                  </a:schemeClr>
+                </a:solidFill>
+                <a:effectLst/>
+                <a:latin typeface="Courier New" panose="02070309020205020404" pitchFamily="49" charset="0"/>
+              </a:rPr>
+              <a:t> </a:t>
+            </a:r>
+          </a:p>
+          <a:p>
+            <a:pPr algn="l"/>
+            <a:r>
+              <a:rPr lang="fr-FR" sz="1600" b="0" i="0" u="none" strike="noStrike" dirty="0">
+                <a:solidFill>
+                  <a:srgbClr val="333333"/>
+                </a:solidFill>
+                <a:effectLst/>
+                <a:latin typeface="Courier New" panose="02070309020205020404" pitchFamily="49" charset="0"/>
+              </a:rPr>
+              <a:t>	</a:t>
+            </a:r>
+            <a:r>
+              <a:rPr lang="fr-FR" sz="1600" b="0" i="0" u="none" strike="noStrike" dirty="0" err="1">
+                <a:solidFill>
+                  <a:srgbClr val="333333"/>
+                </a:solidFill>
+                <a:effectLst/>
+                <a:latin typeface="Courier New" panose="02070309020205020404" pitchFamily="49" charset="0"/>
+              </a:rPr>
+              <a:t>ch_sra_ids</a:t>
+            </a:r>
+            <a:r>
+              <a:rPr lang="fr-FR" sz="1600" b="0" i="0" u="none" strike="noStrike" dirty="0">
+                <a:solidFill>
+                  <a:srgbClr val="333333"/>
+                </a:solidFill>
+                <a:effectLst/>
+                <a:latin typeface="Courier New" panose="02070309020205020404" pitchFamily="49" charset="0"/>
+              </a:rPr>
+              <a:t> = </a:t>
+            </a:r>
+            <a:r>
+              <a:rPr lang="fr-FR" sz="1600" b="0" i="0" u="none" strike="noStrike" dirty="0" err="1">
+                <a:solidFill>
+                  <a:srgbClr val="333333"/>
+                </a:solidFill>
+                <a:effectLst/>
+                <a:latin typeface="Courier New" panose="02070309020205020404" pitchFamily="49" charset="0"/>
+              </a:rPr>
+              <a:t>Channel.fromList</a:t>
+            </a:r>
+            <a:r>
+              <a:rPr lang="fr-FR" sz="1600" b="0" i="0" u="none" strike="noStrike" dirty="0">
+                <a:solidFill>
+                  <a:srgbClr val="333333"/>
+                </a:solidFill>
+                <a:effectLst/>
+                <a:latin typeface="Courier New" panose="02070309020205020404" pitchFamily="49" charset="0"/>
+              </a:rPr>
+              <a:t> ( ["</a:t>
+            </a:r>
+            <a:r>
+              <a:rPr lang="fr-FR" sz="1600" b="0" i="0" u="none" strike="noStrike" dirty="0">
+                <a:solidFill>
+                  <a:schemeClr val="accent2"/>
+                </a:solidFill>
+                <a:effectLst/>
+                <a:latin typeface="Courier New" panose="02070309020205020404" pitchFamily="49" charset="0"/>
+              </a:rPr>
+              <a:t>SRR935090</a:t>
+            </a:r>
+            <a:r>
+              <a:rPr lang="fr-FR" sz="1600" b="0" i="0" u="none" strike="noStrike" dirty="0">
+                <a:solidFill>
+                  <a:srgbClr val="333333"/>
+                </a:solidFill>
+                <a:effectLst/>
+                <a:latin typeface="Courier New" panose="02070309020205020404" pitchFamily="49" charset="0"/>
+              </a:rPr>
+              <a:t>", "</a:t>
+            </a:r>
+            <a:r>
+              <a:rPr lang="fr-FR" sz="1600" b="0" i="0" u="none" strike="noStrike" dirty="0">
+                <a:solidFill>
+                  <a:schemeClr val="accent2"/>
+                </a:solidFill>
+                <a:effectLst/>
+                <a:latin typeface="Courier New" panose="02070309020205020404" pitchFamily="49" charset="0"/>
+              </a:rPr>
+              <a:t>SRR935091</a:t>
+            </a:r>
+            <a:r>
+              <a:rPr lang="fr-FR" sz="1600" b="0" i="0" u="none" strike="noStrike" dirty="0">
+                <a:solidFill>
+                  <a:srgbClr val="333333"/>
+                </a:solidFill>
+                <a:effectLst/>
+                <a:latin typeface="Courier New" panose="02070309020205020404" pitchFamily="49" charset="0"/>
+              </a:rPr>
+              <a:t>"] ) </a:t>
+            </a:r>
+          </a:p>
+          <a:p>
+            <a:pPr algn="l"/>
+            <a:endParaRPr lang="fr-FR" sz="1600" b="0" i="0" u="none" strike="noStrike" dirty="0">
               <a:solidFill>
                 <a:srgbClr val="333333"/>
               </a:solidFill>
@@ -5372,437 +5683,82 @@
               <a:t>	</a:t>
             </a:r>
             <a:r>
-              <a:rPr lang="fr-FR" sz="1600" dirty="0" err="1">
-                <a:solidFill>
-                  <a:schemeClr val="tx1"/>
-                </a:solidFill>
-                <a:latin typeface="Courier New" panose="02070309020205020404" pitchFamily="49" charset="0"/>
-              </a:rPr>
-              <a:t>cpus</a:t>
-            </a:r>
-            <a:r>
-              <a:rPr lang="fr-FR" sz="1600" dirty="0">
-                <a:solidFill>
-                  <a:schemeClr val="tx1"/>
-                </a:solidFill>
-                <a:latin typeface="Courier New" panose="02070309020205020404" pitchFamily="49" charset="0"/>
-              </a:rPr>
-              <a:t> 2</a:t>
-            </a:r>
-          </a:p>
-          <a:p>
-            <a:r>
-              <a:rPr lang="fr-FR" sz="1600" dirty="0">
-                <a:solidFill>
-                  <a:schemeClr val="tx1"/>
-                </a:solidFill>
-                <a:latin typeface="Courier New" panose="02070309020205020404" pitchFamily="49" charset="0"/>
-              </a:rPr>
-              <a:t>	memory '8 GB’ </a:t>
+              <a:rPr lang="fr-FR" sz="1600" b="0" i="0" u="none" strike="noStrike" dirty="0">
+                <a:solidFill>
+                  <a:schemeClr val="tx2">
+                    <a:lumMod val="60000"/>
+                    <a:lumOff val="40000"/>
+                  </a:schemeClr>
+                </a:solidFill>
+                <a:effectLst/>
+                <a:latin typeface="Courier New" panose="02070309020205020404" pitchFamily="49" charset="0"/>
+              </a:rPr>
+              <a:t>// </a:t>
+            </a:r>
+            <a:r>
+              <a:rPr lang="fr-FR" sz="1600" b="0" i="0" u="none" strike="noStrike" dirty="0" err="1">
+                <a:solidFill>
+                  <a:schemeClr val="tx2">
+                    <a:lumMod val="60000"/>
+                    <a:lumOff val="40000"/>
+                  </a:schemeClr>
+                </a:solidFill>
+                <a:effectLst/>
+                <a:latin typeface="Courier New" panose="02070309020205020404" pitchFamily="49" charset="0"/>
+              </a:rPr>
+              <a:t>Define</a:t>
+            </a:r>
+            <a:r>
+              <a:rPr lang="fr-FR" sz="1600" b="0" i="0" u="none" strike="noStrike" dirty="0">
+                <a:solidFill>
+                  <a:schemeClr val="tx2">
+                    <a:lumMod val="60000"/>
+                    <a:lumOff val="40000"/>
+                  </a:schemeClr>
+                </a:solidFill>
+                <a:effectLst/>
+                <a:latin typeface="Courier New" panose="02070309020205020404" pitchFamily="49" charset="0"/>
+              </a:rPr>
+              <a:t> the workflow </a:t>
             </a:r>
           </a:p>
           <a:p>
             <a:pPr algn="l"/>
-            <a:endParaRPr lang="fr-FR" sz="1600" i="0" u="none" strike="noStrike" dirty="0">
-              <a:solidFill>
-                <a:srgbClr val="333333"/>
-              </a:solidFill>
-              <a:effectLst/>
-              <a:latin typeface="Courier New" panose="02070309020205020404" pitchFamily="49" charset="0"/>
-            </a:endParaRPr>
-          </a:p>
-          <a:p>
-            <a:pPr lvl="1"/>
-            <a:r>
-              <a:rPr lang="fr-FR" sz="1600" dirty="0" err="1">
-                <a:solidFill>
-                  <a:schemeClr val="accent2"/>
-                </a:solidFill>
-                <a:latin typeface="Courier New" panose="02070309020205020404" pitchFamily="49" charset="0"/>
-              </a:rPr>
-              <a:t>conda</a:t>
-            </a:r>
-            <a:r>
-              <a:rPr lang="fr-FR" sz="1600" dirty="0">
-                <a:solidFill>
-                  <a:srgbClr val="333333"/>
-                </a:solidFill>
-                <a:latin typeface="Courier New" panose="02070309020205020404" pitchFamily="49" charset="0"/>
-              </a:rPr>
-              <a:t> '</a:t>
-            </a:r>
-            <a:r>
-              <a:rPr lang="fr-FR" sz="1600" dirty="0" err="1">
-                <a:solidFill>
-                  <a:srgbClr val="333333"/>
-                </a:solidFill>
-                <a:latin typeface="Courier New" panose="02070309020205020404" pitchFamily="49" charset="0"/>
-              </a:rPr>
-              <a:t>sra-tools</a:t>
-            </a:r>
-            <a:r>
-              <a:rPr lang="fr-FR" sz="1600" dirty="0">
-                <a:solidFill>
-                  <a:srgbClr val="333333"/>
-                </a:solidFill>
-                <a:latin typeface="Courier New" panose="02070309020205020404" pitchFamily="49" charset="0"/>
-              </a:rPr>
-              <a:t>=2.11.0' </a:t>
-            </a:r>
-          </a:p>
-          <a:p>
-            <a:pPr lvl="1"/>
-            <a:r>
-              <a:rPr lang="fr-FR" sz="1600" dirty="0">
-                <a:solidFill>
-                  <a:schemeClr val="accent2"/>
-                </a:solidFill>
-                <a:latin typeface="Courier New" panose="02070309020205020404" pitchFamily="49" charset="0"/>
-              </a:rPr>
-              <a:t>container</a:t>
-            </a:r>
-            <a:r>
-              <a:rPr lang="fr-FR" sz="1600" dirty="0">
-                <a:solidFill>
-                  <a:srgbClr val="333333"/>
-                </a:solidFill>
-                <a:latin typeface="Courier New" panose="02070309020205020404" pitchFamily="49" charset="0"/>
-              </a:rPr>
-              <a:t> '</a:t>
-            </a:r>
-            <a:r>
-              <a:rPr lang="fr-FR" sz="1600" dirty="0" err="1">
-                <a:solidFill>
-                  <a:srgbClr val="333333"/>
-                </a:solidFill>
-                <a:latin typeface="Courier New" panose="02070309020205020404" pitchFamily="49" charset="0"/>
-              </a:rPr>
-              <a:t>ncbi</a:t>
-            </a:r>
-            <a:r>
-              <a:rPr lang="fr-FR" sz="1600" dirty="0">
-                <a:solidFill>
-                  <a:srgbClr val="333333"/>
-                </a:solidFill>
-                <a:latin typeface="Courier New" panose="02070309020205020404" pitchFamily="49" charset="0"/>
-              </a:rPr>
-              <a:t>/sra-tools:2.11.0' </a:t>
+            <a:r>
+              <a:rPr lang="fr-FR" sz="1600" b="0" i="0" u="none" strike="noStrike" dirty="0">
+                <a:solidFill>
+                  <a:srgbClr val="333333"/>
+                </a:solidFill>
+                <a:effectLst/>
+                <a:latin typeface="Courier New" panose="02070309020205020404" pitchFamily="49" charset="0"/>
+              </a:rPr>
+              <a:t>	GET_SRA_BY_ACCESSION ( </a:t>
+            </a:r>
+            <a:r>
+              <a:rPr lang="fr-FR" sz="1600" b="0" i="0" u="none" strike="noStrike" dirty="0" err="1">
+                <a:solidFill>
+                  <a:srgbClr val="333333"/>
+                </a:solidFill>
+                <a:effectLst/>
+                <a:latin typeface="Courier New" panose="02070309020205020404" pitchFamily="49" charset="0"/>
+              </a:rPr>
+              <a:t>ch_sra_ids</a:t>
+            </a:r>
+            <a:r>
+              <a:rPr lang="fr-FR" sz="1600" b="0" i="0" u="none" strike="noStrike" dirty="0">
+                <a:solidFill>
+                  <a:srgbClr val="333333"/>
+                </a:solidFill>
+                <a:effectLst/>
+                <a:latin typeface="Courier New" panose="02070309020205020404" pitchFamily="49" charset="0"/>
+              </a:rPr>
+              <a:t> ) </a:t>
             </a:r>
           </a:p>
           <a:p>
             <a:pPr algn="l"/>
-            <a:endParaRPr lang="fr-FR" sz="1600" i="0" u="none" strike="noStrike" dirty="0">
-              <a:solidFill>
-                <a:srgbClr val="333333"/>
-              </a:solidFill>
-              <a:effectLst/>
-              <a:latin typeface="Courier New" panose="02070309020205020404" pitchFamily="49" charset="0"/>
-            </a:endParaRPr>
-          </a:p>
-          <a:p>
-            <a:pPr lvl="1"/>
-            <a:r>
-              <a:rPr lang="fr-FR" sz="1600" i="0" u="none" strike="noStrike" dirty="0">
-                <a:solidFill>
-                  <a:srgbClr val="333333"/>
-                </a:solidFill>
-                <a:effectLst/>
-                <a:latin typeface="Courier New" panose="02070309020205020404" pitchFamily="49" charset="0"/>
-              </a:rPr>
-              <a:t>input: </a:t>
-            </a:r>
-          </a:p>
-          <a:p>
-            <a:pPr lvl="1"/>
-            <a:r>
-              <a:rPr lang="fr-FR" sz="1600" dirty="0">
-                <a:solidFill>
-                  <a:srgbClr val="333333"/>
-                </a:solidFill>
-                <a:latin typeface="Courier New" panose="02070309020205020404" pitchFamily="49" charset="0"/>
-              </a:rPr>
-              <a:t>	</a:t>
-            </a:r>
-            <a:r>
-              <a:rPr lang="fr-FR" sz="1600" i="0" u="none" strike="noStrike" dirty="0">
-                <a:solidFill>
-                  <a:srgbClr val="333333"/>
-                </a:solidFill>
-                <a:effectLst/>
-                <a:latin typeface="Courier New" panose="02070309020205020404" pitchFamily="49" charset="0"/>
-              </a:rPr>
-              <a:t>val(</a:t>
-            </a:r>
-            <a:r>
-              <a:rPr lang="fr-FR" sz="1600" i="0" u="none" strike="noStrike" dirty="0" err="1">
-                <a:solidFill>
-                  <a:srgbClr val="333333"/>
-                </a:solidFill>
-                <a:effectLst/>
-                <a:latin typeface="Courier New" panose="02070309020205020404" pitchFamily="49" charset="0"/>
-              </a:rPr>
-              <a:t>sample</a:t>
-            </a:r>
-            <a:r>
-              <a:rPr lang="fr-FR" sz="1600" i="0" u="none" strike="noStrike" dirty="0">
-                <a:solidFill>
-                  <a:srgbClr val="333333"/>
-                </a:solidFill>
-                <a:effectLst/>
-                <a:latin typeface="Courier New" panose="02070309020205020404" pitchFamily="49" charset="0"/>
-              </a:rPr>
-              <a:t>) </a:t>
-            </a:r>
-          </a:p>
-          <a:p>
-            <a:pPr lvl="1"/>
-            <a:endParaRPr lang="fr-FR" sz="1600" i="0" u="none" strike="noStrike" dirty="0">
-              <a:solidFill>
-                <a:srgbClr val="333333"/>
-              </a:solidFill>
-              <a:effectLst/>
-              <a:latin typeface="Courier New" panose="02070309020205020404" pitchFamily="49" charset="0"/>
-            </a:endParaRPr>
-          </a:p>
-          <a:p>
-            <a:pPr lvl="1"/>
-            <a:r>
-              <a:rPr lang="fr-FR" sz="1600" i="0" u="none" strike="noStrike" dirty="0">
-                <a:solidFill>
-                  <a:srgbClr val="333333"/>
-                </a:solidFill>
-                <a:effectLst/>
-                <a:latin typeface="Courier New" panose="02070309020205020404" pitchFamily="49" charset="0"/>
-              </a:rPr>
-              <a:t>output: </a:t>
-            </a:r>
-          </a:p>
-          <a:p>
-            <a:pPr lvl="1"/>
-            <a:r>
-              <a:rPr lang="fr-FR" sz="1600" dirty="0">
-                <a:solidFill>
-                  <a:srgbClr val="333333"/>
-                </a:solidFill>
-                <a:latin typeface="Courier New" panose="02070309020205020404" pitchFamily="49" charset="0"/>
-              </a:rPr>
-              <a:t>	tuple val(</a:t>
-            </a:r>
-            <a:r>
-              <a:rPr lang="fr-FR" sz="1600" dirty="0" err="1">
-                <a:solidFill>
-                  <a:srgbClr val="333333"/>
-                </a:solidFill>
-                <a:latin typeface="Courier New" panose="02070309020205020404" pitchFamily="49" charset="0"/>
-              </a:rPr>
-              <a:t>sample</a:t>
-            </a:r>
-            <a:r>
-              <a:rPr lang="fr-FR" sz="1600" dirty="0">
-                <a:solidFill>
-                  <a:schemeClr val="tx1"/>
-                </a:solidFill>
-                <a:latin typeface="Courier New" panose="02070309020205020404" pitchFamily="49" charset="0"/>
-              </a:rPr>
-              <a:t>), </a:t>
-            </a:r>
-            <a:r>
-              <a:rPr lang="fr-FR" sz="1600" i="0" u="none" strike="noStrike" dirty="0" err="1">
-                <a:solidFill>
-                  <a:schemeClr val="tx1"/>
-                </a:solidFill>
-                <a:effectLst/>
-                <a:latin typeface="Courier New" panose="02070309020205020404" pitchFamily="49" charset="0"/>
-              </a:rPr>
-              <a:t>path</a:t>
-            </a:r>
-            <a:r>
-              <a:rPr lang="fr-FR" sz="1600" i="0" u="none" strike="noStrike" dirty="0">
-                <a:solidFill>
-                  <a:schemeClr val="tx1"/>
-                </a:solidFill>
-                <a:effectLst/>
-                <a:latin typeface="Courier New" panose="02070309020205020404" pitchFamily="49" charset="0"/>
-              </a:rPr>
-              <a:t>("${</a:t>
-            </a:r>
-            <a:r>
-              <a:rPr lang="fr-FR" sz="1600" i="0" u="none" strike="noStrike" dirty="0" err="1">
-                <a:solidFill>
-                  <a:schemeClr val="tx1"/>
-                </a:solidFill>
-                <a:effectLst/>
-                <a:latin typeface="Courier New" panose="02070309020205020404" pitchFamily="49" charset="0"/>
-              </a:rPr>
-              <a:t>sample</a:t>
-            </a:r>
-            <a:r>
-              <a:rPr lang="fr-FR" sz="1600" i="0" u="none" strike="noStrike" dirty="0">
-                <a:solidFill>
-                  <a:schemeClr val="tx1"/>
-                </a:solidFill>
-                <a:effectLst/>
-                <a:latin typeface="Courier New" panose="02070309020205020404" pitchFamily="49" charset="0"/>
-              </a:rPr>
-              <a:t>}.</a:t>
-            </a:r>
-            <a:r>
-              <a:rPr lang="fr-FR" sz="1600" i="0" u="none" strike="noStrike" dirty="0" err="1">
-                <a:solidFill>
-                  <a:schemeClr val="tx1"/>
-                </a:solidFill>
-                <a:effectLst/>
-                <a:latin typeface="Courier New" panose="02070309020205020404" pitchFamily="49" charset="0"/>
-              </a:rPr>
-              <a:t>fastq.gz</a:t>
-            </a:r>
-            <a:r>
-              <a:rPr lang="fr-FR" sz="1600" i="0" u="none" strike="noStrike" dirty="0">
-                <a:solidFill>
-                  <a:schemeClr val="tx1"/>
-                </a:solidFill>
-                <a:effectLst/>
-                <a:latin typeface="Courier New" panose="02070309020205020404" pitchFamily="49" charset="0"/>
-              </a:rPr>
-              <a:t>")</a:t>
-            </a:r>
-          </a:p>
-          <a:p>
-            <a:pPr lvl="1"/>
-            <a:endParaRPr lang="fr-FR" sz="1600" i="0" u="none" strike="noStrike" dirty="0">
-              <a:solidFill>
-                <a:srgbClr val="333333"/>
-              </a:solidFill>
-              <a:effectLst/>
-              <a:latin typeface="Courier New" panose="02070309020205020404" pitchFamily="49" charset="0"/>
-            </a:endParaRPr>
-          </a:p>
-          <a:p>
-            <a:pPr lvl="1"/>
-            <a:r>
-              <a:rPr lang="fr-FR" sz="1600" i="0" u="none" strike="noStrike" dirty="0">
-                <a:solidFill>
-                  <a:srgbClr val="333333"/>
-                </a:solidFill>
-                <a:effectLst/>
-                <a:latin typeface="Courier New" panose="02070309020205020404" pitchFamily="49" charset="0"/>
-              </a:rPr>
-              <a:t>script: </a:t>
-            </a:r>
-          </a:p>
-          <a:p>
-            <a:pPr lvl="2"/>
-            <a:r>
-              <a:rPr lang="fr-FR" sz="1600" i="0" u="none" strike="noStrike" dirty="0">
-                <a:solidFill>
-                  <a:srgbClr val="333333"/>
-                </a:solidFill>
-                <a:effectLst/>
-                <a:latin typeface="Courier New" panose="02070309020205020404" pitchFamily="49" charset="0"/>
-              </a:rPr>
-              <a:t>""" </a:t>
-            </a:r>
-          </a:p>
-          <a:p>
-            <a:pPr lvl="2"/>
-            <a:r>
-              <a:rPr lang="fr-FR" sz="1600" i="0" u="none" strike="noStrike" dirty="0" err="1">
-                <a:solidFill>
-                  <a:srgbClr val="333333"/>
-                </a:solidFill>
-                <a:effectLst/>
-                <a:latin typeface="Courier New" panose="02070309020205020404" pitchFamily="49" charset="0"/>
-              </a:rPr>
-              <a:t>fastq</a:t>
-            </a:r>
-            <a:r>
-              <a:rPr lang="fr-FR" sz="1600" i="0" u="none" strike="noStrike" dirty="0">
-                <a:solidFill>
-                  <a:srgbClr val="333333"/>
-                </a:solidFill>
-                <a:effectLst/>
-                <a:latin typeface="Courier New" panose="02070309020205020404" pitchFamily="49" charset="0"/>
-              </a:rPr>
-              <a:t>-dump ${</a:t>
-            </a:r>
-            <a:r>
-              <a:rPr lang="fr-FR" sz="1600" i="0" u="none" strike="noStrike" dirty="0" err="1">
-                <a:solidFill>
-                  <a:srgbClr val="333333"/>
-                </a:solidFill>
-                <a:effectLst/>
-                <a:latin typeface="Courier New" panose="02070309020205020404" pitchFamily="49" charset="0"/>
-              </a:rPr>
-              <a:t>sample</a:t>
-            </a:r>
-            <a:r>
-              <a:rPr lang="fr-FR" sz="1600" i="0" u="none" strike="noStrike" dirty="0">
-                <a:solidFill>
-                  <a:srgbClr val="333333"/>
-                </a:solidFill>
-                <a:effectLst/>
-                <a:latin typeface="Courier New" panose="02070309020205020404" pitchFamily="49" charset="0"/>
-              </a:rPr>
-              <a:t>} &gt; ${</a:t>
-            </a:r>
-            <a:r>
-              <a:rPr lang="fr-FR" sz="1600" i="0" u="none" strike="noStrike" dirty="0" err="1">
-                <a:solidFill>
-                  <a:srgbClr val="333333"/>
-                </a:solidFill>
-                <a:effectLst/>
-                <a:latin typeface="Courier New" panose="02070309020205020404" pitchFamily="49" charset="0"/>
-              </a:rPr>
-              <a:t>sample</a:t>
-            </a:r>
-            <a:r>
-              <a:rPr lang="fr-FR" sz="1600" i="0" u="none" strike="noStrike" dirty="0">
-                <a:solidFill>
-                  <a:srgbClr val="333333"/>
-                </a:solidFill>
-                <a:effectLst/>
-                <a:latin typeface="Courier New" panose="02070309020205020404" pitchFamily="49" charset="0"/>
-              </a:rPr>
-              <a:t>}.</a:t>
-            </a:r>
-            <a:r>
-              <a:rPr lang="fr-FR" sz="1600" i="0" u="none" strike="noStrike" dirty="0" err="1">
-                <a:solidFill>
-                  <a:srgbClr val="333333"/>
-                </a:solidFill>
-                <a:effectLst/>
-                <a:latin typeface="Courier New" panose="02070309020205020404" pitchFamily="49" charset="0"/>
-              </a:rPr>
-              <a:t>fastq.gz</a:t>
-            </a:r>
-            <a:r>
-              <a:rPr lang="fr-FR" sz="1600" i="0" u="none" strike="noStrike" dirty="0">
-                <a:solidFill>
-                  <a:srgbClr val="333333"/>
-                </a:solidFill>
-                <a:effectLst/>
-                <a:latin typeface="Courier New" panose="02070309020205020404" pitchFamily="49" charset="0"/>
-              </a:rPr>
-              <a:t> </a:t>
-            </a:r>
-          </a:p>
-          <a:p>
-            <a:pPr lvl="2"/>
-            <a:r>
-              <a:rPr lang="fr-FR" sz="1600" i="0" u="none" strike="noStrike" dirty="0">
-                <a:solidFill>
-                  <a:srgbClr val="333333"/>
-                </a:solidFill>
-                <a:effectLst/>
-                <a:latin typeface="Courier New" panose="02070309020205020404" pitchFamily="49" charset="0"/>
-              </a:rPr>
-              <a:t>"""</a:t>
-            </a:r>
-          </a:p>
-          <a:p>
-            <a:pPr algn="l"/>
-            <a:r>
-              <a:rPr lang="fr-FR" sz="1600" i="0" u="none" strike="noStrike" dirty="0">
+            <a:r>
+              <a:rPr lang="fr-FR" sz="1600" b="0" i="0" u="none" strike="noStrike" dirty="0">
                 <a:solidFill>
                   <a:srgbClr val="333333"/>
                 </a:solidFill>
@@ -5817,7 +5773,7 @@
     </p:spTree>
     <p:extLst>
       <p:ext uri="{BB962C8B-B14F-4D97-AF65-F5344CB8AC3E}">
-        <p14:creationId xmlns:p14="http://schemas.microsoft.com/office/powerpoint/2010/main" val="3838495289"/>
+        <p14:creationId xmlns:p14="http://schemas.microsoft.com/office/powerpoint/2010/main" val="2942197070"/>
       </p:ext>
     </p:extLst>
   </p:cSld>
@@ -5903,7 +5859,7 @@
             </a:r>
             <a:r>
               <a:rPr lang="fr-FR" dirty="0"/>
-              <a:t> of a process </a:t>
+              <a:t> of a workflow </a:t>
             </a:r>
           </a:p>
         </p:txBody>
@@ -5913,7 +5869,7 @@
           <p:cNvPr id="4" name="Rectangle 3">
             <a:extLst>
               <a:ext uri="{FF2B5EF4-FFF2-40B4-BE49-F238E27FC236}">
-                <a16:creationId xmlns:a16="http://schemas.microsoft.com/office/drawing/2014/main" id="{FF239985-C83D-B9BA-30F6-BD62E77AF4D3}"/>
+                <a16:creationId xmlns:a16="http://schemas.microsoft.com/office/drawing/2014/main" id="{3BD14B11-A09D-67A3-DB70-3AC5295DBFA4}"/>
               </a:ext>
             </a:extLst>
           </p:cNvPr>
@@ -5922,8 +5878,8 @@
         </p:nvSpPr>
         <p:spPr>
           <a:xfrm>
-            <a:off x="141448" y="511994"/>
-            <a:ext cx="8861104" cy="4823610"/>
+            <a:off x="141448" y="1230659"/>
+            <a:ext cx="8861104" cy="2853840"/>
           </a:xfrm>
           <a:prstGeom prst="rect">
             <a:avLst/>
@@ -5952,19 +5908,213 @@
           <a:p>
             <a:pPr algn="l"/>
             <a:r>
-              <a:rPr lang="fr-FR" sz="1600" i="0" u="none" strike="noStrike" dirty="0">
-                <a:solidFill>
-                  <a:srgbClr val="333333"/>
-                </a:solidFill>
-                <a:effectLst/>
-                <a:latin typeface="Courier New" panose="02070309020205020404" pitchFamily="49" charset="0"/>
-              </a:rPr>
-              <a:t>process GET_SRA_BY_ACCESSION { </a:t>
+              <a:rPr lang="fr-FR" sz="1600" b="0" i="0" u="none" strike="noStrike" dirty="0">
+                <a:solidFill>
+                  <a:srgbClr val="333333"/>
+                </a:solidFill>
+                <a:effectLst/>
+                <a:latin typeface="Courier New" panose="02070309020205020404" pitchFamily="49" charset="0"/>
+              </a:rPr>
+              <a:t>workflow {</a:t>
             </a:r>
           </a:p>
           <a:p>
             <a:pPr algn="l"/>
-            <a:endParaRPr lang="fr-FR" sz="1600" i="0" u="none" strike="noStrike" dirty="0">
+            <a:r>
+              <a:rPr lang="fr-FR" sz="1600" b="0" i="0" u="none" strike="noStrike" dirty="0">
+                <a:solidFill>
+                  <a:srgbClr val="333333"/>
+                </a:solidFill>
+                <a:effectLst/>
+                <a:latin typeface="Courier New" panose="02070309020205020404" pitchFamily="49" charset="0"/>
+              </a:rPr>
+              <a:t> </a:t>
+            </a:r>
+          </a:p>
+          <a:p>
+            <a:pPr algn="l"/>
+            <a:r>
+              <a:rPr lang="fr-FR" sz="1600" b="0" i="0" u="none" strike="noStrike" dirty="0">
+                <a:solidFill>
+                  <a:srgbClr val="333333"/>
+                </a:solidFill>
+                <a:effectLst/>
+                <a:latin typeface="Courier New" panose="02070309020205020404" pitchFamily="49" charset="0"/>
+              </a:rPr>
+              <a:t>	</a:t>
+            </a:r>
+            <a:r>
+              <a:rPr lang="fr-FR" sz="1600" b="0" i="0" u="none" strike="noStrike" dirty="0">
+                <a:solidFill>
+                  <a:schemeClr val="tx2">
+                    <a:lumMod val="60000"/>
+                    <a:lumOff val="40000"/>
+                  </a:schemeClr>
+                </a:solidFill>
+                <a:effectLst/>
+                <a:latin typeface="Courier New" panose="02070309020205020404" pitchFamily="49" charset="0"/>
+              </a:rPr>
+              <a:t>// </a:t>
+            </a:r>
+            <a:r>
+              <a:rPr lang="fr-FR" sz="1600" b="0" i="0" u="none" strike="noStrike" dirty="0" err="1">
+                <a:solidFill>
+                  <a:schemeClr val="tx2">
+                    <a:lumMod val="60000"/>
+                    <a:lumOff val="40000"/>
+                  </a:schemeClr>
+                </a:solidFill>
+                <a:effectLst/>
+                <a:latin typeface="Courier New" panose="02070309020205020404" pitchFamily="49" charset="0"/>
+              </a:rPr>
+              <a:t>Define</a:t>
+            </a:r>
+            <a:r>
+              <a:rPr lang="fr-FR" sz="1600" b="0" i="0" u="none" strike="noStrike" dirty="0">
+                <a:solidFill>
+                  <a:schemeClr val="tx2">
+                    <a:lumMod val="60000"/>
+                    <a:lumOff val="40000"/>
+                  </a:schemeClr>
+                </a:solidFill>
+                <a:effectLst/>
+                <a:latin typeface="Courier New" panose="02070309020205020404" pitchFamily="49" charset="0"/>
+              </a:rPr>
+              <a:t> SRA input data </a:t>
+            </a:r>
+            <a:r>
+              <a:rPr lang="fr-FR" sz="1600" b="0" i="0" u="none" strike="noStrike" dirty="0" err="1">
+                <a:solidFill>
+                  <a:schemeClr val="tx2">
+                    <a:lumMod val="60000"/>
+                    <a:lumOff val="40000"/>
+                  </a:schemeClr>
+                </a:solidFill>
+                <a:effectLst/>
+                <a:latin typeface="Courier New" panose="02070309020205020404" pitchFamily="49" charset="0"/>
+              </a:rPr>
+              <a:t>channel</a:t>
+            </a:r>
+            <a:r>
+              <a:rPr lang="fr-FR" sz="1600" b="0" i="0" u="none" strike="noStrike" dirty="0">
+                <a:solidFill>
+                  <a:schemeClr val="tx2">
+                    <a:lumMod val="60000"/>
+                    <a:lumOff val="40000"/>
+                  </a:schemeClr>
+                </a:solidFill>
+                <a:effectLst/>
+                <a:latin typeface="Courier New" panose="02070309020205020404" pitchFamily="49" charset="0"/>
+              </a:rPr>
+              <a:t> </a:t>
+            </a:r>
+          </a:p>
+          <a:p>
+            <a:pPr algn="l"/>
+            <a:r>
+              <a:rPr lang="fr-FR" sz="1600" b="0" i="0" u="none" strike="noStrike" dirty="0">
+                <a:solidFill>
+                  <a:srgbClr val="333333"/>
+                </a:solidFill>
+                <a:effectLst/>
+                <a:latin typeface="Courier New" panose="02070309020205020404" pitchFamily="49" charset="0"/>
+              </a:rPr>
+              <a:t>	</a:t>
+            </a:r>
+            <a:r>
+              <a:rPr lang="fr-FR" sz="1600" b="0" i="0" u="none" strike="noStrike" dirty="0" err="1">
+                <a:solidFill>
+                  <a:srgbClr val="333333"/>
+                </a:solidFill>
+                <a:effectLst/>
+                <a:latin typeface="Courier New" panose="02070309020205020404" pitchFamily="49" charset="0"/>
+              </a:rPr>
+              <a:t>ch_sra_ids</a:t>
+            </a:r>
+            <a:r>
+              <a:rPr lang="fr-FR" sz="1600" b="0" i="0" u="none" strike="noStrike" dirty="0">
+                <a:solidFill>
+                  <a:srgbClr val="333333"/>
+                </a:solidFill>
+                <a:effectLst/>
+                <a:latin typeface="Courier New" panose="02070309020205020404" pitchFamily="49" charset="0"/>
+              </a:rPr>
+              <a:t> = </a:t>
+            </a:r>
+            <a:r>
+              <a:rPr lang="fr-FR" sz="1600" b="0" i="0" u="none" strike="noStrike" dirty="0" err="1">
+                <a:solidFill>
+                  <a:schemeClr val="accent3"/>
+                </a:solidFill>
+                <a:effectLst/>
+                <a:latin typeface="Courier New" panose="02070309020205020404" pitchFamily="49" charset="0"/>
+              </a:rPr>
+              <a:t>Channel.fromList</a:t>
+            </a:r>
+            <a:r>
+              <a:rPr lang="fr-FR" sz="1600" b="0" i="0" u="none" strike="noStrike" dirty="0">
+                <a:solidFill>
+                  <a:schemeClr val="accent3"/>
+                </a:solidFill>
+                <a:effectLst/>
+                <a:latin typeface="Courier New" panose="02070309020205020404" pitchFamily="49" charset="0"/>
+              </a:rPr>
+              <a:t> </a:t>
+            </a:r>
+            <a:r>
+              <a:rPr lang="fr-FR" sz="1600" b="0" i="0" u="none" strike="noStrike" dirty="0">
+                <a:solidFill>
+                  <a:srgbClr val="333333"/>
+                </a:solidFill>
+                <a:effectLst/>
+                <a:latin typeface="Courier New" panose="02070309020205020404" pitchFamily="49" charset="0"/>
+              </a:rPr>
+              <a:t>( ["</a:t>
+            </a:r>
+            <a:r>
+              <a:rPr lang="fr-FR" sz="1600" b="0" i="0" u="none" strike="noStrike" dirty="0">
+                <a:solidFill>
+                  <a:schemeClr val="accent2"/>
+                </a:solidFill>
+                <a:effectLst/>
+                <a:latin typeface="Courier New" panose="02070309020205020404" pitchFamily="49" charset="0"/>
+              </a:rPr>
+              <a:t>SRR935090</a:t>
+            </a:r>
+            <a:r>
+              <a:rPr lang="fr-FR" sz="1600" b="0" i="0" u="none" strike="noStrike" dirty="0">
+                <a:solidFill>
+                  <a:srgbClr val="333333"/>
+                </a:solidFill>
+                <a:effectLst/>
+                <a:latin typeface="Courier New" panose="02070309020205020404" pitchFamily="49" charset="0"/>
+              </a:rPr>
+              <a:t>", "</a:t>
+            </a:r>
+            <a:r>
+              <a:rPr lang="fr-FR" sz="1600" b="0" i="0" u="none" strike="noStrike" dirty="0">
+                <a:solidFill>
+                  <a:schemeClr val="accent2"/>
+                </a:solidFill>
+                <a:effectLst/>
+                <a:latin typeface="Courier New" panose="02070309020205020404" pitchFamily="49" charset="0"/>
+              </a:rPr>
+              <a:t>SRR935091</a:t>
+            </a:r>
+            <a:r>
+              <a:rPr lang="fr-FR" sz="1600" b="0" i="0" u="none" strike="noStrike" dirty="0">
+                <a:solidFill>
+                  <a:srgbClr val="333333"/>
+                </a:solidFill>
+                <a:effectLst/>
+                <a:latin typeface="Courier New" panose="02070309020205020404" pitchFamily="49" charset="0"/>
+              </a:rPr>
+              <a:t>"] ) </a:t>
+            </a:r>
+          </a:p>
+          <a:p>
+            <a:pPr algn="l"/>
+            <a:endParaRPr lang="fr-FR" sz="1600" b="0" i="0" u="none" strike="noStrike" dirty="0">
               <a:solidFill>
                 <a:srgbClr val="333333"/>
               </a:solidFill>
@@ -5984,477 +6134,155 @@
               <a:t>	</a:t>
             </a:r>
             <a:r>
+              <a:rPr lang="fr-FR" sz="1600" b="0" i="0" u="none" strike="noStrike" dirty="0">
+                <a:solidFill>
+                  <a:schemeClr val="tx2">
+                    <a:lumMod val="60000"/>
+                    <a:lumOff val="40000"/>
+                  </a:schemeClr>
+                </a:solidFill>
+                <a:effectLst/>
+                <a:latin typeface="Courier New" panose="02070309020205020404" pitchFamily="49" charset="0"/>
+              </a:rPr>
+              <a:t>// </a:t>
+            </a:r>
+            <a:r>
+              <a:rPr lang="fr-FR" sz="1600" b="0" i="0" u="none" strike="noStrike" dirty="0" err="1">
+                <a:solidFill>
+                  <a:schemeClr val="tx2">
+                    <a:lumMod val="60000"/>
+                    <a:lumOff val="40000"/>
+                  </a:schemeClr>
+                </a:solidFill>
+                <a:effectLst/>
+                <a:latin typeface="Courier New" panose="02070309020205020404" pitchFamily="49" charset="0"/>
+              </a:rPr>
+              <a:t>Define</a:t>
+            </a:r>
+            <a:r>
+              <a:rPr lang="fr-FR" sz="1600" b="0" i="0" u="none" strike="noStrike" dirty="0">
+                <a:solidFill>
+                  <a:schemeClr val="tx2">
+                    <a:lumMod val="60000"/>
+                    <a:lumOff val="40000"/>
+                  </a:schemeClr>
+                </a:solidFill>
+                <a:effectLst/>
+                <a:latin typeface="Courier New" panose="02070309020205020404" pitchFamily="49" charset="0"/>
+              </a:rPr>
+              <a:t> the workflow </a:t>
+            </a:r>
+          </a:p>
+          <a:p>
+            <a:pPr algn="l"/>
+            <a:r>
+              <a:rPr lang="fr-FR" sz="1600" b="0" i="0" u="none" strike="noStrike" dirty="0">
+                <a:solidFill>
+                  <a:srgbClr val="333333"/>
+                </a:solidFill>
+                <a:effectLst/>
+                <a:latin typeface="Courier New" panose="02070309020205020404" pitchFamily="49" charset="0"/>
+              </a:rPr>
+              <a:t>	GET_SRA_BY_ACCESSION ( </a:t>
+            </a:r>
+            <a:r>
+              <a:rPr lang="fr-FR" sz="1600" b="0" i="0" u="none" strike="noStrike" dirty="0" err="1">
+                <a:solidFill>
+                  <a:srgbClr val="333333"/>
+                </a:solidFill>
+                <a:effectLst/>
+                <a:latin typeface="Courier New" panose="02070309020205020404" pitchFamily="49" charset="0"/>
+              </a:rPr>
+              <a:t>ch_sra_ids</a:t>
+            </a:r>
+            <a:r>
+              <a:rPr lang="fr-FR" sz="1600" b="0" i="0" u="none" strike="noStrike" dirty="0">
+                <a:solidFill>
+                  <a:srgbClr val="333333"/>
+                </a:solidFill>
+                <a:effectLst/>
+                <a:latin typeface="Courier New" panose="02070309020205020404" pitchFamily="49" charset="0"/>
+              </a:rPr>
+              <a:t> ) </a:t>
+            </a:r>
+          </a:p>
+          <a:p>
+            <a:pPr algn="l"/>
+            <a:r>
+              <a:rPr lang="fr-FR" sz="1600" dirty="0">
+                <a:solidFill>
+                  <a:srgbClr val="333333"/>
+                </a:solidFill>
+                <a:latin typeface="Courier New" panose="02070309020205020404" pitchFamily="49" charset="0"/>
+              </a:rPr>
+              <a:t>	</a:t>
+            </a:r>
+          </a:p>
+          <a:p>
+            <a:pPr algn="l"/>
+            <a:r>
+              <a:rPr lang="fr-FR" sz="1600" dirty="0">
+                <a:solidFill>
+                  <a:srgbClr val="333333"/>
+                </a:solidFill>
+                <a:latin typeface="Courier New" panose="02070309020205020404" pitchFamily="49" charset="0"/>
+              </a:rPr>
+              <a:t>	RUN_FASTQC ( </a:t>
+            </a:r>
+            <a:r>
               <a:rPr lang="fr-FR" sz="1600" dirty="0" err="1">
                 <a:solidFill>
-                  <a:schemeClr val="tx1"/>
-                </a:solidFill>
-                <a:latin typeface="Courier New" panose="02070309020205020404" pitchFamily="49" charset="0"/>
-              </a:rPr>
-              <a:t>cpus</a:t>
+                  <a:srgbClr val="333333"/>
+                </a:solidFill>
+                <a:latin typeface="Courier New" panose="02070309020205020404" pitchFamily="49" charset="0"/>
+              </a:rPr>
+              <a:t>GET_SRA_BY_ACCESSION</a:t>
+            </a:r>
+            <a:r>
+              <a:rPr lang="fr-FR" sz="1600" dirty="0" err="1">
+                <a:solidFill>
+                  <a:schemeClr val="accent3"/>
+                </a:solidFill>
+                <a:latin typeface="Courier New" panose="02070309020205020404" pitchFamily="49" charset="0"/>
+              </a:rPr>
+              <a:t>.out</a:t>
             </a:r>
             <a:r>
               <a:rPr lang="fr-FR" sz="1600" dirty="0">
                 <a:solidFill>
-                  <a:schemeClr val="tx1"/>
-                </a:solidFill>
-                <a:latin typeface="Courier New" panose="02070309020205020404" pitchFamily="49" charset="0"/>
-              </a:rPr>
-              <a:t> 2</a:t>
-            </a:r>
-          </a:p>
-          <a:p>
+                  <a:schemeClr val="accent3"/>
+                </a:solidFill>
+                <a:latin typeface="Courier New" panose="02070309020205020404" pitchFamily="49" charset="0"/>
+              </a:rPr>
+              <a:t> </a:t>
+            </a:r>
             <a:r>
               <a:rPr lang="fr-FR" sz="1600" dirty="0">
                 <a:solidFill>
-                  <a:schemeClr val="tx1"/>
-                </a:solidFill>
-                <a:latin typeface="Courier New" panose="02070309020205020404" pitchFamily="49" charset="0"/>
-              </a:rPr>
-              <a:t>	memory '8 GB’ </a:t>
+                  <a:srgbClr val="333333"/>
+                </a:solidFill>
+                <a:latin typeface="Courier New" panose="02070309020205020404" pitchFamily="49" charset="0"/>
+              </a:rPr>
+              <a:t>)</a:t>
             </a:r>
           </a:p>
           <a:p>
             <a:pPr algn="l"/>
-            <a:endParaRPr lang="fr-FR" sz="1600" i="0" u="none" strike="noStrike" dirty="0">
-              <a:solidFill>
-                <a:schemeClr val="tx1"/>
-              </a:solidFill>
-              <a:effectLst/>
-              <a:latin typeface="Courier New" panose="02070309020205020404" pitchFamily="49" charset="0"/>
-            </a:endParaRPr>
-          </a:p>
-          <a:p>
-            <a:pPr lvl="1"/>
-            <a:r>
-              <a:rPr lang="fr-FR" sz="1600" dirty="0" err="1">
-                <a:solidFill>
-                  <a:schemeClr val="tx1"/>
-                </a:solidFill>
-                <a:latin typeface="Courier New" panose="02070309020205020404" pitchFamily="49" charset="0"/>
-              </a:rPr>
-              <a:t>conda</a:t>
-            </a:r>
-            <a:r>
-              <a:rPr lang="fr-FR" sz="1600" dirty="0">
-                <a:solidFill>
-                  <a:schemeClr val="tx1"/>
-                </a:solidFill>
-                <a:latin typeface="Courier New" panose="02070309020205020404" pitchFamily="49" charset="0"/>
-              </a:rPr>
-              <a:t> '</a:t>
-            </a:r>
-            <a:r>
-              <a:rPr lang="fr-FR" sz="1600" dirty="0" err="1">
-                <a:solidFill>
-                  <a:schemeClr val="tx1"/>
-                </a:solidFill>
-                <a:latin typeface="Courier New" panose="02070309020205020404" pitchFamily="49" charset="0"/>
-              </a:rPr>
-              <a:t>sra-tools</a:t>
-            </a:r>
-            <a:r>
-              <a:rPr lang="fr-FR" sz="1600" dirty="0">
-                <a:solidFill>
-                  <a:schemeClr val="tx1"/>
-                </a:solidFill>
-                <a:latin typeface="Courier New" panose="02070309020205020404" pitchFamily="49" charset="0"/>
-              </a:rPr>
-              <a:t>=2.11.0' </a:t>
-            </a:r>
-          </a:p>
-          <a:p>
-            <a:pPr lvl="1"/>
-            <a:r>
-              <a:rPr lang="fr-FR" sz="1600" dirty="0">
-                <a:solidFill>
-                  <a:schemeClr val="tx1"/>
-                </a:solidFill>
-                <a:latin typeface="Courier New" panose="02070309020205020404" pitchFamily="49" charset="0"/>
-              </a:rPr>
-              <a:t>container </a:t>
-            </a:r>
-            <a:r>
-              <a:rPr lang="fr-FR" sz="1600" dirty="0">
-                <a:solidFill>
-                  <a:srgbClr val="333333"/>
-                </a:solidFill>
-                <a:latin typeface="Courier New" panose="02070309020205020404" pitchFamily="49" charset="0"/>
-              </a:rPr>
-              <a:t>'</a:t>
-            </a:r>
-            <a:r>
-              <a:rPr lang="fr-FR" sz="1600" dirty="0" err="1">
-                <a:solidFill>
-                  <a:srgbClr val="333333"/>
-                </a:solidFill>
-                <a:latin typeface="Courier New" panose="02070309020205020404" pitchFamily="49" charset="0"/>
-              </a:rPr>
-              <a:t>ncbi</a:t>
-            </a:r>
-            <a:r>
-              <a:rPr lang="fr-FR" sz="1600" dirty="0">
-                <a:solidFill>
-                  <a:srgbClr val="333333"/>
-                </a:solidFill>
-                <a:latin typeface="Courier New" panose="02070309020205020404" pitchFamily="49" charset="0"/>
-              </a:rPr>
-              <a:t>/sra-tools:2.11.0' </a:t>
+            <a:r>
+              <a:rPr lang="fr-FR" sz="1600" b="0" i="0" u="none" strike="noStrike" dirty="0">
+                <a:solidFill>
+                  <a:srgbClr val="333333"/>
+                </a:solidFill>
+                <a:effectLst/>
+                <a:latin typeface="Courier New" panose="02070309020205020404" pitchFamily="49" charset="0"/>
+              </a:rPr>
+              <a:t>	</a:t>
             </a:r>
           </a:p>
           <a:p>
             <a:pPr algn="l"/>
-            <a:endParaRPr lang="fr-FR" sz="1600" i="0" u="none" strike="noStrike" dirty="0">
-              <a:solidFill>
-                <a:srgbClr val="333333"/>
-              </a:solidFill>
-              <a:effectLst/>
-              <a:latin typeface="Courier New" panose="02070309020205020404" pitchFamily="49" charset="0"/>
-            </a:endParaRPr>
-          </a:p>
-          <a:p>
-            <a:pPr lvl="1"/>
-            <a:r>
-              <a:rPr lang="fr-FR" sz="1600" i="0" u="none" strike="noStrike" dirty="0">
-                <a:solidFill>
-                  <a:srgbClr val="333333"/>
-                </a:solidFill>
-                <a:effectLst/>
-                <a:latin typeface="Courier New" panose="02070309020205020404" pitchFamily="49" charset="0"/>
-              </a:rPr>
-              <a:t>input: </a:t>
-            </a:r>
-          </a:p>
-          <a:p>
-            <a:pPr lvl="1"/>
-            <a:r>
-              <a:rPr lang="fr-FR" sz="1600" dirty="0">
-                <a:solidFill>
-                  <a:srgbClr val="333333"/>
-                </a:solidFill>
-                <a:latin typeface="Courier New" panose="02070309020205020404" pitchFamily="49" charset="0"/>
-              </a:rPr>
-              <a:t>	</a:t>
-            </a:r>
-            <a:r>
-              <a:rPr lang="fr-FR" sz="1600" i="0" u="none" strike="noStrike" dirty="0">
-                <a:solidFill>
-                  <a:srgbClr val="333333"/>
-                </a:solidFill>
-                <a:effectLst/>
-                <a:latin typeface="Courier New" panose="02070309020205020404" pitchFamily="49" charset="0"/>
-              </a:rPr>
-              <a:t>val(</a:t>
-            </a:r>
-            <a:r>
-              <a:rPr lang="fr-FR" sz="1600" i="0" u="none" strike="noStrike" dirty="0" err="1">
-                <a:solidFill>
-                  <a:srgbClr val="333333"/>
-                </a:solidFill>
-                <a:effectLst/>
-                <a:latin typeface="Courier New" panose="02070309020205020404" pitchFamily="49" charset="0"/>
-              </a:rPr>
-              <a:t>sample</a:t>
-            </a:r>
-            <a:r>
-              <a:rPr lang="fr-FR" sz="1600" i="0" u="none" strike="noStrike" dirty="0">
-                <a:solidFill>
-                  <a:srgbClr val="333333"/>
-                </a:solidFill>
-                <a:effectLst/>
-                <a:latin typeface="Courier New" panose="02070309020205020404" pitchFamily="49" charset="0"/>
-              </a:rPr>
-              <a:t>) </a:t>
-            </a:r>
-          </a:p>
-          <a:p>
-            <a:pPr lvl="1"/>
-            <a:endParaRPr lang="fr-FR" sz="1600" i="0" u="none" strike="noStrike" dirty="0">
-              <a:solidFill>
-                <a:srgbClr val="333333"/>
-              </a:solidFill>
-              <a:effectLst/>
-              <a:latin typeface="Courier New" panose="02070309020205020404" pitchFamily="49" charset="0"/>
-            </a:endParaRPr>
-          </a:p>
-          <a:p>
-            <a:pPr lvl="1"/>
-            <a:r>
-              <a:rPr lang="fr-FR" sz="1600" i="0" u="none" strike="noStrike" dirty="0">
-                <a:solidFill>
-                  <a:srgbClr val="333333"/>
-                </a:solidFill>
-                <a:effectLst/>
-                <a:latin typeface="Courier New" panose="02070309020205020404" pitchFamily="49" charset="0"/>
-              </a:rPr>
-              <a:t>output: </a:t>
-            </a:r>
-          </a:p>
-          <a:p>
-            <a:pPr lvl="1"/>
-            <a:r>
-              <a:rPr lang="fr-FR" sz="1600" dirty="0">
-                <a:solidFill>
-                  <a:srgbClr val="333333"/>
-                </a:solidFill>
-                <a:latin typeface="Courier New" panose="02070309020205020404" pitchFamily="49" charset="0"/>
-              </a:rPr>
-              <a:t>	tuple val(</a:t>
-            </a:r>
-            <a:r>
-              <a:rPr lang="fr-FR" sz="1600" dirty="0" err="1">
-                <a:solidFill>
-                  <a:srgbClr val="333333"/>
-                </a:solidFill>
-                <a:latin typeface="Courier New" panose="02070309020205020404" pitchFamily="49" charset="0"/>
-              </a:rPr>
-              <a:t>sample</a:t>
-            </a:r>
-            <a:r>
-              <a:rPr lang="fr-FR" sz="1600" dirty="0">
-                <a:solidFill>
-                  <a:schemeClr val="tx1"/>
-                </a:solidFill>
-                <a:latin typeface="Courier New" panose="02070309020205020404" pitchFamily="49" charset="0"/>
-              </a:rPr>
-              <a:t>), </a:t>
-            </a:r>
-            <a:r>
-              <a:rPr lang="fr-FR" sz="1600" i="0" u="none" strike="noStrike" dirty="0" err="1">
-                <a:solidFill>
-                  <a:schemeClr val="tx1"/>
-                </a:solidFill>
-                <a:effectLst/>
-                <a:latin typeface="Courier New" panose="02070309020205020404" pitchFamily="49" charset="0"/>
-              </a:rPr>
-              <a:t>path</a:t>
-            </a:r>
-            <a:r>
-              <a:rPr lang="fr-FR" sz="1600" i="0" u="none" strike="noStrike" dirty="0">
-                <a:solidFill>
-                  <a:schemeClr val="tx1"/>
-                </a:solidFill>
-                <a:effectLst/>
-                <a:latin typeface="Courier New" panose="02070309020205020404" pitchFamily="49" charset="0"/>
-              </a:rPr>
-              <a:t>("${</a:t>
-            </a:r>
-            <a:r>
-              <a:rPr lang="fr-FR" sz="1600" i="0" u="none" strike="noStrike" dirty="0" err="1">
-                <a:solidFill>
-                  <a:schemeClr val="tx1"/>
-                </a:solidFill>
-                <a:effectLst/>
-                <a:latin typeface="Courier New" panose="02070309020205020404" pitchFamily="49" charset="0"/>
-              </a:rPr>
-              <a:t>sample</a:t>
-            </a:r>
-            <a:r>
-              <a:rPr lang="fr-FR" sz="1600" i="0" u="none" strike="noStrike" dirty="0">
-                <a:solidFill>
-                  <a:schemeClr val="tx1"/>
-                </a:solidFill>
-                <a:effectLst/>
-                <a:latin typeface="Courier New" panose="02070309020205020404" pitchFamily="49" charset="0"/>
-              </a:rPr>
-              <a:t>}.</a:t>
-            </a:r>
-            <a:r>
-              <a:rPr lang="fr-FR" sz="1600" i="0" u="none" strike="noStrike" dirty="0" err="1">
-                <a:solidFill>
-                  <a:schemeClr val="tx1"/>
-                </a:solidFill>
-                <a:effectLst/>
-                <a:latin typeface="Courier New" panose="02070309020205020404" pitchFamily="49" charset="0"/>
-              </a:rPr>
-              <a:t>fastq.gz</a:t>
-            </a:r>
-            <a:r>
-              <a:rPr lang="fr-FR" sz="1600" i="0" u="none" strike="noStrike" dirty="0">
-                <a:solidFill>
-                  <a:schemeClr val="tx1"/>
-                </a:solidFill>
-                <a:effectLst/>
-                <a:latin typeface="Courier New" panose="02070309020205020404" pitchFamily="49" charset="0"/>
-              </a:rPr>
-              <a:t>")</a:t>
-            </a:r>
-          </a:p>
-          <a:p>
-            <a:pPr lvl="1"/>
-            <a:endParaRPr lang="fr-FR" sz="1600" i="0" u="none" strike="noStrike" dirty="0">
-              <a:solidFill>
-                <a:srgbClr val="333333"/>
-              </a:solidFill>
-              <a:effectLst/>
-              <a:latin typeface="Courier New" panose="02070309020205020404" pitchFamily="49" charset="0"/>
-            </a:endParaRPr>
-          </a:p>
-          <a:p>
-            <a:pPr lvl="1"/>
-            <a:r>
-              <a:rPr lang="fr-FR" sz="1600" i="0" u="none" strike="noStrike" dirty="0">
-                <a:solidFill>
-                  <a:srgbClr val="333333"/>
-                </a:solidFill>
-                <a:effectLst/>
-                <a:latin typeface="Courier New" panose="02070309020205020404" pitchFamily="49" charset="0"/>
-              </a:rPr>
-              <a:t>script: </a:t>
-            </a:r>
-          </a:p>
-          <a:p>
-            <a:pPr lvl="2"/>
-            <a:r>
-              <a:rPr lang="fr-FR" sz="1600" i="0" u="none" strike="noStrike" dirty="0">
-                <a:solidFill>
-                  <a:srgbClr val="333333"/>
-                </a:solidFill>
-                <a:effectLst/>
-                <a:latin typeface="Courier New" panose="02070309020205020404" pitchFamily="49" charset="0"/>
-              </a:rPr>
-              <a:t>""" </a:t>
-            </a:r>
-          </a:p>
-          <a:p>
-            <a:pPr lvl="2"/>
-            <a:r>
-              <a:rPr lang="fr-FR" sz="1600" i="0" u="none" strike="noStrike" dirty="0" err="1">
-                <a:solidFill>
-                  <a:srgbClr val="333333"/>
-                </a:solidFill>
-                <a:effectLst/>
-                <a:latin typeface="Courier New" panose="02070309020205020404" pitchFamily="49" charset="0"/>
-              </a:rPr>
-              <a:t>fastq</a:t>
-            </a:r>
-            <a:r>
-              <a:rPr lang="fr-FR" sz="1600" i="0" u="none" strike="noStrike" dirty="0">
-                <a:solidFill>
-                  <a:srgbClr val="333333"/>
-                </a:solidFill>
-                <a:effectLst/>
-                <a:latin typeface="Courier New" panose="02070309020205020404" pitchFamily="49" charset="0"/>
-              </a:rPr>
-              <a:t>-dump ${</a:t>
-            </a:r>
-            <a:r>
-              <a:rPr lang="fr-FR" sz="1600" i="0" u="none" strike="noStrike" dirty="0" err="1">
-                <a:solidFill>
-                  <a:srgbClr val="333333"/>
-                </a:solidFill>
-                <a:effectLst/>
-                <a:latin typeface="Courier New" panose="02070309020205020404" pitchFamily="49" charset="0"/>
-              </a:rPr>
-              <a:t>sample</a:t>
-            </a:r>
-            <a:r>
-              <a:rPr lang="fr-FR" sz="1600" i="0" u="none" strike="noStrike" dirty="0">
-                <a:solidFill>
-                  <a:srgbClr val="333333"/>
-                </a:solidFill>
-                <a:effectLst/>
-                <a:latin typeface="Courier New" panose="02070309020205020404" pitchFamily="49" charset="0"/>
-              </a:rPr>
-              <a:t>} </a:t>
-            </a:r>
-            <a:r>
-              <a:rPr lang="fr-FR" sz="1600" i="0" u="none" strike="noStrike" dirty="0">
-                <a:solidFill>
-                  <a:schemeClr val="accent2"/>
-                </a:solidFill>
-                <a:effectLst/>
-                <a:latin typeface="Courier New" panose="02070309020205020404" pitchFamily="49" charset="0"/>
-              </a:rPr>
-              <a:t>–X {</a:t>
-            </a:r>
-            <a:r>
-              <a:rPr lang="fr-FR" sz="1600" i="0" u="none" strike="noStrike" dirty="0" err="1">
-                <a:solidFill>
-                  <a:schemeClr val="accent2"/>
-                </a:solidFill>
-                <a:effectLst/>
-                <a:latin typeface="Courier New" panose="02070309020205020404" pitchFamily="49" charset="0"/>
-              </a:rPr>
-              <a:t>params.depth</a:t>
-            </a:r>
-            <a:r>
-              <a:rPr lang="fr-FR" sz="1600" i="0" u="none" strike="noStrike" dirty="0">
-                <a:solidFill>
-                  <a:schemeClr val="accent2"/>
-                </a:solidFill>
-                <a:effectLst/>
-                <a:latin typeface="Courier New" panose="02070309020205020404" pitchFamily="49" charset="0"/>
-              </a:rPr>
-              <a:t>} </a:t>
-            </a:r>
-            <a:r>
-              <a:rPr lang="fr-FR" sz="1600" i="0" u="none" strike="noStrike" dirty="0">
-                <a:solidFill>
-                  <a:srgbClr val="333333"/>
-                </a:solidFill>
-                <a:effectLst/>
-                <a:latin typeface="Courier New" panose="02070309020205020404" pitchFamily="49" charset="0"/>
-              </a:rPr>
-              <a:t>&gt; ${</a:t>
-            </a:r>
-            <a:r>
-              <a:rPr lang="fr-FR" sz="1600" i="0" u="none" strike="noStrike" dirty="0" err="1">
-                <a:solidFill>
-                  <a:srgbClr val="333333"/>
-                </a:solidFill>
-                <a:effectLst/>
-                <a:latin typeface="Courier New" panose="02070309020205020404" pitchFamily="49" charset="0"/>
-              </a:rPr>
-              <a:t>sample</a:t>
-            </a:r>
-            <a:r>
-              <a:rPr lang="fr-FR" sz="1600" i="0" u="none" strike="noStrike" dirty="0">
-                <a:solidFill>
-                  <a:srgbClr val="333333"/>
-                </a:solidFill>
-                <a:effectLst/>
-                <a:latin typeface="Courier New" panose="02070309020205020404" pitchFamily="49" charset="0"/>
-              </a:rPr>
-              <a:t>}.</a:t>
-            </a:r>
-            <a:r>
-              <a:rPr lang="fr-FR" sz="1600" i="0" u="none" strike="noStrike" dirty="0" err="1">
-                <a:solidFill>
-                  <a:srgbClr val="333333"/>
-                </a:solidFill>
-                <a:effectLst/>
-                <a:latin typeface="Courier New" panose="02070309020205020404" pitchFamily="49" charset="0"/>
-              </a:rPr>
-              <a:t>fastq.gz</a:t>
-            </a:r>
-            <a:r>
-              <a:rPr lang="fr-FR" sz="1600" i="0" u="none" strike="noStrike" dirty="0">
-                <a:solidFill>
-                  <a:srgbClr val="333333"/>
-                </a:solidFill>
-                <a:effectLst/>
-                <a:latin typeface="Courier New" panose="02070309020205020404" pitchFamily="49" charset="0"/>
-              </a:rPr>
-              <a:t> </a:t>
-            </a:r>
-          </a:p>
-          <a:p>
-            <a:pPr lvl="2"/>
-            <a:r>
-              <a:rPr lang="fr-FR" sz="1600" i="0" u="none" strike="noStrike" dirty="0">
-                <a:solidFill>
-                  <a:srgbClr val="333333"/>
-                </a:solidFill>
-                <a:effectLst/>
-                <a:latin typeface="Courier New" panose="02070309020205020404" pitchFamily="49" charset="0"/>
-              </a:rPr>
-              <a:t>"""</a:t>
-            </a:r>
-          </a:p>
-          <a:p>
-            <a:pPr algn="l"/>
-            <a:r>
-              <a:rPr lang="fr-FR" sz="1600" i="0" u="none" strike="noStrike" dirty="0">
+            <a:r>
+              <a:rPr lang="fr-FR" sz="1600" b="0" i="0" u="none" strike="noStrike" dirty="0">
                 <a:solidFill>
                   <a:srgbClr val="333333"/>
                 </a:solidFill>
@@ -6469,7 +6297,7 @@
     </p:spTree>
     <p:extLst>
       <p:ext uri="{BB962C8B-B14F-4D97-AF65-F5344CB8AC3E}">
-        <p14:creationId xmlns:p14="http://schemas.microsoft.com/office/powerpoint/2010/main" val="1720193582"/>
+        <p14:creationId xmlns:p14="http://schemas.microsoft.com/office/powerpoint/2010/main" val="3287110980"/>
       </p:ext>
     </p:extLst>
   </p:cSld>
@@ -6574,971 +6402,6 @@
         </p:nvSpPr>
         <p:spPr>
           <a:xfrm>
-            <a:off x="141448" y="1599990"/>
-            <a:ext cx="8861104" cy="2115176"/>
-          </a:xfrm>
-          <a:prstGeom prst="rect">
-            <a:avLst/>
-          </a:prstGeom>
-          <a:ln/>
-        </p:spPr>
-        <p:style>
-          <a:lnRef idx="2">
-            <a:schemeClr val="accent2"/>
-          </a:lnRef>
-          <a:fillRef idx="1">
-            <a:schemeClr val="lt1"/>
-          </a:fillRef>
-          <a:effectRef idx="0">
-            <a:schemeClr val="accent2"/>
-          </a:effectRef>
-          <a:fontRef idx="minor">
-            <a:schemeClr val="dk1"/>
-          </a:fontRef>
-        </p:style>
-        <p:txBody>
-          <a:bodyPr wrap="square" lIns="72000" tIns="72000" rIns="72000" bIns="72000" rtlCol="0" anchor="ctr">
-            <a:spAutoFit/>
-          </a:bodyPr>
-          <a:lstStyle/>
-          <a:p>
-            <a:pPr algn="l"/>
-            <a:r>
-              <a:rPr lang="fr-FR" sz="1600" b="0" i="0" u="none" strike="noStrike" dirty="0">
-                <a:solidFill>
-                  <a:srgbClr val="333333"/>
-                </a:solidFill>
-                <a:effectLst/>
-                <a:latin typeface="Courier New" panose="02070309020205020404" pitchFamily="49" charset="0"/>
-              </a:rPr>
-              <a:t>workflow {</a:t>
-            </a:r>
-          </a:p>
-          <a:p>
-            <a:pPr algn="l"/>
-            <a:r>
-              <a:rPr lang="fr-FR" sz="1600" b="0" i="0" u="none" strike="noStrike" dirty="0">
-                <a:solidFill>
-                  <a:srgbClr val="333333"/>
-                </a:solidFill>
-                <a:effectLst/>
-                <a:latin typeface="Courier New" panose="02070309020205020404" pitchFamily="49" charset="0"/>
-              </a:rPr>
-              <a:t> </a:t>
-            </a:r>
-          </a:p>
-          <a:p>
-            <a:pPr algn="l"/>
-            <a:r>
-              <a:rPr lang="fr-FR" sz="1600" b="0" i="0" u="none" strike="noStrike" dirty="0">
-                <a:solidFill>
-                  <a:srgbClr val="333333"/>
-                </a:solidFill>
-                <a:effectLst/>
-                <a:latin typeface="Courier New" panose="02070309020205020404" pitchFamily="49" charset="0"/>
-              </a:rPr>
-              <a:t>	</a:t>
-            </a:r>
-            <a:r>
-              <a:rPr lang="fr-FR" sz="1600" b="0" i="0" u="none" strike="noStrike" dirty="0">
-                <a:solidFill>
-                  <a:schemeClr val="tx2">
-                    <a:lumMod val="60000"/>
-                    <a:lumOff val="40000"/>
-                  </a:schemeClr>
-                </a:solidFill>
-                <a:effectLst/>
-                <a:latin typeface="Courier New" panose="02070309020205020404" pitchFamily="49" charset="0"/>
-              </a:rPr>
-              <a:t>// </a:t>
-            </a:r>
-            <a:r>
-              <a:rPr lang="fr-FR" sz="1600" b="0" i="0" u="none" strike="noStrike" dirty="0" err="1">
-                <a:solidFill>
-                  <a:schemeClr val="tx2">
-                    <a:lumMod val="60000"/>
-                    <a:lumOff val="40000"/>
-                  </a:schemeClr>
-                </a:solidFill>
-                <a:effectLst/>
-                <a:latin typeface="Courier New" panose="02070309020205020404" pitchFamily="49" charset="0"/>
-              </a:rPr>
-              <a:t>Define</a:t>
-            </a:r>
-            <a:r>
-              <a:rPr lang="fr-FR" sz="1600" b="0" i="0" u="none" strike="noStrike" dirty="0">
-                <a:solidFill>
-                  <a:schemeClr val="tx2">
-                    <a:lumMod val="60000"/>
-                    <a:lumOff val="40000"/>
-                  </a:schemeClr>
-                </a:solidFill>
-                <a:effectLst/>
-                <a:latin typeface="Courier New" panose="02070309020205020404" pitchFamily="49" charset="0"/>
-              </a:rPr>
-              <a:t> SRA input data </a:t>
-            </a:r>
-            <a:r>
-              <a:rPr lang="fr-FR" sz="1600" b="0" i="0" u="none" strike="noStrike" dirty="0" err="1">
-                <a:solidFill>
-                  <a:schemeClr val="tx2">
-                    <a:lumMod val="60000"/>
-                    <a:lumOff val="40000"/>
-                  </a:schemeClr>
-                </a:solidFill>
-                <a:effectLst/>
-                <a:latin typeface="Courier New" panose="02070309020205020404" pitchFamily="49" charset="0"/>
-              </a:rPr>
-              <a:t>channel</a:t>
-            </a:r>
-            <a:r>
-              <a:rPr lang="fr-FR" sz="1600" b="0" i="0" u="none" strike="noStrike" dirty="0">
-                <a:solidFill>
-                  <a:schemeClr val="tx2">
-                    <a:lumMod val="60000"/>
-                    <a:lumOff val="40000"/>
-                  </a:schemeClr>
-                </a:solidFill>
-                <a:effectLst/>
-                <a:latin typeface="Courier New" panose="02070309020205020404" pitchFamily="49" charset="0"/>
-              </a:rPr>
-              <a:t> </a:t>
-            </a:r>
-          </a:p>
-          <a:p>
-            <a:pPr algn="l"/>
-            <a:r>
-              <a:rPr lang="fr-FR" sz="1600" b="0" i="0" u="none" strike="noStrike" dirty="0">
-                <a:solidFill>
-                  <a:srgbClr val="333333"/>
-                </a:solidFill>
-                <a:effectLst/>
-                <a:latin typeface="Courier New" panose="02070309020205020404" pitchFamily="49" charset="0"/>
-              </a:rPr>
-              <a:t>	</a:t>
-            </a:r>
-            <a:r>
-              <a:rPr lang="fr-FR" sz="1600" b="0" i="0" u="none" strike="noStrike" dirty="0" err="1">
-                <a:solidFill>
-                  <a:srgbClr val="333333"/>
-                </a:solidFill>
-                <a:effectLst/>
-                <a:latin typeface="Courier New" panose="02070309020205020404" pitchFamily="49" charset="0"/>
-              </a:rPr>
-              <a:t>ch_sra_ids</a:t>
-            </a:r>
-            <a:r>
-              <a:rPr lang="fr-FR" sz="1600" b="0" i="0" u="none" strike="noStrike" dirty="0">
-                <a:solidFill>
-                  <a:srgbClr val="333333"/>
-                </a:solidFill>
-                <a:effectLst/>
-                <a:latin typeface="Courier New" panose="02070309020205020404" pitchFamily="49" charset="0"/>
-              </a:rPr>
-              <a:t> = </a:t>
-            </a:r>
-            <a:r>
-              <a:rPr lang="fr-FR" sz="1600" b="0" i="0" u="none" strike="noStrike" dirty="0" err="1">
-                <a:solidFill>
-                  <a:srgbClr val="333333"/>
-                </a:solidFill>
-                <a:effectLst/>
-                <a:latin typeface="Courier New" panose="02070309020205020404" pitchFamily="49" charset="0"/>
-              </a:rPr>
-              <a:t>Channel.fromList</a:t>
-            </a:r>
-            <a:r>
-              <a:rPr lang="fr-FR" sz="1600" b="0" i="0" u="none" strike="noStrike" dirty="0">
-                <a:solidFill>
-                  <a:srgbClr val="333333"/>
-                </a:solidFill>
-                <a:effectLst/>
-                <a:latin typeface="Courier New" panose="02070309020205020404" pitchFamily="49" charset="0"/>
-              </a:rPr>
-              <a:t> ( ["</a:t>
-            </a:r>
-            <a:r>
-              <a:rPr lang="fr-FR" sz="1600" b="0" i="0" u="none" strike="noStrike" dirty="0">
-                <a:solidFill>
-                  <a:schemeClr val="accent2"/>
-                </a:solidFill>
-                <a:effectLst/>
-                <a:latin typeface="Courier New" panose="02070309020205020404" pitchFamily="49" charset="0"/>
-              </a:rPr>
-              <a:t>SRR935090</a:t>
-            </a:r>
-            <a:r>
-              <a:rPr lang="fr-FR" sz="1600" b="0" i="0" u="none" strike="noStrike" dirty="0">
-                <a:solidFill>
-                  <a:srgbClr val="333333"/>
-                </a:solidFill>
-                <a:effectLst/>
-                <a:latin typeface="Courier New" panose="02070309020205020404" pitchFamily="49" charset="0"/>
-              </a:rPr>
-              <a:t>", "</a:t>
-            </a:r>
-            <a:r>
-              <a:rPr lang="fr-FR" sz="1600" b="0" i="0" u="none" strike="noStrike" dirty="0">
-                <a:solidFill>
-                  <a:schemeClr val="accent2"/>
-                </a:solidFill>
-                <a:effectLst/>
-                <a:latin typeface="Courier New" panose="02070309020205020404" pitchFamily="49" charset="0"/>
-              </a:rPr>
-              <a:t>SRR935091</a:t>
-            </a:r>
-            <a:r>
-              <a:rPr lang="fr-FR" sz="1600" b="0" i="0" u="none" strike="noStrike" dirty="0">
-                <a:solidFill>
-                  <a:srgbClr val="333333"/>
-                </a:solidFill>
-                <a:effectLst/>
-                <a:latin typeface="Courier New" panose="02070309020205020404" pitchFamily="49" charset="0"/>
-              </a:rPr>
-              <a:t>"] ) </a:t>
-            </a:r>
-          </a:p>
-          <a:p>
-            <a:pPr algn="l"/>
-            <a:endParaRPr lang="fr-FR" sz="1600" b="0" i="0" u="none" strike="noStrike" dirty="0">
-              <a:solidFill>
-                <a:srgbClr val="333333"/>
-              </a:solidFill>
-              <a:effectLst/>
-              <a:latin typeface="Courier New" panose="02070309020205020404" pitchFamily="49" charset="0"/>
-            </a:endParaRPr>
-          </a:p>
-          <a:p>
-            <a:pPr algn="l"/>
-            <a:r>
-              <a:rPr lang="fr-FR" sz="1600" dirty="0">
-                <a:solidFill>
-                  <a:srgbClr val="333333"/>
-                </a:solidFill>
-                <a:latin typeface="Courier New" panose="02070309020205020404" pitchFamily="49" charset="0"/>
-              </a:rPr>
-              <a:t>	</a:t>
-            </a:r>
-            <a:r>
-              <a:rPr lang="fr-FR" sz="1600" b="0" i="0" u="none" strike="noStrike" dirty="0">
-                <a:solidFill>
-                  <a:schemeClr val="tx2">
-                    <a:lumMod val="60000"/>
-                    <a:lumOff val="40000"/>
-                  </a:schemeClr>
-                </a:solidFill>
-                <a:effectLst/>
-                <a:latin typeface="Courier New" panose="02070309020205020404" pitchFamily="49" charset="0"/>
-              </a:rPr>
-              <a:t>// </a:t>
-            </a:r>
-            <a:r>
-              <a:rPr lang="fr-FR" sz="1600" b="0" i="0" u="none" strike="noStrike" dirty="0" err="1">
-                <a:solidFill>
-                  <a:schemeClr val="tx2">
-                    <a:lumMod val="60000"/>
-                    <a:lumOff val="40000"/>
-                  </a:schemeClr>
-                </a:solidFill>
-                <a:effectLst/>
-                <a:latin typeface="Courier New" panose="02070309020205020404" pitchFamily="49" charset="0"/>
-              </a:rPr>
-              <a:t>Define</a:t>
-            </a:r>
-            <a:r>
-              <a:rPr lang="fr-FR" sz="1600" b="0" i="0" u="none" strike="noStrike" dirty="0">
-                <a:solidFill>
-                  <a:schemeClr val="tx2">
-                    <a:lumMod val="60000"/>
-                    <a:lumOff val="40000"/>
-                  </a:schemeClr>
-                </a:solidFill>
-                <a:effectLst/>
-                <a:latin typeface="Courier New" panose="02070309020205020404" pitchFamily="49" charset="0"/>
-              </a:rPr>
-              <a:t> the workflow </a:t>
-            </a:r>
-          </a:p>
-          <a:p>
-            <a:pPr algn="l"/>
-            <a:r>
-              <a:rPr lang="fr-FR" sz="1600" b="0" i="0" u="none" strike="noStrike" dirty="0">
-                <a:solidFill>
-                  <a:srgbClr val="333333"/>
-                </a:solidFill>
-                <a:effectLst/>
-                <a:latin typeface="Courier New" panose="02070309020205020404" pitchFamily="49" charset="0"/>
-              </a:rPr>
-              <a:t>	GET_SRA_BY_ACCESSION ( </a:t>
-            </a:r>
-            <a:r>
-              <a:rPr lang="fr-FR" sz="1600" b="0" i="0" u="none" strike="noStrike" dirty="0" err="1">
-                <a:solidFill>
-                  <a:srgbClr val="333333"/>
-                </a:solidFill>
-                <a:effectLst/>
-                <a:latin typeface="Courier New" panose="02070309020205020404" pitchFamily="49" charset="0"/>
-              </a:rPr>
-              <a:t>ch_sra_ids</a:t>
-            </a:r>
-            <a:r>
-              <a:rPr lang="fr-FR" sz="1600" b="0" i="0" u="none" strike="noStrike" dirty="0">
-                <a:solidFill>
-                  <a:srgbClr val="333333"/>
-                </a:solidFill>
-                <a:effectLst/>
-                <a:latin typeface="Courier New" panose="02070309020205020404" pitchFamily="49" charset="0"/>
-              </a:rPr>
-              <a:t> ) </a:t>
-            </a:r>
-          </a:p>
-          <a:p>
-            <a:pPr algn="l"/>
-            <a:r>
-              <a:rPr lang="fr-FR" sz="1600" b="0" i="0" u="none" strike="noStrike" dirty="0">
-                <a:solidFill>
-                  <a:srgbClr val="333333"/>
-                </a:solidFill>
-                <a:effectLst/>
-                <a:latin typeface="Courier New" panose="02070309020205020404" pitchFamily="49" charset="0"/>
-              </a:rPr>
-              <a:t>} </a:t>
-            </a:r>
-          </a:p>
-        </p:txBody>
-      </p:sp>
-    </p:spTree>
-    <p:extLst>
-      <p:ext uri="{BB962C8B-B14F-4D97-AF65-F5344CB8AC3E}">
-        <p14:creationId xmlns:p14="http://schemas.microsoft.com/office/powerpoint/2010/main" val="2942197070"/>
-      </p:ext>
-    </p:extLst>
-  </p:cSld>
-  <p:clrMapOvr>
-    <a:masterClrMapping/>
-  </p:clrMapOvr>
-</p:sld>
-</file>
-
-<file path=ppt/slides/slide13.xml><?xml version="1.0" encoding="utf-8"?>
-<p:sld xmlns:a="http://schemas.openxmlformats.org/drawingml/2006/main" xmlns:r="http://schemas.openxmlformats.org/officeDocument/2006/relationships" xmlns:p="http://schemas.openxmlformats.org/presentationml/2006/main">
-  <p:cSld>
-    <p:spTree>
-      <p:nvGrpSpPr>
-        <p:cNvPr id="1" name=""/>
-        <p:cNvGrpSpPr/>
-        <p:nvPr/>
-      </p:nvGrpSpPr>
-      <p:grpSpPr>
-        <a:xfrm>
-          <a:off x="0" y="0"/>
-          <a:ext cx="0" cy="0"/>
-          <a:chOff x="0" y="0"/>
-          <a:chExt cx="0" cy="0"/>
-        </a:xfrm>
-      </p:grpSpPr>
-      <p:sp>
-        <p:nvSpPr>
-          <p:cNvPr id="2" name="Espace réservé du numéro de diapositive 1">
-            <a:extLst>
-              <a:ext uri="{FF2B5EF4-FFF2-40B4-BE49-F238E27FC236}">
-                <a16:creationId xmlns:a16="http://schemas.microsoft.com/office/drawing/2014/main" id="{978AB41B-C33C-BA20-5534-31D23D8E7633}"/>
-              </a:ext>
-            </a:extLst>
-          </p:cNvPr>
-          <p:cNvSpPr>
-            <a:spLocks noGrp="1"/>
-          </p:cNvSpPr>
-          <p:nvPr>
-            <p:ph type="sldNum" sz="quarter" idx="12"/>
-          </p:nvPr>
-        </p:nvSpPr>
-        <p:spPr/>
-        <p:txBody>
-          <a:bodyPr/>
-          <a:lstStyle/>
-          <a:p>
-            <a:fld id="{CE8079A4-7AA8-4A4F-87E2-7781EC5097DD}" type="slidenum">
-              <a:rPr lang="en-US" smtClean="0"/>
-              <a:pPr/>
-              <a:t>13</a:t>
-            </a:fld>
-            <a:endParaRPr lang="en-US"/>
-          </a:p>
-        </p:txBody>
-      </p:sp>
-      <p:sp>
-        <p:nvSpPr>
-          <p:cNvPr id="3" name="Espace réservé du contenu 2">
-            <a:extLst>
-              <a:ext uri="{FF2B5EF4-FFF2-40B4-BE49-F238E27FC236}">
-                <a16:creationId xmlns:a16="http://schemas.microsoft.com/office/drawing/2014/main" id="{E6FA7CF1-2D02-6EBB-82FD-2403FBDD3034}"/>
-              </a:ext>
-            </a:extLst>
-          </p:cNvPr>
-          <p:cNvSpPr>
-            <a:spLocks noGrp="1"/>
-          </p:cNvSpPr>
-          <p:nvPr>
-            <p:ph sz="quarter" idx="13"/>
-          </p:nvPr>
-        </p:nvSpPr>
-        <p:spPr/>
-        <p:txBody>
-          <a:bodyPr>
-            <a:normAutofit/>
-          </a:bodyPr>
-          <a:lstStyle/>
-          <a:p>
-            <a:r>
-              <a:rPr lang="fr-FR" dirty="0" err="1"/>
-              <a:t>Anatomy</a:t>
-            </a:r>
-            <a:r>
-              <a:rPr lang="fr-FR" dirty="0"/>
-              <a:t> of a workflow </a:t>
-            </a:r>
-          </a:p>
-        </p:txBody>
-      </p:sp>
-      <p:sp>
-        <p:nvSpPr>
-          <p:cNvPr id="4" name="Rectangle 3">
-            <a:extLst>
-              <a:ext uri="{FF2B5EF4-FFF2-40B4-BE49-F238E27FC236}">
-                <a16:creationId xmlns:a16="http://schemas.microsoft.com/office/drawing/2014/main" id="{3BD14B11-A09D-67A3-DB70-3AC5295DBFA4}"/>
-              </a:ext>
-            </a:extLst>
-          </p:cNvPr>
-          <p:cNvSpPr/>
-          <p:nvPr/>
-        </p:nvSpPr>
-        <p:spPr>
-          <a:xfrm>
-            <a:off x="141448" y="1230659"/>
-            <a:ext cx="8861104" cy="2853840"/>
-          </a:xfrm>
-          <a:prstGeom prst="rect">
-            <a:avLst/>
-          </a:prstGeom>
-          <a:ln/>
-        </p:spPr>
-        <p:style>
-          <a:lnRef idx="2">
-            <a:schemeClr val="accent2"/>
-          </a:lnRef>
-          <a:fillRef idx="1">
-            <a:schemeClr val="lt1"/>
-          </a:fillRef>
-          <a:effectRef idx="0">
-            <a:schemeClr val="accent2"/>
-          </a:effectRef>
-          <a:fontRef idx="minor">
-            <a:schemeClr val="dk1"/>
-          </a:fontRef>
-        </p:style>
-        <p:txBody>
-          <a:bodyPr wrap="square" lIns="72000" tIns="72000" rIns="72000" bIns="72000" rtlCol="0" anchor="ctr">
-            <a:spAutoFit/>
-          </a:bodyPr>
-          <a:lstStyle/>
-          <a:p>
-            <a:pPr algn="l"/>
-            <a:r>
-              <a:rPr lang="fr-FR" sz="1600" b="0" i="0" u="none" strike="noStrike" dirty="0">
-                <a:solidFill>
-                  <a:srgbClr val="333333"/>
-                </a:solidFill>
-                <a:effectLst/>
-                <a:latin typeface="Courier New" panose="02070309020205020404" pitchFamily="49" charset="0"/>
-              </a:rPr>
-              <a:t>workflow {</a:t>
-            </a:r>
-          </a:p>
-          <a:p>
-            <a:pPr algn="l"/>
-            <a:r>
-              <a:rPr lang="fr-FR" sz="1600" b="0" i="0" u="none" strike="noStrike" dirty="0">
-                <a:solidFill>
-                  <a:srgbClr val="333333"/>
-                </a:solidFill>
-                <a:effectLst/>
-                <a:latin typeface="Courier New" panose="02070309020205020404" pitchFamily="49" charset="0"/>
-              </a:rPr>
-              <a:t> </a:t>
-            </a:r>
-          </a:p>
-          <a:p>
-            <a:pPr algn="l"/>
-            <a:r>
-              <a:rPr lang="fr-FR" sz="1600" b="0" i="0" u="none" strike="noStrike" dirty="0">
-                <a:solidFill>
-                  <a:srgbClr val="333333"/>
-                </a:solidFill>
-                <a:effectLst/>
-                <a:latin typeface="Courier New" panose="02070309020205020404" pitchFamily="49" charset="0"/>
-              </a:rPr>
-              <a:t>	</a:t>
-            </a:r>
-            <a:r>
-              <a:rPr lang="fr-FR" sz="1600" b="0" i="0" u="none" strike="noStrike" dirty="0">
-                <a:solidFill>
-                  <a:schemeClr val="tx2">
-                    <a:lumMod val="60000"/>
-                    <a:lumOff val="40000"/>
-                  </a:schemeClr>
-                </a:solidFill>
-                <a:effectLst/>
-                <a:latin typeface="Courier New" panose="02070309020205020404" pitchFamily="49" charset="0"/>
-              </a:rPr>
-              <a:t>// </a:t>
-            </a:r>
-            <a:r>
-              <a:rPr lang="fr-FR" sz="1600" b="0" i="0" u="none" strike="noStrike" dirty="0" err="1">
-                <a:solidFill>
-                  <a:schemeClr val="tx2">
-                    <a:lumMod val="60000"/>
-                    <a:lumOff val="40000"/>
-                  </a:schemeClr>
-                </a:solidFill>
-                <a:effectLst/>
-                <a:latin typeface="Courier New" panose="02070309020205020404" pitchFamily="49" charset="0"/>
-              </a:rPr>
-              <a:t>Define</a:t>
-            </a:r>
-            <a:r>
-              <a:rPr lang="fr-FR" sz="1600" b="0" i="0" u="none" strike="noStrike" dirty="0">
-                <a:solidFill>
-                  <a:schemeClr val="tx2">
-                    <a:lumMod val="60000"/>
-                    <a:lumOff val="40000"/>
-                  </a:schemeClr>
-                </a:solidFill>
-                <a:effectLst/>
-                <a:latin typeface="Courier New" panose="02070309020205020404" pitchFamily="49" charset="0"/>
-              </a:rPr>
-              <a:t> SRA input data </a:t>
-            </a:r>
-            <a:r>
-              <a:rPr lang="fr-FR" sz="1600" b="0" i="0" u="none" strike="noStrike" dirty="0" err="1">
-                <a:solidFill>
-                  <a:schemeClr val="tx2">
-                    <a:lumMod val="60000"/>
-                    <a:lumOff val="40000"/>
-                  </a:schemeClr>
-                </a:solidFill>
-                <a:effectLst/>
-                <a:latin typeface="Courier New" panose="02070309020205020404" pitchFamily="49" charset="0"/>
-              </a:rPr>
-              <a:t>channel</a:t>
-            </a:r>
-            <a:r>
-              <a:rPr lang="fr-FR" sz="1600" b="0" i="0" u="none" strike="noStrike" dirty="0">
-                <a:solidFill>
-                  <a:schemeClr val="tx2">
-                    <a:lumMod val="60000"/>
-                    <a:lumOff val="40000"/>
-                  </a:schemeClr>
-                </a:solidFill>
-                <a:effectLst/>
-                <a:latin typeface="Courier New" panose="02070309020205020404" pitchFamily="49" charset="0"/>
-              </a:rPr>
-              <a:t> </a:t>
-            </a:r>
-          </a:p>
-          <a:p>
-            <a:pPr algn="l"/>
-            <a:r>
-              <a:rPr lang="fr-FR" sz="1600" b="0" i="0" u="none" strike="noStrike" dirty="0">
-                <a:solidFill>
-                  <a:srgbClr val="333333"/>
-                </a:solidFill>
-                <a:effectLst/>
-                <a:latin typeface="Courier New" panose="02070309020205020404" pitchFamily="49" charset="0"/>
-              </a:rPr>
-              <a:t>	</a:t>
-            </a:r>
-            <a:r>
-              <a:rPr lang="fr-FR" sz="1600" b="0" i="0" u="none" strike="noStrike" dirty="0" err="1">
-                <a:solidFill>
-                  <a:srgbClr val="333333"/>
-                </a:solidFill>
-                <a:effectLst/>
-                <a:latin typeface="Courier New" panose="02070309020205020404" pitchFamily="49" charset="0"/>
-              </a:rPr>
-              <a:t>ch_sra_ids</a:t>
-            </a:r>
-            <a:r>
-              <a:rPr lang="fr-FR" sz="1600" b="0" i="0" u="none" strike="noStrike" dirty="0">
-                <a:solidFill>
-                  <a:srgbClr val="333333"/>
-                </a:solidFill>
-                <a:effectLst/>
-                <a:latin typeface="Courier New" panose="02070309020205020404" pitchFamily="49" charset="0"/>
-              </a:rPr>
-              <a:t> = </a:t>
-            </a:r>
-            <a:r>
-              <a:rPr lang="fr-FR" sz="1600" b="0" i="0" u="none" strike="noStrike" dirty="0" err="1">
-                <a:solidFill>
-                  <a:schemeClr val="accent3"/>
-                </a:solidFill>
-                <a:effectLst/>
-                <a:latin typeface="Courier New" panose="02070309020205020404" pitchFamily="49" charset="0"/>
-              </a:rPr>
-              <a:t>Channel.fromList</a:t>
-            </a:r>
-            <a:r>
-              <a:rPr lang="fr-FR" sz="1600" b="0" i="0" u="none" strike="noStrike" dirty="0">
-                <a:solidFill>
-                  <a:schemeClr val="accent3"/>
-                </a:solidFill>
-                <a:effectLst/>
-                <a:latin typeface="Courier New" panose="02070309020205020404" pitchFamily="49" charset="0"/>
-              </a:rPr>
-              <a:t> </a:t>
-            </a:r>
-            <a:r>
-              <a:rPr lang="fr-FR" sz="1600" b="0" i="0" u="none" strike="noStrike" dirty="0">
-                <a:solidFill>
-                  <a:srgbClr val="333333"/>
-                </a:solidFill>
-                <a:effectLst/>
-                <a:latin typeface="Courier New" panose="02070309020205020404" pitchFamily="49" charset="0"/>
-              </a:rPr>
-              <a:t>( ["</a:t>
-            </a:r>
-            <a:r>
-              <a:rPr lang="fr-FR" sz="1600" b="0" i="0" u="none" strike="noStrike" dirty="0">
-                <a:solidFill>
-                  <a:schemeClr val="accent2"/>
-                </a:solidFill>
-                <a:effectLst/>
-                <a:latin typeface="Courier New" panose="02070309020205020404" pitchFamily="49" charset="0"/>
-              </a:rPr>
-              <a:t>SRR935090</a:t>
-            </a:r>
-            <a:r>
-              <a:rPr lang="fr-FR" sz="1600" b="0" i="0" u="none" strike="noStrike" dirty="0">
-                <a:solidFill>
-                  <a:srgbClr val="333333"/>
-                </a:solidFill>
-                <a:effectLst/>
-                <a:latin typeface="Courier New" panose="02070309020205020404" pitchFamily="49" charset="0"/>
-              </a:rPr>
-              <a:t>", "</a:t>
-            </a:r>
-            <a:r>
-              <a:rPr lang="fr-FR" sz="1600" b="0" i="0" u="none" strike="noStrike" dirty="0">
-                <a:solidFill>
-                  <a:schemeClr val="accent2"/>
-                </a:solidFill>
-                <a:effectLst/>
-                <a:latin typeface="Courier New" panose="02070309020205020404" pitchFamily="49" charset="0"/>
-              </a:rPr>
-              <a:t>SRR935091</a:t>
-            </a:r>
-            <a:r>
-              <a:rPr lang="fr-FR" sz="1600" b="0" i="0" u="none" strike="noStrike" dirty="0">
-                <a:solidFill>
-                  <a:srgbClr val="333333"/>
-                </a:solidFill>
-                <a:effectLst/>
-                <a:latin typeface="Courier New" panose="02070309020205020404" pitchFamily="49" charset="0"/>
-              </a:rPr>
-              <a:t>"] ) </a:t>
-            </a:r>
-          </a:p>
-          <a:p>
-            <a:pPr algn="l"/>
-            <a:endParaRPr lang="fr-FR" sz="1600" b="0" i="0" u="none" strike="noStrike" dirty="0">
-              <a:solidFill>
-                <a:srgbClr val="333333"/>
-              </a:solidFill>
-              <a:effectLst/>
-              <a:latin typeface="Courier New" panose="02070309020205020404" pitchFamily="49" charset="0"/>
-            </a:endParaRPr>
-          </a:p>
-          <a:p>
-            <a:pPr algn="l"/>
-            <a:r>
-              <a:rPr lang="fr-FR" sz="1600" dirty="0">
-                <a:solidFill>
-                  <a:srgbClr val="333333"/>
-                </a:solidFill>
-                <a:latin typeface="Courier New" panose="02070309020205020404" pitchFamily="49" charset="0"/>
-              </a:rPr>
-              <a:t>	</a:t>
-            </a:r>
-            <a:r>
-              <a:rPr lang="fr-FR" sz="1600" b="0" i="0" u="none" strike="noStrike" dirty="0">
-                <a:solidFill>
-                  <a:schemeClr val="tx2">
-                    <a:lumMod val="60000"/>
-                    <a:lumOff val="40000"/>
-                  </a:schemeClr>
-                </a:solidFill>
-                <a:effectLst/>
-                <a:latin typeface="Courier New" panose="02070309020205020404" pitchFamily="49" charset="0"/>
-              </a:rPr>
-              <a:t>// </a:t>
-            </a:r>
-            <a:r>
-              <a:rPr lang="fr-FR" sz="1600" b="0" i="0" u="none" strike="noStrike" dirty="0" err="1">
-                <a:solidFill>
-                  <a:schemeClr val="tx2">
-                    <a:lumMod val="60000"/>
-                    <a:lumOff val="40000"/>
-                  </a:schemeClr>
-                </a:solidFill>
-                <a:effectLst/>
-                <a:latin typeface="Courier New" panose="02070309020205020404" pitchFamily="49" charset="0"/>
-              </a:rPr>
-              <a:t>Define</a:t>
-            </a:r>
-            <a:r>
-              <a:rPr lang="fr-FR" sz="1600" b="0" i="0" u="none" strike="noStrike" dirty="0">
-                <a:solidFill>
-                  <a:schemeClr val="tx2">
-                    <a:lumMod val="60000"/>
-                    <a:lumOff val="40000"/>
-                  </a:schemeClr>
-                </a:solidFill>
-                <a:effectLst/>
-                <a:latin typeface="Courier New" panose="02070309020205020404" pitchFamily="49" charset="0"/>
-              </a:rPr>
-              <a:t> the workflow </a:t>
-            </a:r>
-          </a:p>
-          <a:p>
-            <a:pPr algn="l"/>
-            <a:r>
-              <a:rPr lang="fr-FR" sz="1600" b="0" i="0" u="none" strike="noStrike" dirty="0">
-                <a:solidFill>
-                  <a:srgbClr val="333333"/>
-                </a:solidFill>
-                <a:effectLst/>
-                <a:latin typeface="Courier New" panose="02070309020205020404" pitchFamily="49" charset="0"/>
-              </a:rPr>
-              <a:t>	GET_SRA_BY_ACCESSION ( </a:t>
-            </a:r>
-            <a:r>
-              <a:rPr lang="fr-FR" sz="1600" b="0" i="0" u="none" strike="noStrike" dirty="0" err="1">
-                <a:solidFill>
-                  <a:srgbClr val="333333"/>
-                </a:solidFill>
-                <a:effectLst/>
-                <a:latin typeface="Courier New" panose="02070309020205020404" pitchFamily="49" charset="0"/>
-              </a:rPr>
-              <a:t>ch_sra_ids</a:t>
-            </a:r>
-            <a:r>
-              <a:rPr lang="fr-FR" sz="1600" b="0" i="0" u="none" strike="noStrike" dirty="0">
-                <a:solidFill>
-                  <a:srgbClr val="333333"/>
-                </a:solidFill>
-                <a:effectLst/>
-                <a:latin typeface="Courier New" panose="02070309020205020404" pitchFamily="49" charset="0"/>
-              </a:rPr>
-              <a:t> ) </a:t>
-            </a:r>
-          </a:p>
-          <a:p>
-            <a:pPr algn="l"/>
-            <a:r>
-              <a:rPr lang="fr-FR" sz="1600" dirty="0">
-                <a:solidFill>
-                  <a:srgbClr val="333333"/>
-                </a:solidFill>
-                <a:latin typeface="Courier New" panose="02070309020205020404" pitchFamily="49" charset="0"/>
-              </a:rPr>
-              <a:t>	</a:t>
-            </a:r>
-          </a:p>
-          <a:p>
-            <a:pPr algn="l"/>
-            <a:r>
-              <a:rPr lang="fr-FR" sz="1600" dirty="0">
-                <a:solidFill>
-                  <a:srgbClr val="333333"/>
-                </a:solidFill>
-                <a:latin typeface="Courier New" panose="02070309020205020404" pitchFamily="49" charset="0"/>
-              </a:rPr>
-              <a:t>	RUN_FASTQC ( </a:t>
-            </a:r>
-            <a:r>
-              <a:rPr lang="fr-FR" sz="1600" dirty="0" err="1">
-                <a:solidFill>
-                  <a:srgbClr val="333333"/>
-                </a:solidFill>
-                <a:latin typeface="Courier New" panose="02070309020205020404" pitchFamily="49" charset="0"/>
-              </a:rPr>
-              <a:t>GET_SRA_BY_ACCESSION</a:t>
-            </a:r>
-            <a:r>
-              <a:rPr lang="fr-FR" sz="1600" dirty="0" err="1">
-                <a:solidFill>
-                  <a:schemeClr val="accent3"/>
-                </a:solidFill>
-                <a:latin typeface="Courier New" panose="02070309020205020404" pitchFamily="49" charset="0"/>
-              </a:rPr>
-              <a:t>.out</a:t>
-            </a:r>
-            <a:r>
-              <a:rPr lang="fr-FR" sz="1600" dirty="0">
-                <a:solidFill>
-                  <a:schemeClr val="accent3"/>
-                </a:solidFill>
-                <a:latin typeface="Courier New" panose="02070309020205020404" pitchFamily="49" charset="0"/>
-              </a:rPr>
-              <a:t> </a:t>
-            </a:r>
-            <a:r>
-              <a:rPr lang="fr-FR" sz="1600" dirty="0">
-                <a:solidFill>
-                  <a:srgbClr val="333333"/>
-                </a:solidFill>
-                <a:latin typeface="Courier New" panose="02070309020205020404" pitchFamily="49" charset="0"/>
-              </a:rPr>
-              <a:t>)</a:t>
-            </a:r>
-          </a:p>
-          <a:p>
-            <a:pPr algn="l"/>
-            <a:r>
-              <a:rPr lang="fr-FR" sz="1600" b="0" i="0" u="none" strike="noStrike" dirty="0">
-                <a:solidFill>
-                  <a:srgbClr val="333333"/>
-                </a:solidFill>
-                <a:effectLst/>
-                <a:latin typeface="Courier New" panose="02070309020205020404" pitchFamily="49" charset="0"/>
-              </a:rPr>
-              <a:t>	</a:t>
-            </a:r>
-          </a:p>
-          <a:p>
-            <a:pPr algn="l"/>
-            <a:r>
-              <a:rPr lang="fr-FR" sz="1600" b="0" i="0" u="none" strike="noStrike" dirty="0">
-                <a:solidFill>
-                  <a:srgbClr val="333333"/>
-                </a:solidFill>
-                <a:effectLst/>
-                <a:latin typeface="Courier New" panose="02070309020205020404" pitchFamily="49" charset="0"/>
-              </a:rPr>
-              <a:t>} </a:t>
-            </a:r>
-          </a:p>
-        </p:txBody>
-      </p:sp>
-    </p:spTree>
-    <p:extLst>
-      <p:ext uri="{BB962C8B-B14F-4D97-AF65-F5344CB8AC3E}">
-        <p14:creationId xmlns:p14="http://schemas.microsoft.com/office/powerpoint/2010/main" val="3287110980"/>
-      </p:ext>
-    </p:extLst>
-  </p:cSld>
-  <p:clrMapOvr>
-    <a:masterClrMapping/>
-  </p:clrMapOvr>
-</p:sld>
-</file>
-
-<file path=ppt/slides/slide14.xml><?xml version="1.0" encoding="utf-8"?>
-<p:sld xmlns:a="http://schemas.openxmlformats.org/drawingml/2006/main" xmlns:r="http://schemas.openxmlformats.org/officeDocument/2006/relationships" xmlns:p="http://schemas.openxmlformats.org/presentationml/2006/main">
-  <p:cSld>
-    <p:spTree>
-      <p:nvGrpSpPr>
-        <p:cNvPr id="1" name=""/>
-        <p:cNvGrpSpPr/>
-        <p:nvPr/>
-      </p:nvGrpSpPr>
-      <p:grpSpPr>
-        <a:xfrm>
-          <a:off x="0" y="0"/>
-          <a:ext cx="0" cy="0"/>
-          <a:chOff x="0" y="0"/>
-          <a:chExt cx="0" cy="0"/>
-        </a:xfrm>
-      </p:grpSpPr>
-      <p:sp>
-        <p:nvSpPr>
-          <p:cNvPr id="2" name="Espace réservé du numéro de diapositive 1">
-            <a:extLst>
-              <a:ext uri="{FF2B5EF4-FFF2-40B4-BE49-F238E27FC236}">
-                <a16:creationId xmlns:a16="http://schemas.microsoft.com/office/drawing/2014/main" id="{978AB41B-C33C-BA20-5534-31D23D8E7633}"/>
-              </a:ext>
-            </a:extLst>
-          </p:cNvPr>
-          <p:cNvSpPr>
-            <a:spLocks noGrp="1"/>
-          </p:cNvSpPr>
-          <p:nvPr>
-            <p:ph type="sldNum" sz="quarter" idx="12"/>
-          </p:nvPr>
-        </p:nvSpPr>
-        <p:spPr/>
-        <p:txBody>
-          <a:bodyPr/>
-          <a:lstStyle/>
-          <a:p>
-            <a:fld id="{CE8079A4-7AA8-4A4F-87E2-7781EC5097DD}" type="slidenum">
-              <a:rPr lang="en-US" smtClean="0"/>
-              <a:pPr/>
-              <a:t>14</a:t>
-            </a:fld>
-            <a:endParaRPr lang="en-US"/>
-          </a:p>
-        </p:txBody>
-      </p:sp>
-      <p:sp>
-        <p:nvSpPr>
-          <p:cNvPr id="3" name="Espace réservé du contenu 2">
-            <a:extLst>
-              <a:ext uri="{FF2B5EF4-FFF2-40B4-BE49-F238E27FC236}">
-                <a16:creationId xmlns:a16="http://schemas.microsoft.com/office/drawing/2014/main" id="{E6FA7CF1-2D02-6EBB-82FD-2403FBDD3034}"/>
-              </a:ext>
-            </a:extLst>
-          </p:cNvPr>
-          <p:cNvSpPr>
-            <a:spLocks noGrp="1"/>
-          </p:cNvSpPr>
-          <p:nvPr>
-            <p:ph sz="quarter" idx="13"/>
-          </p:nvPr>
-        </p:nvSpPr>
-        <p:spPr/>
-        <p:txBody>
-          <a:bodyPr>
-            <a:normAutofit/>
-          </a:bodyPr>
-          <a:lstStyle/>
-          <a:p>
-            <a:r>
-              <a:rPr lang="fr-FR" dirty="0" err="1"/>
-              <a:t>Anatomy</a:t>
-            </a:r>
-            <a:r>
-              <a:rPr lang="fr-FR" dirty="0"/>
-              <a:t> of a workflow </a:t>
-            </a:r>
-          </a:p>
-        </p:txBody>
-      </p:sp>
-      <p:sp>
-        <p:nvSpPr>
-          <p:cNvPr id="4" name="Rectangle 3">
-            <a:extLst>
-              <a:ext uri="{FF2B5EF4-FFF2-40B4-BE49-F238E27FC236}">
-                <a16:creationId xmlns:a16="http://schemas.microsoft.com/office/drawing/2014/main" id="{3BD14B11-A09D-67A3-DB70-3AC5295DBFA4}"/>
-              </a:ext>
-            </a:extLst>
-          </p:cNvPr>
-          <p:cNvSpPr/>
-          <p:nvPr/>
-        </p:nvSpPr>
-        <p:spPr>
-          <a:xfrm>
             <a:off x="141448" y="1107549"/>
             <a:ext cx="8861104" cy="3100061"/>
           </a:xfrm>
@@ -8023,7 +6886,7 @@
 </p:sld>
 </file>
 
-<file path=ppt/slides/slide15.xml><?xml version="1.0" encoding="utf-8"?>
+<file path=ppt/slides/slide13.xml><?xml version="1.0" encoding="utf-8"?>
 <p:sld xmlns:a="http://schemas.openxmlformats.org/drawingml/2006/main" xmlns:r="http://schemas.openxmlformats.org/officeDocument/2006/relationships" xmlns:p="http://schemas.openxmlformats.org/presentationml/2006/main">
   <p:cSld>
     <p:spTree>
@@ -8064,7 +6927,7 @@
             <a:fld id="{CE8079A4-7AA8-4A4F-87E2-7781EC5097DD}" type="slidenum">
               <a:rPr lang="en-US" smtClean="0"/>
               <a:pPr/>
-              <a:t>15</a:t>
+              <a:t>13</a:t>
             </a:fld>
             <a:endParaRPr lang="en-US"/>
           </a:p>
@@ -9290,7 +8153,7 @@
 </p:sld>
 </file>
 
-<file path=ppt/slides/slide16.xml><?xml version="1.0" encoding="utf-8"?>
+<file path=ppt/slides/slide14.xml><?xml version="1.0" encoding="utf-8"?>
 <p:sld xmlns:a="http://schemas.openxmlformats.org/drawingml/2006/main" xmlns:r="http://schemas.openxmlformats.org/officeDocument/2006/relationships" xmlns:p="http://schemas.openxmlformats.org/presentationml/2006/main">
   <p:cSld>
     <p:spTree>
@@ -9331,7 +8194,7 @@
             <a:fld id="{CE8079A4-7AA8-4A4F-87E2-7781EC5097DD}" type="slidenum">
               <a:rPr lang="en-US" smtClean="0"/>
               <a:pPr/>
-              <a:t>16</a:t>
+              <a:t>14</a:t>
             </a:fld>
             <a:endParaRPr lang="en-US"/>
           </a:p>
@@ -9581,7 +8444,7 @@
 </p:sld>
 </file>
 
-<file path=ppt/slides/slide17.xml><?xml version="1.0" encoding="utf-8"?>
+<file path=ppt/slides/slide15.xml><?xml version="1.0" encoding="utf-8"?>
 <p:sld xmlns:a="http://schemas.openxmlformats.org/drawingml/2006/main" xmlns:r="http://schemas.openxmlformats.org/officeDocument/2006/relationships" xmlns:p="http://schemas.openxmlformats.org/presentationml/2006/main">
   <p:cSld>
     <p:spTree>
@@ -9622,7 +8485,7 @@
             <a:fld id="{CE8079A4-7AA8-4A4F-87E2-7781EC5097DD}" type="slidenum">
               <a:rPr lang="en-US" smtClean="0"/>
               <a:pPr/>
-              <a:t>17</a:t>
+              <a:t>15</a:t>
             </a:fld>
             <a:endParaRPr lang="en-US"/>
           </a:p>
@@ -9671,7 +8534,7 @@
 </p:sld>
 </file>
 
-<file path=ppt/slides/slide18.xml><?xml version="1.0" encoding="utf-8"?>
+<file path=ppt/slides/slide16.xml><?xml version="1.0" encoding="utf-8"?>
 <p:sld xmlns:a="http://schemas.openxmlformats.org/drawingml/2006/main" xmlns:r="http://schemas.openxmlformats.org/officeDocument/2006/relationships" xmlns:p="http://schemas.openxmlformats.org/presentationml/2006/main">
   <p:cSld>
     <p:spTree>
@@ -9712,7 +8575,7 @@
             <a:fld id="{CE8079A4-7AA8-4A4F-87E2-7781EC5097DD}" type="slidenum">
               <a:rPr lang="en-US" smtClean="0"/>
               <a:pPr/>
-              <a:t>18</a:t>
+              <a:t>16</a:t>
             </a:fld>
             <a:endParaRPr lang="en-US"/>
           </a:p>
@@ -9766,7 +8629,7 @@
 </p:sld>
 </file>
 
-<file path=ppt/slides/slide19.xml><?xml version="1.0" encoding="utf-8"?>
+<file path=ppt/slides/slide17.xml><?xml version="1.0" encoding="utf-8"?>
 <p:sld xmlns:a="http://schemas.openxmlformats.org/drawingml/2006/main" xmlns:r="http://schemas.openxmlformats.org/officeDocument/2006/relationships" xmlns:p="http://schemas.openxmlformats.org/presentationml/2006/main">
   <p:cSld>
     <p:spTree>
@@ -9807,7 +8670,7 @@
             <a:fld id="{CE8079A4-7AA8-4A4F-87E2-7781EC5097DD}" type="slidenum">
               <a:rPr lang="en-US" smtClean="0"/>
               <a:pPr/>
-              <a:t>19</a:t>
+              <a:t>17</a:t>
             </a:fld>
             <a:endParaRPr lang="en-US"/>
           </a:p>
@@ -9983,566 +8846,6 @@
           <p:cNvPr id="2" name="Espace réservé du numéro de diapositive 1">
             <a:extLst>
               <a:ext uri="{FF2B5EF4-FFF2-40B4-BE49-F238E27FC236}">
-                <a16:creationId xmlns:a16="http://schemas.microsoft.com/office/drawing/2014/main" id="{E2206C34-8519-F132-7A79-688422ED5098}"/>
-              </a:ext>
-            </a:extLst>
-          </p:cNvPr>
-          <p:cNvSpPr>
-            <a:spLocks noGrp="1"/>
-          </p:cNvSpPr>
-          <p:nvPr>
-            <p:ph type="sldNum" sz="quarter" idx="12"/>
-          </p:nvPr>
-        </p:nvSpPr>
-        <p:spPr/>
-        <p:txBody>
-          <a:bodyPr/>
-          <a:lstStyle/>
-          <a:p>
-            <a:fld id="{CE8079A4-7AA8-4A4F-87E2-7781EC5097DD}" type="slidenum">
-              <a:rPr lang="en-US" smtClean="0"/>
-              <a:pPr/>
-              <a:t>2</a:t>
-            </a:fld>
-            <a:endParaRPr lang="en-US"/>
-          </a:p>
-        </p:txBody>
-      </p:sp>
-      <p:sp>
-        <p:nvSpPr>
-          <p:cNvPr id="3" name="Espace réservé du contenu 2">
-            <a:extLst>
-              <a:ext uri="{FF2B5EF4-FFF2-40B4-BE49-F238E27FC236}">
-                <a16:creationId xmlns:a16="http://schemas.microsoft.com/office/drawing/2014/main" id="{C7103711-F3B1-D9EF-9A26-42428959C815}"/>
-              </a:ext>
-            </a:extLst>
-          </p:cNvPr>
-          <p:cNvSpPr>
-            <a:spLocks noGrp="1"/>
-          </p:cNvSpPr>
-          <p:nvPr>
-            <p:ph sz="quarter" idx="13"/>
-          </p:nvPr>
-        </p:nvSpPr>
-        <p:spPr/>
-        <p:txBody>
-          <a:bodyPr/>
-          <a:lstStyle/>
-          <a:p>
-            <a:r>
-              <a:rPr lang="fr-FR" dirty="0" err="1"/>
-              <a:t>Why</a:t>
-            </a:r>
-            <a:r>
-              <a:rPr lang="fr-FR" dirty="0"/>
-              <a:t> Workflows Management System (WMS)?</a:t>
-            </a:r>
-          </a:p>
-        </p:txBody>
-      </p:sp>
-      <p:sp>
-        <p:nvSpPr>
-          <p:cNvPr id="4" name="Rectangle 3">
-            <a:extLst>
-              <a:ext uri="{FF2B5EF4-FFF2-40B4-BE49-F238E27FC236}">
-                <a16:creationId xmlns:a16="http://schemas.microsoft.com/office/drawing/2014/main" id="{80751EB9-C402-B09F-D2D6-44D2455E7D80}"/>
-              </a:ext>
-            </a:extLst>
-          </p:cNvPr>
-          <p:cNvSpPr/>
-          <p:nvPr/>
-        </p:nvSpPr>
-        <p:spPr>
-          <a:xfrm>
-            <a:off x="746536" y="1585441"/>
-            <a:ext cx="8131246" cy="2862322"/>
-          </a:xfrm>
-          <a:prstGeom prst="rect">
-            <a:avLst/>
-          </a:prstGeom>
-        </p:spPr>
-        <p:txBody>
-          <a:bodyPr wrap="square">
-            <a:spAutoFit/>
-          </a:bodyPr>
-          <a:lstStyle/>
-          <a:p>
-            <a:pPr marL="342900" indent="-342900">
-              <a:buFont typeface="Arial" panose="020B0604020202020204" pitchFamily="34" charset="0"/>
-              <a:buChar char="•"/>
-            </a:pPr>
-            <a:r>
-              <a:rPr lang="en-US" sz="2000" dirty="0"/>
-              <a:t>To automate series of </a:t>
-            </a:r>
-            <a:r>
-              <a:rPr lang="en-US" sz="2000" dirty="0" err="1"/>
-              <a:t>bioinformatic</a:t>
-            </a:r>
-            <a:r>
-              <a:rPr lang="en-US" sz="2000" dirty="0"/>
-              <a:t> processing steps.</a:t>
-            </a:r>
-          </a:p>
-          <a:p>
-            <a:pPr marL="342900" indent="-342900">
-              <a:buFont typeface="Arial" panose="020B0604020202020204" pitchFamily="34" charset="0"/>
-              <a:buChar char="•"/>
-            </a:pPr>
-            <a:endParaRPr lang="en-US" sz="2000" dirty="0"/>
-          </a:p>
-          <a:p>
-            <a:pPr marL="342900" indent="-342900">
-              <a:buFont typeface="Arial" panose="020B0604020202020204" pitchFamily="34" charset="0"/>
-              <a:buChar char="•"/>
-            </a:pPr>
-            <a:r>
-              <a:rPr lang="en-US" sz="2000" dirty="0"/>
-              <a:t>To standardize analysis for large projects or core facilities (repetitive task)</a:t>
-            </a:r>
-          </a:p>
-          <a:p>
-            <a:pPr marL="342900" indent="-342900">
-              <a:buFont typeface="Arial" panose="020B0604020202020204" pitchFamily="34" charset="0"/>
-              <a:buChar char="•"/>
-            </a:pPr>
-            <a:endParaRPr lang="fr-FR" sz="2000" dirty="0"/>
-          </a:p>
-          <a:p>
-            <a:pPr marL="342900" indent="-342900">
-              <a:buFont typeface="Arial" panose="020B0604020202020204" pitchFamily="34" charset="0"/>
-              <a:buChar char="•"/>
-            </a:pPr>
-            <a:r>
-              <a:rPr lang="fr-FR" sz="2000" dirty="0"/>
-              <a:t>Optimise computation (</a:t>
-            </a:r>
-            <a:r>
-              <a:rPr lang="fr-FR" sz="2000" dirty="0" err="1"/>
-              <a:t>parallelization</a:t>
-            </a:r>
-            <a:r>
-              <a:rPr lang="fr-FR" sz="2000" dirty="0"/>
-              <a:t>, times, …)</a:t>
-            </a:r>
-          </a:p>
-          <a:p>
-            <a:pPr marL="342900" indent="-342900">
-              <a:buFont typeface="Arial" panose="020B0604020202020204" pitchFamily="34" charset="0"/>
-              <a:buChar char="•"/>
-            </a:pPr>
-            <a:endParaRPr lang="fr-FR" sz="2000" dirty="0"/>
-          </a:p>
-          <a:p>
-            <a:pPr marL="342900" indent="-342900">
-              <a:buFont typeface="Arial" panose="020B0604020202020204" pitchFamily="34" charset="0"/>
-              <a:buChar char="•"/>
-            </a:pPr>
-            <a:r>
-              <a:rPr lang="fr-FR" sz="2000" dirty="0" err="1"/>
-              <a:t>Simplify</a:t>
-            </a:r>
-            <a:r>
-              <a:rPr lang="fr-FR" sz="2000" dirty="0"/>
-              <a:t> </a:t>
-            </a:r>
-            <a:r>
-              <a:rPr lang="fr-FR" sz="2000" dirty="0" err="1"/>
-              <a:t>deployment</a:t>
-            </a:r>
-            <a:r>
-              <a:rPr lang="fr-FR" sz="2000" dirty="0"/>
-              <a:t> of </a:t>
-            </a:r>
-            <a:r>
-              <a:rPr lang="fr-FR" sz="2000" dirty="0" err="1"/>
-              <a:t>complex</a:t>
-            </a:r>
-            <a:r>
-              <a:rPr lang="fr-FR" sz="2000" dirty="0"/>
-              <a:t> pipelines</a:t>
-            </a:r>
-          </a:p>
-          <a:p>
-            <a:pPr marL="342900" indent="-342900">
-              <a:buFont typeface="Arial" panose="020B0604020202020204" pitchFamily="34" charset="0"/>
-              <a:buChar char="•"/>
-            </a:pPr>
-            <a:endParaRPr lang="fr-FR" sz="2000" dirty="0"/>
-          </a:p>
-          <a:p>
-            <a:pPr marL="342900" indent="-342900">
-              <a:buFont typeface="Arial" panose="020B0604020202020204" pitchFamily="34" charset="0"/>
-              <a:buChar char="•"/>
-            </a:pPr>
-            <a:r>
-              <a:rPr lang="fr-FR" sz="2000" dirty="0" err="1"/>
-              <a:t>Improve</a:t>
-            </a:r>
-            <a:r>
-              <a:rPr lang="fr-FR" sz="2000" dirty="0"/>
-              <a:t> </a:t>
-            </a:r>
-            <a:r>
-              <a:rPr lang="fr-FR" sz="2000" dirty="0" err="1"/>
-              <a:t>reproducibility</a:t>
-            </a:r>
-            <a:endParaRPr lang="fr-FR" sz="2000" dirty="0"/>
-          </a:p>
-        </p:txBody>
-      </p:sp>
-    </p:spTree>
-    <p:extLst>
-      <p:ext uri="{BB962C8B-B14F-4D97-AF65-F5344CB8AC3E}">
-        <p14:creationId xmlns:p14="http://schemas.microsoft.com/office/powerpoint/2010/main" val="1158172114"/>
-      </p:ext>
-    </p:extLst>
-  </p:cSld>
-  <p:clrMapOvr>
-    <a:masterClrMapping/>
-  </p:clrMapOvr>
-</p:sld>
-</file>
-
-<file path=ppt/slides/slide3.xml><?xml version="1.0" encoding="utf-8"?>
-<p:sld xmlns:a="http://schemas.openxmlformats.org/drawingml/2006/main" xmlns:r="http://schemas.openxmlformats.org/officeDocument/2006/relationships" xmlns:p="http://schemas.openxmlformats.org/presentationml/2006/main">
-  <p:cSld>
-    <p:spTree>
-      <p:nvGrpSpPr>
-        <p:cNvPr id="1" name=""/>
-        <p:cNvGrpSpPr/>
-        <p:nvPr/>
-      </p:nvGrpSpPr>
-      <p:grpSpPr>
-        <a:xfrm>
-          <a:off x="0" y="0"/>
-          <a:ext cx="0" cy="0"/>
-          <a:chOff x="0" y="0"/>
-          <a:chExt cx="0" cy="0"/>
-        </a:xfrm>
-      </p:grpSpPr>
-      <p:sp>
-        <p:nvSpPr>
-          <p:cNvPr id="2" name="Espace réservé du numéro de diapositive 1">
-            <a:extLst>
-              <a:ext uri="{FF2B5EF4-FFF2-40B4-BE49-F238E27FC236}">
-                <a16:creationId xmlns:a16="http://schemas.microsoft.com/office/drawing/2014/main" id="{B2498E4F-7666-2328-CEAE-F8C3589199AD}"/>
-              </a:ext>
-            </a:extLst>
-          </p:cNvPr>
-          <p:cNvSpPr>
-            <a:spLocks noGrp="1"/>
-          </p:cNvSpPr>
-          <p:nvPr>
-            <p:ph type="sldNum" sz="quarter" idx="12"/>
-          </p:nvPr>
-        </p:nvSpPr>
-        <p:spPr/>
-        <p:txBody>
-          <a:bodyPr/>
-          <a:lstStyle/>
-          <a:p>
-            <a:fld id="{CE8079A4-7AA8-4A4F-87E2-7781EC5097DD}" type="slidenum">
-              <a:rPr lang="en-US" smtClean="0"/>
-              <a:pPr/>
-              <a:t>3</a:t>
-            </a:fld>
-            <a:endParaRPr lang="en-US"/>
-          </a:p>
-        </p:txBody>
-      </p:sp>
-      <p:sp>
-        <p:nvSpPr>
-          <p:cNvPr id="3" name="Espace réservé du contenu 2">
-            <a:extLst>
-              <a:ext uri="{FF2B5EF4-FFF2-40B4-BE49-F238E27FC236}">
-                <a16:creationId xmlns:a16="http://schemas.microsoft.com/office/drawing/2014/main" id="{5464C2AA-41EF-FF11-2381-6D7322571C58}"/>
-              </a:ext>
-            </a:extLst>
-          </p:cNvPr>
-          <p:cNvSpPr>
-            <a:spLocks noGrp="1"/>
-          </p:cNvSpPr>
-          <p:nvPr>
-            <p:ph sz="quarter" idx="13"/>
-          </p:nvPr>
-        </p:nvSpPr>
-        <p:spPr>
-          <a:xfrm>
-            <a:off x="0" y="12968"/>
-            <a:ext cx="9144000" cy="444500"/>
-          </a:xfrm>
-        </p:spPr>
-        <p:txBody>
-          <a:bodyPr/>
-          <a:lstStyle/>
-          <a:p>
-            <a:r>
-              <a:rPr lang="fr-FR" dirty="0" err="1"/>
-              <a:t>What</a:t>
-            </a:r>
-            <a:r>
-              <a:rPr lang="fr-FR" dirty="0"/>
-              <a:t> Workflows Management System </a:t>
-            </a:r>
-          </a:p>
-        </p:txBody>
-      </p:sp>
-      <p:sp>
-        <p:nvSpPr>
-          <p:cNvPr id="6" name="Rectangle 5">
-            <a:extLst>
-              <a:ext uri="{FF2B5EF4-FFF2-40B4-BE49-F238E27FC236}">
-                <a16:creationId xmlns:a16="http://schemas.microsoft.com/office/drawing/2014/main" id="{C6BD4084-24D2-5784-64C8-E970F2B6D951}"/>
-              </a:ext>
-            </a:extLst>
-          </p:cNvPr>
-          <p:cNvSpPr/>
-          <p:nvPr/>
-        </p:nvSpPr>
-        <p:spPr>
-          <a:xfrm>
-            <a:off x="0" y="885361"/>
-            <a:ext cx="8273803" cy="1077218"/>
-          </a:xfrm>
-          <a:prstGeom prst="rect">
-            <a:avLst/>
-          </a:prstGeom>
-        </p:spPr>
-        <p:txBody>
-          <a:bodyPr wrap="none">
-            <a:spAutoFit/>
-          </a:bodyPr>
-          <a:lstStyle/>
-          <a:p>
-            <a:r>
-              <a:rPr lang="en-GB" dirty="0"/>
-              <a:t>There are over 150 workflow managers currently in use and under development</a:t>
-            </a:r>
-          </a:p>
-          <a:p>
-            <a:r>
-              <a:rPr lang="fr-FR" sz="1400" dirty="0">
-                <a:hlinkClick r:id="rId2"/>
-              </a:rPr>
-              <a:t>https://github.com/pditommaso/awesome-pipeline</a:t>
-            </a:r>
-            <a:endParaRPr lang="fr-FR" sz="1400" dirty="0"/>
-          </a:p>
-          <a:p>
-            <a:r>
-              <a:rPr lang="en-GB" sz="1400" dirty="0">
-                <a:hlinkClick r:id="rId3"/>
-              </a:rPr>
-              <a:t>https://github.com/common-workflow-language/common-workflow-language/wiki/Existing-Workflow-systems</a:t>
-            </a:r>
-            <a:endParaRPr lang="fr-FR" sz="1400" dirty="0"/>
-          </a:p>
-          <a:p>
-            <a:endParaRPr lang="fr-FR" dirty="0"/>
-          </a:p>
-        </p:txBody>
-      </p:sp>
-      <p:sp>
-        <p:nvSpPr>
-          <p:cNvPr id="7" name="Rectangle 6">
-            <a:extLst>
-              <a:ext uri="{FF2B5EF4-FFF2-40B4-BE49-F238E27FC236}">
-                <a16:creationId xmlns:a16="http://schemas.microsoft.com/office/drawing/2014/main" id="{B6F57242-1AD1-F81E-F88E-93DC957C7A9E}"/>
-              </a:ext>
-            </a:extLst>
-          </p:cNvPr>
-          <p:cNvSpPr/>
-          <p:nvPr/>
-        </p:nvSpPr>
-        <p:spPr>
-          <a:xfrm>
-            <a:off x="46182" y="2334604"/>
-            <a:ext cx="6728691" cy="369332"/>
-          </a:xfrm>
-          <a:prstGeom prst="rect">
-            <a:avLst/>
-          </a:prstGeom>
-        </p:spPr>
-        <p:txBody>
-          <a:bodyPr wrap="square">
-            <a:spAutoFit/>
-          </a:bodyPr>
-          <a:lstStyle/>
-          <a:p>
-            <a:r>
-              <a:rPr lang="en-GB" b="1" dirty="0">
-                <a:solidFill>
-                  <a:srgbClr val="222222"/>
-                </a:solidFill>
-                <a:latin typeface="Harding"/>
-              </a:rPr>
-              <a:t>Overview of workflow managers for bioinformatics </a:t>
-            </a:r>
-            <a:endParaRPr lang="en-GB" b="1" i="0" dirty="0">
-              <a:solidFill>
-                <a:srgbClr val="222222"/>
-              </a:solidFill>
-              <a:effectLst/>
-              <a:latin typeface="Harding"/>
-            </a:endParaRPr>
-          </a:p>
-        </p:txBody>
-      </p:sp>
-      <p:pic>
-        <p:nvPicPr>
-          <p:cNvPr id="8" name="Image 7">
-            <a:extLst>
-              <a:ext uri="{FF2B5EF4-FFF2-40B4-BE49-F238E27FC236}">
-                <a16:creationId xmlns:a16="http://schemas.microsoft.com/office/drawing/2014/main" id="{5790480B-0C82-548E-5CEF-F47F7D38EED9}"/>
-              </a:ext>
-            </a:extLst>
-          </p:cNvPr>
-          <p:cNvPicPr>
-            <a:picLocks noChangeAspect="1"/>
-          </p:cNvPicPr>
-          <p:nvPr/>
-        </p:nvPicPr>
-        <p:blipFill rotWithShape="1">
-          <a:blip r:embed="rId4"/>
-          <a:srcRect l="474" t="1320" r="559"/>
-          <a:stretch/>
-        </p:blipFill>
-        <p:spPr>
-          <a:xfrm>
-            <a:off x="46182" y="2692283"/>
-            <a:ext cx="8871253" cy="3018545"/>
-          </a:xfrm>
-          <a:prstGeom prst="rect">
-            <a:avLst/>
-          </a:prstGeom>
-        </p:spPr>
-      </p:pic>
-      <p:sp>
-        <p:nvSpPr>
-          <p:cNvPr id="9" name="Rectangle 8">
-            <a:extLst>
-              <a:ext uri="{FF2B5EF4-FFF2-40B4-BE49-F238E27FC236}">
-                <a16:creationId xmlns:a16="http://schemas.microsoft.com/office/drawing/2014/main" id="{96B8F0C6-EFD0-9012-D712-73141E915728}"/>
-              </a:ext>
-            </a:extLst>
-          </p:cNvPr>
-          <p:cNvSpPr/>
-          <p:nvPr/>
-        </p:nvSpPr>
-        <p:spPr>
-          <a:xfrm>
-            <a:off x="46182" y="3429000"/>
-            <a:ext cx="8871253" cy="411677"/>
-          </a:xfrm>
-          <a:prstGeom prst="rect">
-            <a:avLst/>
-          </a:prstGeom>
-          <a:noFill/>
-          <a:ln w="28575"/>
-        </p:spPr>
-        <p:style>
-          <a:lnRef idx="2">
-            <a:schemeClr val="accent2"/>
-          </a:lnRef>
-          <a:fillRef idx="1">
-            <a:schemeClr val="lt1"/>
-          </a:fillRef>
-          <a:effectRef idx="0">
-            <a:schemeClr val="accent2"/>
-          </a:effectRef>
-          <a:fontRef idx="minor">
-            <a:schemeClr val="dk1"/>
-          </a:fontRef>
-        </p:style>
-        <p:txBody>
-          <a:bodyPr rtlCol="0" anchor="ctr"/>
-          <a:lstStyle/>
-          <a:p>
-            <a:pPr algn="ctr"/>
-            <a:endParaRPr lang="en-GB">
-              <a:solidFill>
-                <a:schemeClr val="accent2"/>
-              </a:solidFill>
-            </a:endParaRPr>
-          </a:p>
-        </p:txBody>
-      </p:sp>
-      <p:sp>
-        <p:nvSpPr>
-          <p:cNvPr id="10" name="Rectangle 9">
-            <a:extLst>
-              <a:ext uri="{FF2B5EF4-FFF2-40B4-BE49-F238E27FC236}">
-                <a16:creationId xmlns:a16="http://schemas.microsoft.com/office/drawing/2014/main" id="{9B675A54-F41F-8B51-F1F6-327CA201D638}"/>
-              </a:ext>
-            </a:extLst>
-          </p:cNvPr>
-          <p:cNvSpPr/>
-          <p:nvPr/>
-        </p:nvSpPr>
-        <p:spPr>
-          <a:xfrm>
-            <a:off x="4395223" y="5753631"/>
-            <a:ext cx="4927326" cy="307777"/>
-          </a:xfrm>
-          <a:prstGeom prst="rect">
-            <a:avLst/>
-          </a:prstGeom>
-        </p:spPr>
-        <p:txBody>
-          <a:bodyPr wrap="square">
-            <a:spAutoFit/>
-          </a:bodyPr>
-          <a:lstStyle/>
-          <a:p>
-            <a:r>
-              <a:rPr lang="en-GB" sz="1400" dirty="0">
-                <a:solidFill>
-                  <a:srgbClr val="222222"/>
-                </a:solidFill>
-                <a:latin typeface="-apple-system"/>
-              </a:rPr>
-              <a:t>https://doi-org.insb.bib.cnrs.fr/10.1038/s41592-021-01254-9</a:t>
-            </a:r>
-            <a:endParaRPr lang="en-GB" sz="1400" dirty="0"/>
-          </a:p>
-        </p:txBody>
-      </p:sp>
-    </p:spTree>
-    <p:extLst>
-      <p:ext uri="{BB962C8B-B14F-4D97-AF65-F5344CB8AC3E}">
-        <p14:creationId xmlns:p14="http://schemas.microsoft.com/office/powerpoint/2010/main" val="2520371280"/>
-      </p:ext>
-    </p:extLst>
-  </p:cSld>
-  <p:clrMapOvr>
-    <a:masterClrMapping/>
-  </p:clrMapOvr>
-</p:sld>
-</file>
-
-<file path=ppt/slides/slide4.xml><?xml version="1.0" encoding="utf-8"?>
-<p:sld xmlns:a="http://schemas.openxmlformats.org/drawingml/2006/main" xmlns:r="http://schemas.openxmlformats.org/officeDocument/2006/relationships" xmlns:p="http://schemas.openxmlformats.org/presentationml/2006/main">
-  <p:cSld>
-    <p:spTree>
-      <p:nvGrpSpPr>
-        <p:cNvPr id="1" name=""/>
-        <p:cNvGrpSpPr/>
-        <p:nvPr/>
-      </p:nvGrpSpPr>
-      <p:grpSpPr>
-        <a:xfrm>
-          <a:off x="0" y="0"/>
-          <a:ext cx="0" cy="0"/>
-          <a:chOff x="0" y="0"/>
-          <a:chExt cx="0" cy="0"/>
-        </a:xfrm>
-      </p:grpSpPr>
-      <p:sp>
-        <p:nvSpPr>
-          <p:cNvPr id="2" name="Espace réservé du numéro de diapositive 1">
-            <a:extLst>
-              <a:ext uri="{FF2B5EF4-FFF2-40B4-BE49-F238E27FC236}">
                 <a16:creationId xmlns:a16="http://schemas.microsoft.com/office/drawing/2014/main" id="{221FBA3B-5969-BC9A-DB26-4106E1321277}"/>
               </a:ext>
             </a:extLst>
@@ -10562,7 +8865,7 @@
             <a:fld id="{CE8079A4-7AA8-4A4F-87E2-7781EC5097DD}" type="slidenum">
               <a:rPr lang="en-US" smtClean="0"/>
               <a:pPr/>
-              <a:t>4</a:t>
+              <a:t>2</a:t>
             </a:fld>
             <a:endParaRPr lang="en-US"/>
           </a:p>
@@ -11195,7 +9498,7 @@
 </p:sld>
 </file>
 
-<file path=ppt/slides/slide5.xml><?xml version="1.0" encoding="utf-8"?>
+<file path=ppt/slides/slide3.xml><?xml version="1.0" encoding="utf-8"?>
 <p:sld xmlns:a="http://schemas.openxmlformats.org/drawingml/2006/main" xmlns:r="http://schemas.openxmlformats.org/officeDocument/2006/relationships" xmlns:p="http://schemas.openxmlformats.org/presentationml/2006/main">
   <p:cSld>
     <p:spTree>
@@ -11236,7 +9539,7 @@
             <a:fld id="{CE8079A4-7AA8-4A4F-87E2-7781EC5097DD}" type="slidenum">
               <a:rPr lang="en-US" smtClean="0"/>
               <a:pPr/>
-              <a:t>5</a:t>
+              <a:t>3</a:t>
             </a:fld>
             <a:endParaRPr lang="en-US"/>
           </a:p>
@@ -11552,7 +9855,7 @@
 </p:sld>
 </file>
 
-<file path=ppt/slides/slide6.xml><?xml version="1.0" encoding="utf-8"?>
+<file path=ppt/slides/slide4.xml><?xml version="1.0" encoding="utf-8"?>
 <p:sld xmlns:a="http://schemas.openxmlformats.org/drawingml/2006/main" xmlns:r="http://schemas.openxmlformats.org/officeDocument/2006/relationships" xmlns:p="http://schemas.openxmlformats.org/presentationml/2006/main">
   <p:cSld>
     <p:spTree>
@@ -11593,7 +9896,7 @@
             <a:fld id="{CE8079A4-7AA8-4A4F-87E2-7781EC5097DD}" type="slidenum">
               <a:rPr lang="en-US" smtClean="0"/>
               <a:pPr/>
-              <a:t>6</a:t>
+              <a:t>4</a:t>
             </a:fld>
             <a:endParaRPr lang="en-US"/>
           </a:p>
@@ -12109,7 +10412,7 @@
 </p:sld>
 </file>
 
-<file path=ppt/slides/slide7.xml><?xml version="1.0" encoding="utf-8"?>
+<file path=ppt/slides/slide5.xml><?xml version="1.0" encoding="utf-8"?>
 <p:sld xmlns:a="http://schemas.openxmlformats.org/drawingml/2006/main" xmlns:r="http://schemas.openxmlformats.org/officeDocument/2006/relationships" xmlns:p="http://schemas.openxmlformats.org/presentationml/2006/main">
   <p:cSld>
     <p:spTree>
@@ -12150,7 +10453,7 @@
             <a:fld id="{CE8079A4-7AA8-4A4F-87E2-7781EC5097DD}" type="slidenum">
               <a:rPr lang="en-US" smtClean="0"/>
               <a:pPr/>
-              <a:t>7</a:t>
+              <a:t>5</a:t>
             </a:fld>
             <a:endParaRPr lang="en-US"/>
           </a:p>
@@ -12575,6 +10878,1039 @@
     <p:extLst>
       <p:ext uri="{BB962C8B-B14F-4D97-AF65-F5344CB8AC3E}">
         <p14:creationId xmlns:p14="http://schemas.microsoft.com/office/powerpoint/2010/main" val="2367809379"/>
+      </p:ext>
+    </p:extLst>
+  </p:cSld>
+  <p:clrMapOvr>
+    <a:masterClrMapping/>
+  </p:clrMapOvr>
+</p:sld>
+</file>
+
+<file path=ppt/slides/slide6.xml><?xml version="1.0" encoding="utf-8"?>
+<p:sld xmlns:a="http://schemas.openxmlformats.org/drawingml/2006/main" xmlns:r="http://schemas.openxmlformats.org/officeDocument/2006/relationships" xmlns:p="http://schemas.openxmlformats.org/presentationml/2006/main">
+  <p:cSld>
+    <p:spTree>
+      <p:nvGrpSpPr>
+        <p:cNvPr id="1" name=""/>
+        <p:cNvGrpSpPr/>
+        <p:nvPr/>
+      </p:nvGrpSpPr>
+      <p:grpSpPr>
+        <a:xfrm>
+          <a:off x="0" y="0"/>
+          <a:ext cx="0" cy="0"/>
+          <a:chOff x="0" y="0"/>
+          <a:chExt cx="0" cy="0"/>
+        </a:xfrm>
+      </p:grpSpPr>
+      <p:sp>
+        <p:nvSpPr>
+          <p:cNvPr id="2" name="Espace réservé du numéro de diapositive 1">
+            <a:extLst>
+              <a:ext uri="{FF2B5EF4-FFF2-40B4-BE49-F238E27FC236}">
+                <a16:creationId xmlns:a16="http://schemas.microsoft.com/office/drawing/2014/main" id="{978AB41B-C33C-BA20-5534-31D23D8E7633}"/>
+              </a:ext>
+            </a:extLst>
+          </p:cNvPr>
+          <p:cNvSpPr>
+            <a:spLocks noGrp="1"/>
+          </p:cNvSpPr>
+          <p:nvPr>
+            <p:ph type="sldNum" sz="quarter" idx="12"/>
+          </p:nvPr>
+        </p:nvSpPr>
+        <p:spPr/>
+        <p:txBody>
+          <a:bodyPr/>
+          <a:lstStyle/>
+          <a:p>
+            <a:fld id="{CE8079A4-7AA8-4A4F-87E2-7781EC5097DD}" type="slidenum">
+              <a:rPr lang="en-US" smtClean="0"/>
+              <a:pPr/>
+              <a:t>6</a:t>
+            </a:fld>
+            <a:endParaRPr lang="en-US"/>
+          </a:p>
+        </p:txBody>
+      </p:sp>
+      <p:sp>
+        <p:nvSpPr>
+          <p:cNvPr id="3" name="Espace réservé du contenu 2">
+            <a:extLst>
+              <a:ext uri="{FF2B5EF4-FFF2-40B4-BE49-F238E27FC236}">
+                <a16:creationId xmlns:a16="http://schemas.microsoft.com/office/drawing/2014/main" id="{E6FA7CF1-2D02-6EBB-82FD-2403FBDD3034}"/>
+              </a:ext>
+            </a:extLst>
+          </p:cNvPr>
+          <p:cNvSpPr>
+            <a:spLocks noGrp="1"/>
+          </p:cNvSpPr>
+          <p:nvPr>
+            <p:ph sz="quarter" idx="13"/>
+          </p:nvPr>
+        </p:nvSpPr>
+        <p:spPr/>
+        <p:txBody>
+          <a:bodyPr>
+            <a:normAutofit/>
+          </a:bodyPr>
+          <a:lstStyle/>
+          <a:p>
+            <a:r>
+              <a:rPr lang="fr-FR" dirty="0" err="1"/>
+              <a:t>Anatomy</a:t>
+            </a:r>
+            <a:r>
+              <a:rPr lang="fr-FR" dirty="0"/>
+              <a:t> of a process </a:t>
+            </a:r>
+          </a:p>
+        </p:txBody>
+      </p:sp>
+      <p:sp>
+        <p:nvSpPr>
+          <p:cNvPr id="4" name="Rectangle 3">
+            <a:extLst>
+              <a:ext uri="{FF2B5EF4-FFF2-40B4-BE49-F238E27FC236}">
+                <a16:creationId xmlns:a16="http://schemas.microsoft.com/office/drawing/2014/main" id="{FF239985-C83D-B9BA-30F6-BD62E77AF4D3}"/>
+              </a:ext>
+            </a:extLst>
+          </p:cNvPr>
+          <p:cNvSpPr/>
+          <p:nvPr/>
+        </p:nvSpPr>
+        <p:spPr>
+          <a:xfrm>
+            <a:off x="141448" y="1250656"/>
+            <a:ext cx="8861104" cy="3346283"/>
+          </a:xfrm>
+          <a:prstGeom prst="rect">
+            <a:avLst/>
+          </a:prstGeom>
+          <a:ln/>
+        </p:spPr>
+        <p:style>
+          <a:lnRef idx="2">
+            <a:schemeClr val="accent2"/>
+          </a:lnRef>
+          <a:fillRef idx="1">
+            <a:schemeClr val="lt1"/>
+          </a:fillRef>
+          <a:effectRef idx="0">
+            <a:schemeClr val="accent2"/>
+          </a:effectRef>
+          <a:fontRef idx="minor">
+            <a:schemeClr val="dk1"/>
+          </a:fontRef>
+        </p:style>
+        <p:txBody>
+          <a:bodyPr wrap="square" lIns="72000" tIns="72000" rIns="72000" bIns="72000" rtlCol="0" anchor="ctr">
+            <a:spAutoFit/>
+          </a:bodyPr>
+          <a:lstStyle/>
+          <a:p>
+            <a:pPr algn="l"/>
+            <a:r>
+              <a:rPr lang="fr-FR" sz="1600" i="0" u="none" strike="noStrike" dirty="0">
+                <a:solidFill>
+                  <a:srgbClr val="333333"/>
+                </a:solidFill>
+                <a:effectLst/>
+                <a:latin typeface="Courier New" panose="02070309020205020404" pitchFamily="49" charset="0"/>
+              </a:rPr>
+              <a:t>process GET_SRA_BY_ACCESSION { </a:t>
+            </a:r>
+          </a:p>
+          <a:p>
+            <a:pPr algn="l"/>
+            <a:endParaRPr lang="fr-FR" sz="1600" i="0" u="none" strike="noStrike" dirty="0">
+              <a:solidFill>
+                <a:srgbClr val="333333"/>
+              </a:solidFill>
+              <a:effectLst/>
+              <a:latin typeface="Courier New" panose="02070309020205020404" pitchFamily="49" charset="0"/>
+            </a:endParaRPr>
+          </a:p>
+          <a:p>
+            <a:pPr lvl="1"/>
+            <a:r>
+              <a:rPr lang="fr-FR" sz="1600" i="0" u="none" strike="noStrike" dirty="0">
+                <a:solidFill>
+                  <a:srgbClr val="333333"/>
+                </a:solidFill>
+                <a:effectLst/>
+                <a:latin typeface="Courier New" panose="02070309020205020404" pitchFamily="49" charset="0"/>
+              </a:rPr>
+              <a:t>input: </a:t>
+            </a:r>
+          </a:p>
+          <a:p>
+            <a:pPr lvl="1"/>
+            <a:r>
+              <a:rPr lang="fr-FR" sz="1600" dirty="0">
+                <a:solidFill>
+                  <a:srgbClr val="333333"/>
+                </a:solidFill>
+                <a:latin typeface="Courier New" panose="02070309020205020404" pitchFamily="49" charset="0"/>
+              </a:rPr>
+              <a:t>	</a:t>
+            </a:r>
+            <a:r>
+              <a:rPr lang="fr-FR" sz="1600" i="0" u="none" strike="noStrike" dirty="0">
+                <a:solidFill>
+                  <a:srgbClr val="333333"/>
+                </a:solidFill>
+                <a:effectLst/>
+                <a:latin typeface="Courier New" panose="02070309020205020404" pitchFamily="49" charset="0"/>
+              </a:rPr>
+              <a:t>val(</a:t>
+            </a:r>
+            <a:r>
+              <a:rPr lang="fr-FR" sz="1600" i="0" u="none" strike="noStrike" dirty="0" err="1">
+                <a:solidFill>
+                  <a:srgbClr val="333333"/>
+                </a:solidFill>
+                <a:effectLst/>
+                <a:latin typeface="Courier New" panose="02070309020205020404" pitchFamily="49" charset="0"/>
+              </a:rPr>
+              <a:t>sample</a:t>
+            </a:r>
+            <a:r>
+              <a:rPr lang="fr-FR" sz="1600" i="0" u="none" strike="noStrike" dirty="0">
+                <a:solidFill>
+                  <a:srgbClr val="333333"/>
+                </a:solidFill>
+                <a:effectLst/>
+                <a:latin typeface="Courier New" panose="02070309020205020404" pitchFamily="49" charset="0"/>
+              </a:rPr>
+              <a:t>) </a:t>
+            </a:r>
+          </a:p>
+          <a:p>
+            <a:pPr lvl="1"/>
+            <a:endParaRPr lang="fr-FR" sz="1600" i="0" u="none" strike="noStrike" dirty="0">
+              <a:solidFill>
+                <a:srgbClr val="333333"/>
+              </a:solidFill>
+              <a:effectLst/>
+              <a:latin typeface="Courier New" panose="02070309020205020404" pitchFamily="49" charset="0"/>
+            </a:endParaRPr>
+          </a:p>
+          <a:p>
+            <a:pPr lvl="1"/>
+            <a:r>
+              <a:rPr lang="fr-FR" sz="1600" i="0" u="none" strike="noStrike" dirty="0">
+                <a:solidFill>
+                  <a:srgbClr val="333333"/>
+                </a:solidFill>
+                <a:effectLst/>
+                <a:latin typeface="Courier New" panose="02070309020205020404" pitchFamily="49" charset="0"/>
+              </a:rPr>
+              <a:t>output: </a:t>
+            </a:r>
+          </a:p>
+          <a:p>
+            <a:pPr lvl="1"/>
+            <a:r>
+              <a:rPr lang="fr-FR" sz="1600" dirty="0">
+                <a:solidFill>
+                  <a:srgbClr val="333333"/>
+                </a:solidFill>
+                <a:latin typeface="Courier New" panose="02070309020205020404" pitchFamily="49" charset="0"/>
+              </a:rPr>
+              <a:t>	</a:t>
+            </a:r>
+            <a:r>
+              <a:rPr lang="fr-FR" sz="1600" dirty="0">
+                <a:solidFill>
+                  <a:schemeClr val="accent2"/>
+                </a:solidFill>
+                <a:latin typeface="Courier New" panose="02070309020205020404" pitchFamily="49" charset="0"/>
+              </a:rPr>
+              <a:t>tuple</a:t>
+            </a:r>
+            <a:r>
+              <a:rPr lang="fr-FR" sz="1600" dirty="0">
+                <a:solidFill>
+                  <a:srgbClr val="333333"/>
+                </a:solidFill>
+                <a:latin typeface="Courier New" panose="02070309020205020404" pitchFamily="49" charset="0"/>
+              </a:rPr>
+              <a:t> val(</a:t>
+            </a:r>
+            <a:r>
+              <a:rPr lang="fr-FR" sz="1600" dirty="0" err="1">
+                <a:solidFill>
+                  <a:srgbClr val="333333"/>
+                </a:solidFill>
+                <a:latin typeface="Courier New" panose="02070309020205020404" pitchFamily="49" charset="0"/>
+              </a:rPr>
+              <a:t>sample</a:t>
+            </a:r>
+            <a:r>
+              <a:rPr lang="fr-FR" sz="1600" dirty="0">
+                <a:solidFill>
+                  <a:srgbClr val="333333"/>
+                </a:solidFill>
+                <a:latin typeface="Courier New" panose="02070309020205020404" pitchFamily="49" charset="0"/>
+              </a:rPr>
+              <a:t>), </a:t>
+            </a:r>
+            <a:r>
+              <a:rPr lang="fr-FR" sz="1600" i="0" u="none" strike="noStrike" dirty="0" err="1">
+                <a:solidFill>
+                  <a:srgbClr val="333333"/>
+                </a:solidFill>
+                <a:effectLst/>
+                <a:latin typeface="Courier New" panose="02070309020205020404" pitchFamily="49" charset="0"/>
+              </a:rPr>
+              <a:t>path</a:t>
+            </a:r>
+            <a:r>
+              <a:rPr lang="fr-FR" sz="1600" i="0" u="none" strike="noStrike" dirty="0">
+                <a:solidFill>
+                  <a:schemeClr val="tx1"/>
+                </a:solidFill>
+                <a:effectLst/>
+                <a:latin typeface="Courier New" panose="02070309020205020404" pitchFamily="49" charset="0"/>
+              </a:rPr>
+              <a:t>("${</a:t>
+            </a:r>
+            <a:r>
+              <a:rPr lang="fr-FR" sz="1600" i="0" u="none" strike="noStrike" dirty="0" err="1">
+                <a:solidFill>
+                  <a:schemeClr val="tx1"/>
+                </a:solidFill>
+                <a:effectLst/>
+                <a:latin typeface="Courier New" panose="02070309020205020404" pitchFamily="49" charset="0"/>
+              </a:rPr>
+              <a:t>sample</a:t>
+            </a:r>
+            <a:r>
+              <a:rPr lang="fr-FR" sz="1600" i="0" u="none" strike="noStrike" dirty="0">
+                <a:solidFill>
+                  <a:schemeClr val="tx1"/>
+                </a:solidFill>
+                <a:effectLst/>
+                <a:latin typeface="Courier New" panose="02070309020205020404" pitchFamily="49" charset="0"/>
+              </a:rPr>
+              <a:t>}.</a:t>
+            </a:r>
+            <a:r>
+              <a:rPr lang="fr-FR" sz="1600" i="0" u="none" strike="noStrike" dirty="0" err="1">
+                <a:solidFill>
+                  <a:schemeClr val="tx1"/>
+                </a:solidFill>
+                <a:effectLst/>
+                <a:latin typeface="Courier New" panose="02070309020205020404" pitchFamily="49" charset="0"/>
+              </a:rPr>
+              <a:t>fastq.gz</a:t>
+            </a:r>
+            <a:r>
+              <a:rPr lang="fr-FR" sz="1600" i="0" u="none" strike="noStrike" dirty="0">
+                <a:solidFill>
+                  <a:schemeClr val="tx1"/>
+                </a:solidFill>
+                <a:effectLst/>
+                <a:latin typeface="Courier New" panose="02070309020205020404" pitchFamily="49" charset="0"/>
+              </a:rPr>
+              <a:t>")</a:t>
+            </a:r>
+          </a:p>
+          <a:p>
+            <a:pPr lvl="1"/>
+            <a:endParaRPr lang="fr-FR" sz="1600" i="0" u="none" strike="noStrike" dirty="0">
+              <a:solidFill>
+                <a:srgbClr val="333333"/>
+              </a:solidFill>
+              <a:effectLst/>
+              <a:latin typeface="Courier New" panose="02070309020205020404" pitchFamily="49" charset="0"/>
+            </a:endParaRPr>
+          </a:p>
+          <a:p>
+            <a:pPr lvl="1"/>
+            <a:r>
+              <a:rPr lang="fr-FR" sz="1600" i="0" u="none" strike="noStrike" dirty="0">
+                <a:solidFill>
+                  <a:srgbClr val="333333"/>
+                </a:solidFill>
+                <a:effectLst/>
+                <a:latin typeface="Courier New" panose="02070309020205020404" pitchFamily="49" charset="0"/>
+              </a:rPr>
+              <a:t>script: </a:t>
+            </a:r>
+          </a:p>
+          <a:p>
+            <a:pPr lvl="2"/>
+            <a:r>
+              <a:rPr lang="fr-FR" sz="1600" i="0" u="none" strike="noStrike" dirty="0">
+                <a:solidFill>
+                  <a:srgbClr val="333333"/>
+                </a:solidFill>
+                <a:effectLst/>
+                <a:latin typeface="Courier New" panose="02070309020205020404" pitchFamily="49" charset="0"/>
+              </a:rPr>
+              <a:t>""" </a:t>
+            </a:r>
+          </a:p>
+          <a:p>
+            <a:pPr lvl="2"/>
+            <a:r>
+              <a:rPr lang="fr-FR" sz="1600" i="0" u="none" strike="noStrike" dirty="0" err="1">
+                <a:solidFill>
+                  <a:srgbClr val="333333"/>
+                </a:solidFill>
+                <a:effectLst/>
+                <a:latin typeface="Courier New" panose="02070309020205020404" pitchFamily="49" charset="0"/>
+              </a:rPr>
+              <a:t>fastq</a:t>
+            </a:r>
+            <a:r>
+              <a:rPr lang="fr-FR" sz="1600" i="0" u="none" strike="noStrike" dirty="0">
+                <a:solidFill>
+                  <a:srgbClr val="333333"/>
+                </a:solidFill>
+                <a:effectLst/>
+                <a:latin typeface="Courier New" panose="02070309020205020404" pitchFamily="49" charset="0"/>
+              </a:rPr>
+              <a:t>-dump ${</a:t>
+            </a:r>
+            <a:r>
+              <a:rPr lang="fr-FR" sz="1600" i="0" u="none" strike="noStrike" dirty="0" err="1">
+                <a:solidFill>
+                  <a:srgbClr val="333333"/>
+                </a:solidFill>
+                <a:effectLst/>
+                <a:latin typeface="Courier New" panose="02070309020205020404" pitchFamily="49" charset="0"/>
+              </a:rPr>
+              <a:t>sample</a:t>
+            </a:r>
+            <a:r>
+              <a:rPr lang="fr-FR" sz="1600" i="0" u="none" strike="noStrike" dirty="0">
+                <a:solidFill>
+                  <a:srgbClr val="333333"/>
+                </a:solidFill>
+                <a:effectLst/>
+                <a:latin typeface="Courier New" panose="02070309020205020404" pitchFamily="49" charset="0"/>
+              </a:rPr>
+              <a:t>} &gt; ${</a:t>
+            </a:r>
+            <a:r>
+              <a:rPr lang="fr-FR" sz="1600" i="0" u="none" strike="noStrike" dirty="0" err="1">
+                <a:solidFill>
+                  <a:srgbClr val="333333"/>
+                </a:solidFill>
+                <a:effectLst/>
+                <a:latin typeface="Courier New" panose="02070309020205020404" pitchFamily="49" charset="0"/>
+              </a:rPr>
+              <a:t>sample</a:t>
+            </a:r>
+            <a:r>
+              <a:rPr lang="fr-FR" sz="1600" i="0" u="none" strike="noStrike" dirty="0">
+                <a:solidFill>
+                  <a:srgbClr val="333333"/>
+                </a:solidFill>
+                <a:effectLst/>
+                <a:latin typeface="Courier New" panose="02070309020205020404" pitchFamily="49" charset="0"/>
+              </a:rPr>
+              <a:t>}.</a:t>
+            </a:r>
+            <a:r>
+              <a:rPr lang="fr-FR" sz="1600" i="0" u="none" strike="noStrike" dirty="0" err="1">
+                <a:solidFill>
+                  <a:srgbClr val="333333"/>
+                </a:solidFill>
+                <a:effectLst/>
+                <a:latin typeface="Courier New" panose="02070309020205020404" pitchFamily="49" charset="0"/>
+              </a:rPr>
+              <a:t>fastq.gz</a:t>
+            </a:r>
+            <a:r>
+              <a:rPr lang="fr-FR" sz="1600" i="0" u="none" strike="noStrike" dirty="0">
+                <a:solidFill>
+                  <a:srgbClr val="333333"/>
+                </a:solidFill>
+                <a:effectLst/>
+                <a:latin typeface="Courier New" panose="02070309020205020404" pitchFamily="49" charset="0"/>
+              </a:rPr>
+              <a:t> </a:t>
+            </a:r>
+          </a:p>
+          <a:p>
+            <a:pPr lvl="2"/>
+            <a:r>
+              <a:rPr lang="fr-FR" sz="1600" i="0" u="none" strike="noStrike" dirty="0">
+                <a:solidFill>
+                  <a:srgbClr val="333333"/>
+                </a:solidFill>
+                <a:effectLst/>
+                <a:latin typeface="Courier New" panose="02070309020205020404" pitchFamily="49" charset="0"/>
+              </a:rPr>
+              <a:t>"""</a:t>
+            </a:r>
+          </a:p>
+          <a:p>
+            <a:pPr algn="l"/>
+            <a:r>
+              <a:rPr lang="fr-FR" sz="1600" i="0" u="none" strike="noStrike" dirty="0">
+                <a:solidFill>
+                  <a:srgbClr val="333333"/>
+                </a:solidFill>
+                <a:effectLst/>
+                <a:latin typeface="Courier New" panose="02070309020205020404" pitchFamily="49" charset="0"/>
+              </a:rPr>
+              <a:t>} </a:t>
+            </a:r>
+          </a:p>
+        </p:txBody>
+      </p:sp>
+    </p:spTree>
+    <p:extLst>
+      <p:ext uri="{BB962C8B-B14F-4D97-AF65-F5344CB8AC3E}">
+        <p14:creationId xmlns:p14="http://schemas.microsoft.com/office/powerpoint/2010/main" val="1318630279"/>
+      </p:ext>
+    </p:extLst>
+  </p:cSld>
+  <p:clrMapOvr>
+    <a:masterClrMapping/>
+  </p:clrMapOvr>
+</p:sld>
+</file>
+
+<file path=ppt/slides/slide7.xml><?xml version="1.0" encoding="utf-8"?>
+<p:sld xmlns:a="http://schemas.openxmlformats.org/drawingml/2006/main" xmlns:r="http://schemas.openxmlformats.org/officeDocument/2006/relationships" xmlns:p="http://schemas.openxmlformats.org/presentationml/2006/main">
+  <p:cSld>
+    <p:spTree>
+      <p:nvGrpSpPr>
+        <p:cNvPr id="1" name=""/>
+        <p:cNvGrpSpPr/>
+        <p:nvPr/>
+      </p:nvGrpSpPr>
+      <p:grpSpPr>
+        <a:xfrm>
+          <a:off x="0" y="0"/>
+          <a:ext cx="0" cy="0"/>
+          <a:chOff x="0" y="0"/>
+          <a:chExt cx="0" cy="0"/>
+        </a:xfrm>
+      </p:grpSpPr>
+      <p:sp>
+        <p:nvSpPr>
+          <p:cNvPr id="2" name="Espace réservé du numéro de diapositive 1">
+            <a:extLst>
+              <a:ext uri="{FF2B5EF4-FFF2-40B4-BE49-F238E27FC236}">
+                <a16:creationId xmlns:a16="http://schemas.microsoft.com/office/drawing/2014/main" id="{978AB41B-C33C-BA20-5534-31D23D8E7633}"/>
+              </a:ext>
+            </a:extLst>
+          </p:cNvPr>
+          <p:cNvSpPr>
+            <a:spLocks noGrp="1"/>
+          </p:cNvSpPr>
+          <p:nvPr>
+            <p:ph type="sldNum" sz="quarter" idx="12"/>
+          </p:nvPr>
+        </p:nvSpPr>
+        <p:spPr/>
+        <p:txBody>
+          <a:bodyPr/>
+          <a:lstStyle/>
+          <a:p>
+            <a:fld id="{CE8079A4-7AA8-4A4F-87E2-7781EC5097DD}" type="slidenum">
+              <a:rPr lang="en-US" smtClean="0"/>
+              <a:pPr/>
+              <a:t>7</a:t>
+            </a:fld>
+            <a:endParaRPr lang="en-US"/>
+          </a:p>
+        </p:txBody>
+      </p:sp>
+      <p:sp>
+        <p:nvSpPr>
+          <p:cNvPr id="3" name="Espace réservé du contenu 2">
+            <a:extLst>
+              <a:ext uri="{FF2B5EF4-FFF2-40B4-BE49-F238E27FC236}">
+                <a16:creationId xmlns:a16="http://schemas.microsoft.com/office/drawing/2014/main" id="{E6FA7CF1-2D02-6EBB-82FD-2403FBDD3034}"/>
+              </a:ext>
+            </a:extLst>
+          </p:cNvPr>
+          <p:cNvSpPr>
+            <a:spLocks noGrp="1"/>
+          </p:cNvSpPr>
+          <p:nvPr>
+            <p:ph sz="quarter" idx="13"/>
+          </p:nvPr>
+        </p:nvSpPr>
+        <p:spPr/>
+        <p:txBody>
+          <a:bodyPr>
+            <a:normAutofit/>
+          </a:bodyPr>
+          <a:lstStyle/>
+          <a:p>
+            <a:r>
+              <a:rPr lang="fr-FR" dirty="0" err="1"/>
+              <a:t>Anatomy</a:t>
+            </a:r>
+            <a:r>
+              <a:rPr lang="fr-FR" dirty="0"/>
+              <a:t> of a process </a:t>
+            </a:r>
+          </a:p>
+        </p:txBody>
+      </p:sp>
+      <p:sp>
+        <p:nvSpPr>
+          <p:cNvPr id="4" name="Rectangle 3">
+            <a:extLst>
+              <a:ext uri="{FF2B5EF4-FFF2-40B4-BE49-F238E27FC236}">
+                <a16:creationId xmlns:a16="http://schemas.microsoft.com/office/drawing/2014/main" id="{FF239985-C83D-B9BA-30F6-BD62E77AF4D3}"/>
+              </a:ext>
+            </a:extLst>
+          </p:cNvPr>
+          <p:cNvSpPr/>
+          <p:nvPr/>
+        </p:nvSpPr>
+        <p:spPr>
+          <a:xfrm>
+            <a:off x="141448" y="881326"/>
+            <a:ext cx="8861104" cy="4084946"/>
+          </a:xfrm>
+          <a:prstGeom prst="rect">
+            <a:avLst/>
+          </a:prstGeom>
+          <a:ln/>
+        </p:spPr>
+        <p:style>
+          <a:lnRef idx="2">
+            <a:schemeClr val="accent2"/>
+          </a:lnRef>
+          <a:fillRef idx="1">
+            <a:schemeClr val="lt1"/>
+          </a:fillRef>
+          <a:effectRef idx="0">
+            <a:schemeClr val="accent2"/>
+          </a:effectRef>
+          <a:fontRef idx="minor">
+            <a:schemeClr val="dk1"/>
+          </a:fontRef>
+        </p:style>
+        <p:txBody>
+          <a:bodyPr wrap="square" lIns="72000" tIns="72000" rIns="72000" bIns="72000" rtlCol="0" anchor="ctr">
+            <a:spAutoFit/>
+          </a:bodyPr>
+          <a:lstStyle/>
+          <a:p>
+            <a:pPr algn="l"/>
+            <a:r>
+              <a:rPr lang="fr-FR" sz="1600" i="0" u="none" strike="noStrike" dirty="0">
+                <a:solidFill>
+                  <a:srgbClr val="333333"/>
+                </a:solidFill>
+                <a:effectLst/>
+                <a:latin typeface="Courier New" panose="02070309020205020404" pitchFamily="49" charset="0"/>
+              </a:rPr>
+              <a:t>process GET_SRA_BY_ACCESSION { </a:t>
+            </a:r>
+          </a:p>
+          <a:p>
+            <a:pPr algn="l"/>
+            <a:endParaRPr lang="fr-FR" sz="1600" i="0" u="none" strike="noStrike" dirty="0">
+              <a:solidFill>
+                <a:srgbClr val="333333"/>
+              </a:solidFill>
+              <a:effectLst/>
+              <a:latin typeface="Courier New" panose="02070309020205020404" pitchFamily="49" charset="0"/>
+            </a:endParaRPr>
+          </a:p>
+          <a:p>
+            <a:pPr algn="l"/>
+            <a:r>
+              <a:rPr lang="fr-FR" sz="1600" dirty="0">
+                <a:solidFill>
+                  <a:srgbClr val="333333"/>
+                </a:solidFill>
+                <a:latin typeface="Courier New" panose="02070309020205020404" pitchFamily="49" charset="0"/>
+              </a:rPr>
+              <a:t>	</a:t>
+            </a:r>
+            <a:r>
+              <a:rPr lang="fr-FR" sz="1600" dirty="0" err="1">
+                <a:solidFill>
+                  <a:schemeClr val="accent2"/>
+                </a:solidFill>
+                <a:latin typeface="Courier New" panose="02070309020205020404" pitchFamily="49" charset="0"/>
+              </a:rPr>
+              <a:t>cpus</a:t>
+            </a:r>
+            <a:r>
+              <a:rPr lang="fr-FR" sz="1600" dirty="0">
+                <a:solidFill>
+                  <a:srgbClr val="333333"/>
+                </a:solidFill>
+                <a:latin typeface="Courier New" panose="02070309020205020404" pitchFamily="49" charset="0"/>
+              </a:rPr>
+              <a:t> 2</a:t>
+            </a:r>
+          </a:p>
+          <a:p>
+            <a:r>
+              <a:rPr lang="fr-FR" sz="1600" dirty="0">
+                <a:solidFill>
+                  <a:srgbClr val="333333"/>
+                </a:solidFill>
+                <a:latin typeface="Courier New" panose="02070309020205020404" pitchFamily="49" charset="0"/>
+              </a:rPr>
+              <a:t>	</a:t>
+            </a:r>
+            <a:r>
+              <a:rPr lang="fr-FR" sz="1600" dirty="0">
+                <a:solidFill>
+                  <a:schemeClr val="accent2"/>
+                </a:solidFill>
+                <a:latin typeface="Courier New" panose="02070309020205020404" pitchFamily="49" charset="0"/>
+              </a:rPr>
+              <a:t>memory</a:t>
+            </a:r>
+            <a:r>
+              <a:rPr lang="fr-FR" sz="1600" dirty="0">
+                <a:solidFill>
+                  <a:srgbClr val="333333"/>
+                </a:solidFill>
+                <a:latin typeface="Courier New" panose="02070309020205020404" pitchFamily="49" charset="0"/>
+              </a:rPr>
+              <a:t> '8 GB' </a:t>
+            </a:r>
+          </a:p>
+          <a:p>
+            <a:pPr algn="l"/>
+            <a:endParaRPr lang="fr-FR" sz="1600" i="0" u="none" strike="noStrike" dirty="0">
+              <a:solidFill>
+                <a:srgbClr val="333333"/>
+              </a:solidFill>
+              <a:effectLst/>
+              <a:latin typeface="Courier New" panose="02070309020205020404" pitchFamily="49" charset="0"/>
+            </a:endParaRPr>
+          </a:p>
+          <a:p>
+            <a:pPr lvl="1"/>
+            <a:r>
+              <a:rPr lang="fr-FR" sz="1600" i="0" u="none" strike="noStrike" dirty="0">
+                <a:solidFill>
+                  <a:srgbClr val="333333"/>
+                </a:solidFill>
+                <a:effectLst/>
+                <a:latin typeface="Courier New" panose="02070309020205020404" pitchFamily="49" charset="0"/>
+              </a:rPr>
+              <a:t>input: </a:t>
+            </a:r>
+          </a:p>
+          <a:p>
+            <a:pPr lvl="1"/>
+            <a:r>
+              <a:rPr lang="fr-FR" sz="1600" dirty="0">
+                <a:solidFill>
+                  <a:srgbClr val="333333"/>
+                </a:solidFill>
+                <a:latin typeface="Courier New" panose="02070309020205020404" pitchFamily="49" charset="0"/>
+              </a:rPr>
+              <a:t>	</a:t>
+            </a:r>
+            <a:r>
+              <a:rPr lang="fr-FR" sz="1600" i="0" u="none" strike="noStrike" dirty="0">
+                <a:solidFill>
+                  <a:srgbClr val="333333"/>
+                </a:solidFill>
+                <a:effectLst/>
+                <a:latin typeface="Courier New" panose="02070309020205020404" pitchFamily="49" charset="0"/>
+              </a:rPr>
+              <a:t>val(</a:t>
+            </a:r>
+            <a:r>
+              <a:rPr lang="fr-FR" sz="1600" i="0" u="none" strike="noStrike" dirty="0" err="1">
+                <a:solidFill>
+                  <a:srgbClr val="333333"/>
+                </a:solidFill>
+                <a:effectLst/>
+                <a:latin typeface="Courier New" panose="02070309020205020404" pitchFamily="49" charset="0"/>
+              </a:rPr>
+              <a:t>sample</a:t>
+            </a:r>
+            <a:r>
+              <a:rPr lang="fr-FR" sz="1600" i="0" u="none" strike="noStrike" dirty="0">
+                <a:solidFill>
+                  <a:srgbClr val="333333"/>
+                </a:solidFill>
+                <a:effectLst/>
+                <a:latin typeface="Courier New" panose="02070309020205020404" pitchFamily="49" charset="0"/>
+              </a:rPr>
+              <a:t>) </a:t>
+            </a:r>
+          </a:p>
+          <a:p>
+            <a:pPr lvl="1"/>
+            <a:endParaRPr lang="fr-FR" sz="1600" i="0" u="none" strike="noStrike" dirty="0">
+              <a:solidFill>
+                <a:srgbClr val="333333"/>
+              </a:solidFill>
+              <a:effectLst/>
+              <a:latin typeface="Courier New" panose="02070309020205020404" pitchFamily="49" charset="0"/>
+            </a:endParaRPr>
+          </a:p>
+          <a:p>
+            <a:pPr lvl="1"/>
+            <a:r>
+              <a:rPr lang="fr-FR" sz="1600" i="0" u="none" strike="noStrike" dirty="0">
+                <a:solidFill>
+                  <a:srgbClr val="333333"/>
+                </a:solidFill>
+                <a:effectLst/>
+                <a:latin typeface="Courier New" panose="02070309020205020404" pitchFamily="49" charset="0"/>
+              </a:rPr>
+              <a:t>output: </a:t>
+            </a:r>
+          </a:p>
+          <a:p>
+            <a:pPr lvl="1"/>
+            <a:r>
+              <a:rPr lang="fr-FR" sz="1600" dirty="0">
+                <a:solidFill>
+                  <a:srgbClr val="333333"/>
+                </a:solidFill>
+                <a:latin typeface="Courier New" panose="02070309020205020404" pitchFamily="49" charset="0"/>
+              </a:rPr>
+              <a:t>	tuple val(</a:t>
+            </a:r>
+            <a:r>
+              <a:rPr lang="fr-FR" sz="1600" dirty="0" err="1">
+                <a:solidFill>
+                  <a:srgbClr val="333333"/>
+                </a:solidFill>
+                <a:latin typeface="Courier New" panose="02070309020205020404" pitchFamily="49" charset="0"/>
+              </a:rPr>
+              <a:t>sample</a:t>
+            </a:r>
+            <a:r>
+              <a:rPr lang="fr-FR" sz="1600" dirty="0">
+                <a:solidFill>
+                  <a:schemeClr val="tx1"/>
+                </a:solidFill>
+                <a:latin typeface="Courier New" panose="02070309020205020404" pitchFamily="49" charset="0"/>
+              </a:rPr>
+              <a:t>), </a:t>
+            </a:r>
+            <a:r>
+              <a:rPr lang="fr-FR" sz="1600" i="0" u="none" strike="noStrike" dirty="0" err="1">
+                <a:solidFill>
+                  <a:schemeClr val="tx1"/>
+                </a:solidFill>
+                <a:effectLst/>
+                <a:latin typeface="Courier New" panose="02070309020205020404" pitchFamily="49" charset="0"/>
+              </a:rPr>
+              <a:t>path</a:t>
+            </a:r>
+            <a:r>
+              <a:rPr lang="fr-FR" sz="1600" i="0" u="none" strike="noStrike" dirty="0">
+                <a:solidFill>
+                  <a:schemeClr val="tx1"/>
+                </a:solidFill>
+                <a:effectLst/>
+                <a:latin typeface="Courier New" panose="02070309020205020404" pitchFamily="49" charset="0"/>
+              </a:rPr>
+              <a:t>("${</a:t>
+            </a:r>
+            <a:r>
+              <a:rPr lang="fr-FR" sz="1600" i="0" u="none" strike="noStrike" dirty="0" err="1">
+                <a:solidFill>
+                  <a:schemeClr val="tx1"/>
+                </a:solidFill>
+                <a:effectLst/>
+                <a:latin typeface="Courier New" panose="02070309020205020404" pitchFamily="49" charset="0"/>
+              </a:rPr>
+              <a:t>sample</a:t>
+            </a:r>
+            <a:r>
+              <a:rPr lang="fr-FR" sz="1600" i="0" u="none" strike="noStrike" dirty="0">
+                <a:solidFill>
+                  <a:schemeClr val="tx1"/>
+                </a:solidFill>
+                <a:effectLst/>
+                <a:latin typeface="Courier New" panose="02070309020205020404" pitchFamily="49" charset="0"/>
+              </a:rPr>
+              <a:t>}.</a:t>
+            </a:r>
+            <a:r>
+              <a:rPr lang="fr-FR" sz="1600" i="0" u="none" strike="noStrike" dirty="0" err="1">
+                <a:solidFill>
+                  <a:schemeClr val="tx1"/>
+                </a:solidFill>
+                <a:effectLst/>
+                <a:latin typeface="Courier New" panose="02070309020205020404" pitchFamily="49" charset="0"/>
+              </a:rPr>
+              <a:t>fastq.gz</a:t>
+            </a:r>
+            <a:r>
+              <a:rPr lang="fr-FR" sz="1600" i="0" u="none" strike="noStrike" dirty="0">
+                <a:solidFill>
+                  <a:schemeClr val="tx1"/>
+                </a:solidFill>
+                <a:effectLst/>
+                <a:latin typeface="Courier New" panose="02070309020205020404" pitchFamily="49" charset="0"/>
+              </a:rPr>
+              <a:t>")</a:t>
+            </a:r>
+          </a:p>
+          <a:p>
+            <a:pPr lvl="1"/>
+            <a:endParaRPr lang="fr-FR" sz="1600" i="0" u="none" strike="noStrike" dirty="0">
+              <a:solidFill>
+                <a:srgbClr val="333333"/>
+              </a:solidFill>
+              <a:effectLst/>
+              <a:latin typeface="Courier New" panose="02070309020205020404" pitchFamily="49" charset="0"/>
+            </a:endParaRPr>
+          </a:p>
+          <a:p>
+            <a:pPr lvl="1"/>
+            <a:r>
+              <a:rPr lang="fr-FR" sz="1600" i="0" u="none" strike="noStrike" dirty="0">
+                <a:solidFill>
+                  <a:srgbClr val="333333"/>
+                </a:solidFill>
+                <a:effectLst/>
+                <a:latin typeface="Courier New" panose="02070309020205020404" pitchFamily="49" charset="0"/>
+              </a:rPr>
+              <a:t>script: </a:t>
+            </a:r>
+          </a:p>
+          <a:p>
+            <a:pPr lvl="2"/>
+            <a:r>
+              <a:rPr lang="fr-FR" sz="1600" i="0" u="none" strike="noStrike" dirty="0">
+                <a:solidFill>
+                  <a:srgbClr val="333333"/>
+                </a:solidFill>
+                <a:effectLst/>
+                <a:latin typeface="Courier New" panose="02070309020205020404" pitchFamily="49" charset="0"/>
+              </a:rPr>
+              <a:t>""" </a:t>
+            </a:r>
+          </a:p>
+          <a:p>
+            <a:pPr lvl="2"/>
+            <a:r>
+              <a:rPr lang="fr-FR" sz="1600" i="0" u="none" strike="noStrike" dirty="0" err="1">
+                <a:solidFill>
+                  <a:srgbClr val="333333"/>
+                </a:solidFill>
+                <a:effectLst/>
+                <a:latin typeface="Courier New" panose="02070309020205020404" pitchFamily="49" charset="0"/>
+              </a:rPr>
+              <a:t>fastq</a:t>
+            </a:r>
+            <a:r>
+              <a:rPr lang="fr-FR" sz="1600" i="0" u="none" strike="noStrike" dirty="0">
+                <a:solidFill>
+                  <a:srgbClr val="333333"/>
+                </a:solidFill>
+                <a:effectLst/>
+                <a:latin typeface="Courier New" panose="02070309020205020404" pitchFamily="49" charset="0"/>
+              </a:rPr>
+              <a:t>-dump ${</a:t>
+            </a:r>
+            <a:r>
+              <a:rPr lang="fr-FR" sz="1600" i="0" u="none" strike="noStrike" dirty="0" err="1">
+                <a:solidFill>
+                  <a:srgbClr val="333333"/>
+                </a:solidFill>
+                <a:effectLst/>
+                <a:latin typeface="Courier New" panose="02070309020205020404" pitchFamily="49" charset="0"/>
+              </a:rPr>
+              <a:t>sample</a:t>
+            </a:r>
+            <a:r>
+              <a:rPr lang="fr-FR" sz="1600" i="0" u="none" strike="noStrike" dirty="0">
+                <a:solidFill>
+                  <a:srgbClr val="333333"/>
+                </a:solidFill>
+                <a:effectLst/>
+                <a:latin typeface="Courier New" panose="02070309020205020404" pitchFamily="49" charset="0"/>
+              </a:rPr>
+              <a:t>} &gt; ${</a:t>
+            </a:r>
+            <a:r>
+              <a:rPr lang="fr-FR" sz="1600" i="0" u="none" strike="noStrike" dirty="0" err="1">
+                <a:solidFill>
+                  <a:srgbClr val="333333"/>
+                </a:solidFill>
+                <a:effectLst/>
+                <a:latin typeface="Courier New" panose="02070309020205020404" pitchFamily="49" charset="0"/>
+              </a:rPr>
+              <a:t>sample</a:t>
+            </a:r>
+            <a:r>
+              <a:rPr lang="fr-FR" sz="1600" i="0" u="none" strike="noStrike" dirty="0">
+                <a:solidFill>
+                  <a:srgbClr val="333333"/>
+                </a:solidFill>
+                <a:effectLst/>
+                <a:latin typeface="Courier New" panose="02070309020205020404" pitchFamily="49" charset="0"/>
+              </a:rPr>
+              <a:t>}.</a:t>
+            </a:r>
+            <a:r>
+              <a:rPr lang="fr-FR" sz="1600" i="0" u="none" strike="noStrike" dirty="0" err="1">
+                <a:solidFill>
+                  <a:srgbClr val="333333"/>
+                </a:solidFill>
+                <a:effectLst/>
+                <a:latin typeface="Courier New" panose="02070309020205020404" pitchFamily="49" charset="0"/>
+              </a:rPr>
+              <a:t>fastq.gz</a:t>
+            </a:r>
+            <a:r>
+              <a:rPr lang="fr-FR" sz="1600" i="0" u="none" strike="noStrike" dirty="0">
+                <a:solidFill>
+                  <a:srgbClr val="333333"/>
+                </a:solidFill>
+                <a:effectLst/>
+                <a:latin typeface="Courier New" panose="02070309020205020404" pitchFamily="49" charset="0"/>
+              </a:rPr>
+              <a:t> </a:t>
+            </a:r>
+          </a:p>
+          <a:p>
+            <a:pPr lvl="2"/>
+            <a:r>
+              <a:rPr lang="fr-FR" sz="1600" i="0" u="none" strike="noStrike" dirty="0">
+                <a:solidFill>
+                  <a:srgbClr val="333333"/>
+                </a:solidFill>
+                <a:effectLst/>
+                <a:latin typeface="Courier New" panose="02070309020205020404" pitchFamily="49" charset="0"/>
+              </a:rPr>
+              <a:t>"""</a:t>
+            </a:r>
+          </a:p>
+          <a:p>
+            <a:pPr algn="l"/>
+            <a:r>
+              <a:rPr lang="fr-FR" sz="1600" i="0" u="none" strike="noStrike" dirty="0">
+                <a:solidFill>
+                  <a:srgbClr val="333333"/>
+                </a:solidFill>
+                <a:effectLst/>
+                <a:latin typeface="Courier New" panose="02070309020205020404" pitchFamily="49" charset="0"/>
+              </a:rPr>
+              <a:t>} </a:t>
+            </a:r>
+          </a:p>
+        </p:txBody>
+      </p:sp>
+    </p:spTree>
+    <p:extLst>
+      <p:ext uri="{BB962C8B-B14F-4D97-AF65-F5344CB8AC3E}">
+        <p14:creationId xmlns:p14="http://schemas.microsoft.com/office/powerpoint/2010/main" val="1528649110"/>
       </p:ext>
     </p:extLst>
   </p:cSld>
@@ -12679,8 +12015,8 @@
         </p:nvSpPr>
         <p:spPr>
           <a:xfrm>
-            <a:off x="141448" y="1250656"/>
-            <a:ext cx="8861104" cy="3346283"/>
+            <a:off x="141448" y="511994"/>
+            <a:ext cx="8861104" cy="4823610"/>
           </a:xfrm>
           <a:prstGeom prst="rect">
             <a:avLst/>
@@ -12730,6 +12066,145 @@
             </a:endParaRPr>
           </a:p>
           <a:p>
+            <a:pPr algn="l"/>
+            <a:r>
+              <a:rPr lang="fr-FR" sz="1600" dirty="0">
+                <a:solidFill>
+                  <a:srgbClr val="333333"/>
+                </a:solidFill>
+                <a:latin typeface="Courier New" panose="02070309020205020404" pitchFamily="49" charset="0"/>
+              </a:rPr>
+              <a:t>	</a:t>
+            </a:r>
+            <a:r>
+              <a:rPr lang="fr-FR" sz="1600" dirty="0" err="1">
+                <a:solidFill>
+                  <a:schemeClr val="tx1"/>
+                </a:solidFill>
+                <a:latin typeface="Courier New" panose="02070309020205020404" pitchFamily="49" charset="0"/>
+              </a:rPr>
+              <a:t>cpus</a:t>
+            </a:r>
+            <a:r>
+              <a:rPr lang="fr-FR" sz="1600" dirty="0">
+                <a:solidFill>
+                  <a:schemeClr val="tx1"/>
+                </a:solidFill>
+                <a:latin typeface="Courier New" panose="02070309020205020404" pitchFamily="49" charset="0"/>
+              </a:rPr>
+              <a:t> 2</a:t>
+            </a:r>
+          </a:p>
+          <a:p>
+            <a:r>
+              <a:rPr lang="fr-FR" sz="1600" dirty="0">
+                <a:solidFill>
+                  <a:schemeClr val="tx1"/>
+                </a:solidFill>
+                <a:latin typeface="Courier New" panose="02070309020205020404" pitchFamily="49" charset="0"/>
+              </a:rPr>
+              <a:t>	memory '8 GB’ </a:t>
+            </a:r>
+          </a:p>
+          <a:p>
+            <a:pPr algn="l"/>
+            <a:endParaRPr lang="fr-FR" sz="1600" i="0" u="none" strike="noStrike" dirty="0">
+              <a:solidFill>
+                <a:srgbClr val="333333"/>
+              </a:solidFill>
+              <a:effectLst/>
+              <a:latin typeface="Courier New" panose="02070309020205020404" pitchFamily="49" charset="0"/>
+            </a:endParaRPr>
+          </a:p>
+          <a:p>
+            <a:pPr lvl="1"/>
+            <a:r>
+              <a:rPr lang="fr-FR" sz="1600" dirty="0" err="1">
+                <a:solidFill>
+                  <a:schemeClr val="accent2"/>
+                </a:solidFill>
+                <a:latin typeface="Courier New" panose="02070309020205020404" pitchFamily="49" charset="0"/>
+              </a:rPr>
+              <a:t>conda</a:t>
+            </a:r>
+            <a:r>
+              <a:rPr lang="fr-FR" sz="1600" dirty="0">
+                <a:solidFill>
+                  <a:srgbClr val="333333"/>
+                </a:solidFill>
+                <a:latin typeface="Courier New" panose="02070309020205020404" pitchFamily="49" charset="0"/>
+              </a:rPr>
+              <a:t> '</a:t>
+            </a:r>
+            <a:r>
+              <a:rPr lang="fr-FR" sz="1600" dirty="0" err="1">
+                <a:solidFill>
+                  <a:srgbClr val="333333"/>
+                </a:solidFill>
+                <a:latin typeface="Courier New" panose="02070309020205020404" pitchFamily="49" charset="0"/>
+              </a:rPr>
+              <a:t>sra-tools</a:t>
+            </a:r>
+            <a:r>
+              <a:rPr lang="fr-FR" sz="1600" dirty="0">
+                <a:solidFill>
+                  <a:srgbClr val="333333"/>
+                </a:solidFill>
+                <a:latin typeface="Courier New" panose="02070309020205020404" pitchFamily="49" charset="0"/>
+              </a:rPr>
+              <a:t>=2.11.0' </a:t>
+            </a:r>
+          </a:p>
+          <a:p>
+            <a:pPr lvl="1"/>
+            <a:r>
+              <a:rPr lang="fr-FR" sz="1600" dirty="0">
+                <a:solidFill>
+                  <a:schemeClr val="accent2"/>
+                </a:solidFill>
+                <a:latin typeface="Courier New" panose="02070309020205020404" pitchFamily="49" charset="0"/>
+              </a:rPr>
+              <a:t>container</a:t>
+            </a:r>
+            <a:r>
+              <a:rPr lang="fr-FR" sz="1600" dirty="0">
+                <a:solidFill>
+                  <a:srgbClr val="333333"/>
+                </a:solidFill>
+                <a:latin typeface="Courier New" panose="02070309020205020404" pitchFamily="49" charset="0"/>
+              </a:rPr>
+              <a:t> '</a:t>
+            </a:r>
+            <a:r>
+              <a:rPr lang="fr-FR" sz="1600" dirty="0" err="1">
+                <a:solidFill>
+                  <a:srgbClr val="333333"/>
+                </a:solidFill>
+                <a:latin typeface="Courier New" panose="02070309020205020404" pitchFamily="49" charset="0"/>
+              </a:rPr>
+              <a:t>ncbi</a:t>
+            </a:r>
+            <a:r>
+              <a:rPr lang="fr-FR" sz="1600" dirty="0">
+                <a:solidFill>
+                  <a:srgbClr val="333333"/>
+                </a:solidFill>
+                <a:latin typeface="Courier New" panose="02070309020205020404" pitchFamily="49" charset="0"/>
+              </a:rPr>
+              <a:t>/sra-tools:2.11.0' </a:t>
+            </a:r>
+          </a:p>
+          <a:p>
+            <a:pPr algn="l"/>
+            <a:endParaRPr lang="fr-FR" sz="1600" i="0" u="none" strike="noStrike" dirty="0">
+              <a:solidFill>
+                <a:srgbClr val="333333"/>
+              </a:solidFill>
+              <a:effectLst/>
+              <a:latin typeface="Courier New" panose="02070309020205020404" pitchFamily="49" charset="0"/>
+            </a:endParaRPr>
+          </a:p>
+          <a:p>
             <a:pPr lvl="1"/>
             <a:r>
               <a:rPr lang="fr-FR" sz="1600" i="0" u="none" strike="noStrike" dirty="0">
@@ -12816,39 +12291,21 @@
                 </a:solidFill>
                 <a:latin typeface="Courier New" panose="02070309020205020404" pitchFamily="49" charset="0"/>
               </a:rPr>
-              <a:t>	</a:t>
+              <a:t>	tuple val(</a:t>
+            </a:r>
+            <a:r>
+              <a:rPr lang="fr-FR" sz="1600" dirty="0" err="1">
+                <a:solidFill>
+                  <a:srgbClr val="333333"/>
+                </a:solidFill>
+                <a:latin typeface="Courier New" panose="02070309020205020404" pitchFamily="49" charset="0"/>
+              </a:rPr>
+              <a:t>sample</a:t>
             </a:r>
             <a:r>
               <a:rPr lang="fr-FR" sz="1600" dirty="0">
                 <a:solidFill>
-                  <a:schemeClr val="accent2"/>
-                </a:solidFill>
-                <a:latin typeface="Courier New" panose="02070309020205020404" pitchFamily="49" charset="0"/>
-              </a:rPr>
-              <a:t>tuple</a:t>
-            </a:r>
-            <a:r>
-              <a:rPr lang="fr-FR" sz="1600" dirty="0">
-                <a:solidFill>
-                  <a:srgbClr val="333333"/>
-                </a:solidFill>
-                <a:latin typeface="Courier New" panose="02070309020205020404" pitchFamily="49" charset="0"/>
-              </a:rPr>
-              <a:t> val(</a:t>
-            </a:r>
-            <a:r>
-              <a:rPr lang="fr-FR" sz="1600" dirty="0" err="1">
-                <a:solidFill>
-                  <a:srgbClr val="333333"/>
-                </a:solidFill>
-                <a:latin typeface="Courier New" panose="02070309020205020404" pitchFamily="49" charset="0"/>
-              </a:rPr>
-              <a:t>sample</a:t>
-            </a:r>
-            <a:r>
-              <a:rPr lang="fr-FR" sz="1600" dirty="0">
-                <a:solidFill>
-                  <a:srgbClr val="333333"/>
+                  <a:schemeClr val="tx1"/>
                 </a:solidFill>
                 <a:latin typeface="Courier New" panose="02070309020205020404" pitchFamily="49" charset="0"/>
               </a:rPr>
@@ -12857,7 +12314,7 @@
             <a:r>
               <a:rPr lang="fr-FR" sz="1600" i="0" u="none" strike="noStrike" dirty="0" err="1">
                 <a:solidFill>
-                  <a:srgbClr val="333333"/>
+                  <a:schemeClr val="tx1"/>
                 </a:solidFill>
                 <a:effectLst/>
                 <a:latin typeface="Courier New" panose="02070309020205020404" pitchFamily="49" charset="0"/>
@@ -13065,7 +12522,7 @@
     </p:spTree>
     <p:extLst>
       <p:ext uri="{BB962C8B-B14F-4D97-AF65-F5344CB8AC3E}">
-        <p14:creationId xmlns:p14="http://schemas.microsoft.com/office/powerpoint/2010/main" val="1318630279"/>
+        <p14:creationId xmlns:p14="http://schemas.microsoft.com/office/powerpoint/2010/main" val="3838495289"/>
       </p:ext>
     </p:extLst>
   </p:cSld>
@@ -13170,8 +12627,8 @@
         </p:nvSpPr>
         <p:spPr>
           <a:xfrm>
-            <a:off x="141448" y="881326"/>
-            <a:ext cx="8861104" cy="4084946"/>
+            <a:off x="141448" y="511994"/>
+            <a:ext cx="8861104" cy="4823610"/>
           </a:xfrm>
           <a:prstGeom prst="rect">
             <a:avLst/>
@@ -13234,7 +12691,7 @@
             <a:r>
               <a:rPr lang="fr-FR" sz="1600" dirty="0" err="1">
                 <a:solidFill>
-                  <a:schemeClr val="accent2"/>
+                  <a:schemeClr val="tx1"/>
                 </a:solidFill>
                 <a:latin typeface="Courier New" panose="02070309020205020404" pitchFamily="49" charset="0"/>
               </a:rPr>
@@ -13243,7 +12700,7 @@
             <a:r>
               <a:rPr lang="fr-FR" sz="1600" dirty="0">
                 <a:solidFill>
-                  <a:srgbClr val="333333"/>
+                  <a:schemeClr val="tx1"/>
                 </a:solidFill>
                 <a:latin typeface="Courier New" panose="02070309020205020404" pitchFamily="49" charset="0"/>
               </a:rPr>
@@ -13254,29 +12711,99 @@
             <a:r>
               <a:rPr lang="fr-FR" sz="1600" dirty="0">
                 <a:solidFill>
-                  <a:srgbClr val="333333"/>
-                </a:solidFill>
-                <a:latin typeface="Courier New" panose="02070309020205020404" pitchFamily="49" charset="0"/>
-              </a:rPr>
-              <a:t>	</a:t>
+                  <a:schemeClr val="tx1"/>
+                </a:solidFill>
+                <a:latin typeface="Courier New" panose="02070309020205020404" pitchFamily="49" charset="0"/>
+              </a:rPr>
+              <a:t>	memory '8 GB’ </a:t>
+            </a:r>
+          </a:p>
+          <a:p>
+            <a:pPr algn="l"/>
+            <a:endParaRPr lang="fr-FR" sz="1600" i="0" u="none" strike="noStrike" dirty="0">
+              <a:solidFill>
+                <a:schemeClr val="tx1"/>
+              </a:solidFill>
+              <a:effectLst/>
+              <a:latin typeface="Courier New" panose="02070309020205020404" pitchFamily="49" charset="0"/>
+            </a:endParaRPr>
+          </a:p>
+          <a:p>
+            <a:pPr lvl="1"/>
+            <a:r>
+              <a:rPr lang="fr-FR" sz="1600" dirty="0" err="1">
+                <a:solidFill>
+                  <a:schemeClr val="tx1"/>
+                </a:solidFill>
+                <a:latin typeface="Courier New" panose="02070309020205020404" pitchFamily="49" charset="0"/>
+              </a:rPr>
+              <a:t>conda</a:t>
             </a:r>
             <a:r>
               <a:rPr lang="fr-FR" sz="1600" dirty="0">
                 <a:solidFill>
-                  <a:schemeClr val="accent2"/>
-                </a:solidFill>
-                <a:latin typeface="Courier New" panose="02070309020205020404" pitchFamily="49" charset="0"/>
-              </a:rPr>
-              <a:t>memory</a:t>
+                  <a:schemeClr val="tx1"/>
+                </a:solidFill>
+                <a:latin typeface="Courier New" panose="02070309020205020404" pitchFamily="49" charset="0"/>
+              </a:rPr>
+              <a:t> '</a:t>
+            </a:r>
+            <a:r>
+              <a:rPr lang="fr-FR" sz="1600" dirty="0" err="1">
+                <a:solidFill>
+                  <a:schemeClr val="tx1"/>
+                </a:solidFill>
+                <a:latin typeface="Courier New" panose="02070309020205020404" pitchFamily="49" charset="0"/>
+              </a:rPr>
+              <a:t>sra-tools</a:t>
             </a:r>
             <a:r>
               <a:rPr lang="fr-FR" sz="1600" dirty="0">
                 <a:solidFill>
-                  <a:srgbClr val="333333"/>
-                </a:solidFill>
-                <a:latin typeface="Courier New" panose="02070309020205020404" pitchFamily="49" charset="0"/>
-              </a:rPr>
-              <a:t> '8 GB' </a:t>
+                  <a:schemeClr val="tx1"/>
+                </a:solidFill>
+                <a:latin typeface="Courier New" panose="02070309020205020404" pitchFamily="49" charset="0"/>
+              </a:rPr>
+              <a:t>=2.11.0' </a:t>
+            </a:r>
+          </a:p>
+          <a:p>
+            <a:pPr lvl="1"/>
+            <a:r>
+              <a:rPr lang="fr-FR" sz="1600" dirty="0">
+                <a:solidFill>
+                  <a:schemeClr val="tx1"/>
+                </a:solidFill>
+                <a:latin typeface="Courier New" panose="02070309020205020404" pitchFamily="49" charset="0"/>
+              </a:rPr>
+              <a:t>container </a:t>
+            </a:r>
+            <a:r>
+              <a:rPr lang="fr-FR" sz="1600" dirty="0">
+                <a:solidFill>
+                  <a:srgbClr val="333333"/>
+                </a:solidFill>
+                <a:latin typeface="Courier New" panose="02070309020205020404" pitchFamily="49" charset="0"/>
+              </a:rPr>
+              <a:t>'</a:t>
+            </a:r>
+            <a:r>
+              <a:rPr lang="fr-FR" sz="1600" dirty="0" err="1">
+                <a:solidFill>
+                  <a:srgbClr val="333333"/>
+                </a:solidFill>
+                <a:latin typeface="Courier New" panose="02070309020205020404" pitchFamily="49" charset="0"/>
+              </a:rPr>
+              <a:t>ncbi</a:t>
+            </a:r>
+            <a:r>
+              <a:rPr lang="fr-FR" sz="1600" dirty="0">
+                <a:solidFill>
+                  <a:srgbClr val="333333"/>
+                </a:solidFill>
+                <a:latin typeface="Courier New" panose="02070309020205020404" pitchFamily="49" charset="0"/>
+              </a:rPr>
+              <a:t>/sra-tools:2.11.0' </a:t>
             </a:r>
           </a:p>
           <a:p>
@@ -13533,7 +13060,47 @@
                 <a:effectLst/>
                 <a:latin typeface="Courier New" panose="02070309020205020404" pitchFamily="49" charset="0"/>
               </a:rPr>
-              <a:t>} &gt; ${</a:t>
+              <a:t>} </a:t>
+            </a:r>
+            <a:r>
+              <a:rPr lang="fr-FR" sz="1600" i="0" u="none" strike="noStrike" dirty="0">
+                <a:solidFill>
+                  <a:schemeClr val="accent2"/>
+                </a:solidFill>
+                <a:effectLst/>
+                <a:latin typeface="Courier New" panose="02070309020205020404" pitchFamily="49" charset="0"/>
+              </a:rPr>
+              <a:t>–X {</a:t>
+            </a:r>
+            <a:r>
+              <a:rPr lang="fr-FR" sz="1600" i="0" u="none" strike="noStrike" dirty="0" err="1">
+                <a:solidFill>
+                  <a:schemeClr val="accent2"/>
+                </a:solidFill>
+                <a:effectLst/>
+                <a:latin typeface="Courier New" panose="02070309020205020404" pitchFamily="49" charset="0"/>
+              </a:rPr>
+              <a:t>params.depth</a:t>
+            </a:r>
+            <a:r>
+              <a:rPr lang="fr-FR" sz="1600" i="0" u="none" strike="noStrike" dirty="0">
+                <a:solidFill>
+                  <a:schemeClr val="accent2"/>
+                </a:solidFill>
+                <a:effectLst/>
+                <a:latin typeface="Courier New" panose="02070309020205020404" pitchFamily="49" charset="0"/>
+              </a:rPr>
+              <a:t>} </a:t>
+            </a:r>
+            <a:r>
+              <a:rPr lang="fr-FR" sz="1600" i="0" u="none" strike="noStrike" dirty="0">
+                <a:solidFill>
+                  <a:srgbClr val="333333"/>
+                </a:solidFill>
+                <a:effectLst/>
+                <a:latin typeface="Courier New" panose="02070309020205020404" pitchFamily="49" charset="0"/>
+              </a:rPr>
+              <a:t>&gt; ${</a:t>
             </a:r>
             <a:r>
               <a:rPr lang="fr-FR" sz="1600" i="0" u="none" strike="noStrike" dirty="0" err="1">
@@ -13607,7 +13174,7 @@
     </p:spTree>
     <p:extLst>
       <p:ext uri="{BB962C8B-B14F-4D97-AF65-F5344CB8AC3E}">
-        <p14:creationId xmlns:p14="http://schemas.microsoft.com/office/powerpoint/2010/main" val="1528649110"/>
+        <p14:creationId xmlns:p14="http://schemas.microsoft.com/office/powerpoint/2010/main" val="1720193582"/>
       </p:ext>
     </p:extLst>
   </p:cSld>
